--- a/media/NI-GEN-1.pptx
+++ b/media/NI-GEN-1.pptx
@@ -5,28 +5,42 @@
     <p:sldMasterId id="2147483648" r:id="rId1"/>
   </p:sldMasterIdLst>
   <p:notesMasterIdLst>
-    <p:notesMasterId r:id="rId21"/>
+    <p:notesMasterId r:id="rId35"/>
   </p:notesMasterIdLst>
   <p:sldIdLst>
     <p:sldId id="256" r:id="rId2"/>
-    <p:sldId id="553" r:id="rId3"/>
-    <p:sldId id="554" r:id="rId4"/>
-    <p:sldId id="558" r:id="rId5"/>
-    <p:sldId id="556" r:id="rId6"/>
-    <p:sldId id="559" r:id="rId7"/>
-    <p:sldId id="557" r:id="rId8"/>
-    <p:sldId id="563" r:id="rId9"/>
-    <p:sldId id="566" r:id="rId10"/>
-    <p:sldId id="564" r:id="rId11"/>
-    <p:sldId id="567" r:id="rId12"/>
-    <p:sldId id="569" r:id="rId13"/>
-    <p:sldId id="570" r:id="rId14"/>
-    <p:sldId id="568" r:id="rId15"/>
-    <p:sldId id="555" r:id="rId16"/>
-    <p:sldId id="560" r:id="rId17"/>
-    <p:sldId id="561" r:id="rId18"/>
-    <p:sldId id="562" r:id="rId19"/>
-    <p:sldId id="552" r:id="rId20"/>
+    <p:sldId id="573" r:id="rId3"/>
+    <p:sldId id="583" r:id="rId4"/>
+    <p:sldId id="571" r:id="rId5"/>
+    <p:sldId id="574" r:id="rId6"/>
+    <p:sldId id="576" r:id="rId7"/>
+    <p:sldId id="577" r:id="rId8"/>
+    <p:sldId id="578" r:id="rId9"/>
+    <p:sldId id="579" r:id="rId10"/>
+    <p:sldId id="575" r:id="rId11"/>
+    <p:sldId id="580" r:id="rId12"/>
+    <p:sldId id="556" r:id="rId13"/>
+    <p:sldId id="559" r:id="rId14"/>
+    <p:sldId id="557" r:id="rId15"/>
+    <p:sldId id="563" r:id="rId16"/>
+    <p:sldId id="566" r:id="rId17"/>
+    <p:sldId id="564" r:id="rId18"/>
+    <p:sldId id="567" r:id="rId19"/>
+    <p:sldId id="584" r:id="rId20"/>
+    <p:sldId id="582" r:id="rId21"/>
+    <p:sldId id="581" r:id="rId22"/>
+    <p:sldId id="585" r:id="rId23"/>
+    <p:sldId id="586" r:id="rId24"/>
+    <p:sldId id="593" r:id="rId25"/>
+    <p:sldId id="594" r:id="rId26"/>
+    <p:sldId id="589" r:id="rId27"/>
+    <p:sldId id="588" r:id="rId28"/>
+    <p:sldId id="590" r:id="rId29"/>
+    <p:sldId id="591" r:id="rId30"/>
+    <p:sldId id="592" r:id="rId31"/>
+    <p:sldId id="552" r:id="rId32"/>
+    <p:sldId id="569" r:id="rId33"/>
+    <p:sldId id="570" r:id="rId34"/>
   </p:sldIdLst>
   <p:sldSz cx="12192000" cy="6858000"/>
   <p:notesSz cx="6858000" cy="9144000"/>
@@ -215,7 +229,7 @@
           <a:p>
             <a:fld id="{30F61A09-C243-4AF9-8E89-AFF8EF129A8C}" type="datetimeFigureOut">
               <a:rPr lang="en-GB" smtClean="0"/>
-              <a:t>04/06/2020</a:t>
+              <a:t>01/02/2021</a:t>
             </a:fld>
             <a:endParaRPr lang="en-GB"/>
           </a:p>
@@ -567,6 +581,438 @@
 </p:notes>
 </file>
 
+<file path=ppt/notesSlides/notesSlide10.xml><?xml version="1.0" encoding="utf-8"?>
+<p:notes xmlns:a="http://schemas.openxmlformats.org/drawingml/2006/main" xmlns:r="http://schemas.openxmlformats.org/officeDocument/2006/relationships" xmlns:p="http://schemas.openxmlformats.org/presentationml/2006/main">
+  <p:cSld>
+    <p:spTree>
+      <p:nvGrpSpPr>
+        <p:cNvPr id="1" name=""/>
+        <p:cNvGrpSpPr/>
+        <p:nvPr/>
+      </p:nvGrpSpPr>
+      <p:grpSpPr>
+        <a:xfrm>
+          <a:off x="0" y="0"/>
+          <a:ext cx="0" cy="0"/>
+          <a:chOff x="0" y="0"/>
+          <a:chExt cx="0" cy="0"/>
+        </a:xfrm>
+      </p:grpSpPr>
+      <p:sp>
+        <p:nvSpPr>
+          <p:cNvPr id="2" name="Slide Image Placeholder 1"/>
+          <p:cNvSpPr>
+            <a:spLocks noGrp="1" noRot="1" noChangeAspect="1"/>
+          </p:cNvSpPr>
+          <p:nvPr>
+            <p:ph type="sldImg"/>
+          </p:nvPr>
+        </p:nvSpPr>
+        <p:spPr/>
+      </p:sp>
+      <p:sp>
+        <p:nvSpPr>
+          <p:cNvPr id="3" name="Notes Placeholder 2"/>
+          <p:cNvSpPr>
+            <a:spLocks noGrp="1"/>
+          </p:cNvSpPr>
+          <p:nvPr>
+            <p:ph type="body" idx="1"/>
+          </p:nvPr>
+        </p:nvSpPr>
+        <p:spPr/>
+        <p:txBody>
+          <a:bodyPr/>
+          <a:lstStyle/>
+          <a:p>
+            <a:r>
+              <a:rPr lang="en-US" dirty="0"/>
+              <a:t>Happens in real time</a:t>
+            </a:r>
+          </a:p>
+        </p:txBody>
+      </p:sp>
+      <p:sp>
+        <p:nvSpPr>
+          <p:cNvPr id="4" name="Slide Number Placeholder 3"/>
+          <p:cNvSpPr>
+            <a:spLocks noGrp="1"/>
+          </p:cNvSpPr>
+          <p:nvPr>
+            <p:ph type="sldNum" sz="quarter" idx="5"/>
+          </p:nvPr>
+        </p:nvSpPr>
+        <p:spPr/>
+        <p:txBody>
+          <a:bodyPr/>
+          <a:lstStyle/>
+          <a:p>
+            <a:fld id="{CDD374D8-11B8-4947-8BFB-7F91CC1BAA57}" type="slidenum">
+              <a:rPr lang="en-GB" smtClean="0"/>
+              <a:t>24</a:t>
+            </a:fld>
+            <a:endParaRPr lang="en-GB"/>
+          </a:p>
+        </p:txBody>
+      </p:sp>
+    </p:spTree>
+    <p:extLst>
+      <p:ext uri="{BB962C8B-B14F-4D97-AF65-F5344CB8AC3E}">
+        <p14:creationId xmlns:p14="http://schemas.microsoft.com/office/powerpoint/2010/main" val="2755489396"/>
+      </p:ext>
+    </p:extLst>
+  </p:cSld>
+  <p:clrMapOvr>
+    <a:masterClrMapping/>
+  </p:clrMapOvr>
+</p:notes>
+</file>
+
+<file path=ppt/notesSlides/notesSlide11.xml><?xml version="1.0" encoding="utf-8"?>
+<p:notes xmlns:a="http://schemas.openxmlformats.org/drawingml/2006/main" xmlns:r="http://schemas.openxmlformats.org/officeDocument/2006/relationships" xmlns:p="http://schemas.openxmlformats.org/presentationml/2006/main">
+  <p:cSld>
+    <p:spTree>
+      <p:nvGrpSpPr>
+        <p:cNvPr id="1" name=""/>
+        <p:cNvGrpSpPr/>
+        <p:nvPr/>
+      </p:nvGrpSpPr>
+      <p:grpSpPr>
+        <a:xfrm>
+          <a:off x="0" y="0"/>
+          <a:ext cx="0" cy="0"/>
+          <a:chOff x="0" y="0"/>
+          <a:chExt cx="0" cy="0"/>
+        </a:xfrm>
+      </p:grpSpPr>
+      <p:sp>
+        <p:nvSpPr>
+          <p:cNvPr id="2" name="Slide Image Placeholder 1"/>
+          <p:cNvSpPr>
+            <a:spLocks noGrp="1" noRot="1" noChangeAspect="1"/>
+          </p:cNvSpPr>
+          <p:nvPr>
+            <p:ph type="sldImg"/>
+          </p:nvPr>
+        </p:nvSpPr>
+        <p:spPr/>
+      </p:sp>
+      <p:sp>
+        <p:nvSpPr>
+          <p:cNvPr id="3" name="Notes Placeholder 2"/>
+          <p:cNvSpPr>
+            <a:spLocks noGrp="1"/>
+          </p:cNvSpPr>
+          <p:nvPr>
+            <p:ph type="body" idx="1"/>
+          </p:nvPr>
+        </p:nvSpPr>
+        <p:spPr/>
+        <p:txBody>
+          <a:bodyPr/>
+          <a:lstStyle/>
+          <a:p>
+            <a:r>
+              <a:rPr lang="en-US" dirty="0"/>
+              <a:t>Happens in real time</a:t>
+            </a:r>
+          </a:p>
+        </p:txBody>
+      </p:sp>
+      <p:sp>
+        <p:nvSpPr>
+          <p:cNvPr id="4" name="Slide Number Placeholder 3"/>
+          <p:cNvSpPr>
+            <a:spLocks noGrp="1"/>
+          </p:cNvSpPr>
+          <p:nvPr>
+            <p:ph type="sldNum" sz="quarter" idx="5"/>
+          </p:nvPr>
+        </p:nvSpPr>
+        <p:spPr/>
+        <p:txBody>
+          <a:bodyPr/>
+          <a:lstStyle/>
+          <a:p>
+            <a:fld id="{CDD374D8-11B8-4947-8BFB-7F91CC1BAA57}" type="slidenum">
+              <a:rPr lang="en-GB" smtClean="0"/>
+              <a:t>25</a:t>
+            </a:fld>
+            <a:endParaRPr lang="en-GB"/>
+          </a:p>
+        </p:txBody>
+      </p:sp>
+    </p:spTree>
+    <p:extLst>
+      <p:ext uri="{BB962C8B-B14F-4D97-AF65-F5344CB8AC3E}">
+        <p14:creationId xmlns:p14="http://schemas.microsoft.com/office/powerpoint/2010/main" val="2833786763"/>
+      </p:ext>
+    </p:extLst>
+  </p:cSld>
+  <p:clrMapOvr>
+    <a:masterClrMapping/>
+  </p:clrMapOvr>
+</p:notes>
+</file>
+
+<file path=ppt/notesSlides/notesSlide12.xml><?xml version="1.0" encoding="utf-8"?>
+<p:notes xmlns:a="http://schemas.openxmlformats.org/drawingml/2006/main" xmlns:r="http://schemas.openxmlformats.org/officeDocument/2006/relationships" xmlns:p="http://schemas.openxmlformats.org/presentationml/2006/main">
+  <p:cSld>
+    <p:spTree>
+      <p:nvGrpSpPr>
+        <p:cNvPr id="1" name=""/>
+        <p:cNvGrpSpPr/>
+        <p:nvPr/>
+      </p:nvGrpSpPr>
+      <p:grpSpPr>
+        <a:xfrm>
+          <a:off x="0" y="0"/>
+          <a:ext cx="0" cy="0"/>
+          <a:chOff x="0" y="0"/>
+          <a:chExt cx="0" cy="0"/>
+        </a:xfrm>
+      </p:grpSpPr>
+      <p:sp>
+        <p:nvSpPr>
+          <p:cNvPr id="2" name="Slide Image Placeholder 1"/>
+          <p:cNvSpPr>
+            <a:spLocks noGrp="1" noRot="1" noChangeAspect="1"/>
+          </p:cNvSpPr>
+          <p:nvPr>
+            <p:ph type="sldImg"/>
+          </p:nvPr>
+        </p:nvSpPr>
+        <p:spPr/>
+      </p:sp>
+      <p:sp>
+        <p:nvSpPr>
+          <p:cNvPr id="3" name="Notes Placeholder 2"/>
+          <p:cNvSpPr>
+            <a:spLocks noGrp="1"/>
+          </p:cNvSpPr>
+          <p:nvPr>
+            <p:ph type="body" idx="1"/>
+          </p:nvPr>
+        </p:nvSpPr>
+        <p:spPr/>
+        <p:txBody>
+          <a:bodyPr/>
+          <a:lstStyle/>
+          <a:p>
+            <a:r>
+              <a:rPr lang="en-US" dirty="0"/>
+              <a:t>TODO show how the stuff propagates through the compiler</a:t>
+            </a:r>
+          </a:p>
+        </p:txBody>
+      </p:sp>
+      <p:sp>
+        <p:nvSpPr>
+          <p:cNvPr id="4" name="Slide Number Placeholder 3"/>
+          <p:cNvSpPr>
+            <a:spLocks noGrp="1"/>
+          </p:cNvSpPr>
+          <p:nvPr>
+            <p:ph type="sldNum" sz="quarter" idx="5"/>
+          </p:nvPr>
+        </p:nvSpPr>
+        <p:spPr/>
+        <p:txBody>
+          <a:bodyPr/>
+          <a:lstStyle/>
+          <a:p>
+            <a:fld id="{CDD374D8-11B8-4947-8BFB-7F91CC1BAA57}" type="slidenum">
+              <a:rPr lang="en-GB" smtClean="0"/>
+              <a:t>28</a:t>
+            </a:fld>
+            <a:endParaRPr lang="en-GB"/>
+          </a:p>
+        </p:txBody>
+      </p:sp>
+    </p:spTree>
+    <p:extLst>
+      <p:ext uri="{BB962C8B-B14F-4D97-AF65-F5344CB8AC3E}">
+        <p14:creationId xmlns:p14="http://schemas.microsoft.com/office/powerpoint/2010/main" val="780517432"/>
+      </p:ext>
+    </p:extLst>
+  </p:cSld>
+  <p:clrMapOvr>
+    <a:masterClrMapping/>
+  </p:clrMapOvr>
+</p:notes>
+</file>
+
+<file path=ppt/notesSlides/notesSlide13.xml><?xml version="1.0" encoding="utf-8"?>
+<p:notes xmlns:a="http://schemas.openxmlformats.org/drawingml/2006/main" xmlns:r="http://schemas.openxmlformats.org/officeDocument/2006/relationships" xmlns:p="http://schemas.openxmlformats.org/presentationml/2006/main">
+  <p:cSld>
+    <p:spTree>
+      <p:nvGrpSpPr>
+        <p:cNvPr id="1" name=""/>
+        <p:cNvGrpSpPr/>
+        <p:nvPr/>
+      </p:nvGrpSpPr>
+      <p:grpSpPr>
+        <a:xfrm>
+          <a:off x="0" y="0"/>
+          <a:ext cx="0" cy="0"/>
+          <a:chOff x="0" y="0"/>
+          <a:chExt cx="0" cy="0"/>
+        </a:xfrm>
+      </p:grpSpPr>
+      <p:sp>
+        <p:nvSpPr>
+          <p:cNvPr id="2" name="Slide Image Placeholder 1"/>
+          <p:cNvSpPr>
+            <a:spLocks noGrp="1" noRot="1" noChangeAspect="1"/>
+          </p:cNvSpPr>
+          <p:nvPr>
+            <p:ph type="sldImg"/>
+          </p:nvPr>
+        </p:nvSpPr>
+        <p:spPr/>
+      </p:sp>
+      <p:sp>
+        <p:nvSpPr>
+          <p:cNvPr id="3" name="Notes Placeholder 2"/>
+          <p:cNvSpPr>
+            <a:spLocks noGrp="1"/>
+          </p:cNvSpPr>
+          <p:nvPr>
+            <p:ph type="body" idx="1"/>
+          </p:nvPr>
+        </p:nvSpPr>
+        <p:spPr/>
+        <p:txBody>
+          <a:bodyPr/>
+          <a:lstStyle/>
+          <a:p>
+            <a:r>
+              <a:rPr lang="en-US" dirty="0"/>
+              <a:t>TODO show the courses that deal with parts of the compiler taught at fit (AAG, PJP, AP, etc.)</a:t>
+            </a:r>
+          </a:p>
+        </p:txBody>
+      </p:sp>
+      <p:sp>
+        <p:nvSpPr>
+          <p:cNvPr id="4" name="Slide Number Placeholder 3"/>
+          <p:cNvSpPr>
+            <a:spLocks noGrp="1"/>
+          </p:cNvSpPr>
+          <p:nvPr>
+            <p:ph type="sldNum" sz="quarter" idx="5"/>
+          </p:nvPr>
+        </p:nvSpPr>
+        <p:spPr/>
+        <p:txBody>
+          <a:bodyPr/>
+          <a:lstStyle/>
+          <a:p>
+            <a:fld id="{CDD374D8-11B8-4947-8BFB-7F91CC1BAA57}" type="slidenum">
+              <a:rPr lang="en-GB" smtClean="0"/>
+              <a:t>29</a:t>
+            </a:fld>
+            <a:endParaRPr lang="en-GB"/>
+          </a:p>
+        </p:txBody>
+      </p:sp>
+    </p:spTree>
+    <p:extLst>
+      <p:ext uri="{BB962C8B-B14F-4D97-AF65-F5344CB8AC3E}">
+        <p14:creationId xmlns:p14="http://schemas.microsoft.com/office/powerpoint/2010/main" val="2501631993"/>
+      </p:ext>
+    </p:extLst>
+  </p:cSld>
+  <p:clrMapOvr>
+    <a:masterClrMapping/>
+  </p:clrMapOvr>
+</p:notes>
+</file>
+
+<file path=ppt/notesSlides/notesSlide14.xml><?xml version="1.0" encoding="utf-8"?>
+<p:notes xmlns:a="http://schemas.openxmlformats.org/drawingml/2006/main" xmlns:r="http://schemas.openxmlformats.org/officeDocument/2006/relationships" xmlns:p="http://schemas.openxmlformats.org/presentationml/2006/main">
+  <p:cSld>
+    <p:spTree>
+      <p:nvGrpSpPr>
+        <p:cNvPr id="1" name=""/>
+        <p:cNvGrpSpPr/>
+        <p:nvPr/>
+      </p:nvGrpSpPr>
+      <p:grpSpPr>
+        <a:xfrm>
+          <a:off x="0" y="0"/>
+          <a:ext cx="0" cy="0"/>
+          <a:chOff x="0" y="0"/>
+          <a:chExt cx="0" cy="0"/>
+        </a:xfrm>
+      </p:grpSpPr>
+      <p:sp>
+        <p:nvSpPr>
+          <p:cNvPr id="2" name="Slide Image Placeholder 1"/>
+          <p:cNvSpPr>
+            <a:spLocks noGrp="1" noRot="1" noChangeAspect="1"/>
+          </p:cNvSpPr>
+          <p:nvPr>
+            <p:ph type="sldImg"/>
+          </p:nvPr>
+        </p:nvSpPr>
+        <p:spPr/>
+      </p:sp>
+      <p:sp>
+        <p:nvSpPr>
+          <p:cNvPr id="3" name="Notes Placeholder 2"/>
+          <p:cNvSpPr>
+            <a:spLocks noGrp="1"/>
+          </p:cNvSpPr>
+          <p:nvPr>
+            <p:ph type="body" idx="1"/>
+          </p:nvPr>
+        </p:nvSpPr>
+        <p:spPr/>
+        <p:txBody>
+          <a:bodyPr/>
+          <a:lstStyle/>
+          <a:p>
+            <a:endParaRPr lang="en-GB" dirty="0"/>
+          </a:p>
+        </p:txBody>
+      </p:sp>
+      <p:sp>
+        <p:nvSpPr>
+          <p:cNvPr id="4" name="Slide Number Placeholder 3"/>
+          <p:cNvSpPr>
+            <a:spLocks noGrp="1"/>
+          </p:cNvSpPr>
+          <p:nvPr>
+            <p:ph type="sldNum" sz="quarter" idx="5"/>
+          </p:nvPr>
+        </p:nvSpPr>
+        <p:spPr/>
+        <p:txBody>
+          <a:bodyPr/>
+          <a:lstStyle/>
+          <a:p>
+            <a:fld id="{CDD374D8-11B8-4947-8BFB-7F91CC1BAA57}" type="slidenum">
+              <a:rPr lang="en-GB" smtClean="0"/>
+              <a:t>31</a:t>
+            </a:fld>
+            <a:endParaRPr lang="en-GB"/>
+          </a:p>
+        </p:txBody>
+      </p:sp>
+    </p:spTree>
+    <p:extLst>
+      <p:ext uri="{BB962C8B-B14F-4D97-AF65-F5344CB8AC3E}">
+        <p14:creationId xmlns:p14="http://schemas.microsoft.com/office/powerpoint/2010/main" val="2267878053"/>
+      </p:ext>
+    </p:extLst>
+  </p:cSld>
+  <p:clrMapOvr>
+    <a:masterClrMapping/>
+  </p:clrMapOvr>
+</p:notes>
+</file>
+
 <file path=ppt/notesSlides/notesSlide2.xml><?xml version="1.0" encoding="utf-8"?>
 <p:notes xmlns:a="http://schemas.openxmlformats.org/drawingml/2006/main" xmlns:r="http://schemas.openxmlformats.org/officeDocument/2006/relationships" xmlns:p="http://schemas.openxmlformats.org/presentationml/2006/main">
   <p:cSld>
@@ -611,27 +1057,9 @@
           <a:bodyPr/>
           <a:lstStyle/>
           <a:p>
-            <a:pPr marL="171450" indent="-171450">
-              <a:buFontTx/>
-              <a:buChar char="-"/>
-            </a:pPr>
-            <a:r>
-              <a:rPr lang="en-US" dirty="0" err="1"/>
-              <a:t>Corrado</a:t>
-            </a:r>
             <a:r>
               <a:rPr lang="en-US" dirty="0"/>
-              <a:t> Bohm and his PhD thesis – a self-compiling compiler for an interesting language where every statement was assignment operator</a:t>
-            </a:r>
-          </a:p>
-          <a:p>
-            <a:pPr marL="171450" indent="-171450">
-              <a:buFontTx/>
-              <a:buChar char="-"/>
-            </a:pPr>
-            <a:r>
-              <a:rPr lang="en-US" dirty="0"/>
-              <a:t>He probably felt guilty about this so later become an important figure in functional programming </a:t>
+              <a:t>Your compiler will have to be able to work with code such as this (in terms of language and program complexity)</a:t>
             </a:r>
           </a:p>
         </p:txBody>
@@ -653,7 +1081,7 @@
           <a:p>
             <a:fld id="{CDD374D8-11B8-4947-8BFB-7F91CC1BAA57}" type="slidenum">
               <a:rPr lang="en-GB" smtClean="0"/>
-              <a:t>4</a:t>
+              <a:t>9</a:t>
             </a:fld>
             <a:endParaRPr lang="en-GB"/>
           </a:p>
@@ -662,7 +1090,7 @@
     </p:spTree>
     <p:extLst>
       <p:ext uri="{BB962C8B-B14F-4D97-AF65-F5344CB8AC3E}">
-        <p14:creationId xmlns:p14="http://schemas.microsoft.com/office/powerpoint/2010/main" val="1252004318"/>
+        <p14:creationId xmlns:p14="http://schemas.microsoft.com/office/powerpoint/2010/main" val="3853743767"/>
       </p:ext>
     </p:extLst>
   </p:cSld>
@@ -718,24 +1146,7 @@
           <a:p>
             <a:r>
               <a:rPr lang="en-US" dirty="0"/>
-              <a:t>The first compiler was designed by </a:t>
-            </a:r>
-            <a:r>
-              <a:rPr lang="en-US" dirty="0" err="1"/>
-              <a:t>Corrado</a:t>
-            </a:r>
-            <a:r>
-              <a:rPr lang="en-US" dirty="0"/>
-              <a:t> Bohm in 1951. This being the very early days of computer science, he did not actually program it, but just designed it. And with its design, he had to design a programming language it would compile and a computer that would execute it. </a:t>
-            </a:r>
-          </a:p>
-          <a:p>
-            <a:endParaRPr lang="en-US" dirty="0"/>
-          </a:p>
-          <a:p>
-            <a:r>
-              <a:rPr lang="en-US" dirty="0"/>
-              <a:t>Not only did he create the first compiler, but he also described the compiler in the language it was supposed to compile, the so called self-hosting compiler. The language itself was also interesting as it consisted solely of assignments. He probably felt guilty about this and later become involved with functional languages and is the author of structured program theorem.</a:t>
+              <a:t>Help wanted with the course, and needed</a:t>
             </a:r>
           </a:p>
         </p:txBody>
@@ -757,7 +1168,7 @@
           <a:p>
             <a:fld id="{CDD374D8-11B8-4947-8BFB-7F91CC1BAA57}" type="slidenum">
               <a:rPr lang="en-GB" smtClean="0"/>
-              <a:t>6</a:t>
+              <a:t>10</a:t>
             </a:fld>
             <a:endParaRPr lang="en-GB"/>
           </a:p>
@@ -766,7 +1177,7 @@
     </p:spTree>
     <p:extLst>
       <p:ext uri="{BB962C8B-B14F-4D97-AF65-F5344CB8AC3E}">
-        <p14:creationId xmlns:p14="http://schemas.microsoft.com/office/powerpoint/2010/main" val="1426464755"/>
+        <p14:creationId xmlns:p14="http://schemas.microsoft.com/office/powerpoint/2010/main" val="2848636291"/>
       </p:ext>
     </p:extLst>
   </p:cSld>
@@ -820,10 +1231,7 @@
           <a:bodyPr/>
           <a:lstStyle/>
           <a:p>
-            <a:r>
-              <a:rPr lang="en-US" dirty="0"/>
-              <a:t>Manchester Mark I</a:t>
-            </a:r>
+            <a:endParaRPr lang="en-GB"/>
           </a:p>
         </p:txBody>
       </p:sp>
@@ -844,7 +1252,7 @@
           <a:p>
             <a:fld id="{CDD374D8-11B8-4947-8BFB-7F91CC1BAA57}" type="slidenum">
               <a:rPr lang="en-GB" smtClean="0"/>
-              <a:t>7</a:t>
+              <a:t>11</a:t>
             </a:fld>
             <a:endParaRPr lang="en-GB"/>
           </a:p>
@@ -853,7 +1261,7 @@
     </p:spTree>
     <p:extLst>
       <p:ext uri="{BB962C8B-B14F-4D97-AF65-F5344CB8AC3E}">
-        <p14:creationId xmlns:p14="http://schemas.microsoft.com/office/powerpoint/2010/main" val="2074170692"/>
+        <p14:creationId xmlns:p14="http://schemas.microsoft.com/office/powerpoint/2010/main" val="2809719530"/>
       </p:ext>
     </p:extLst>
   </p:cSld>
@@ -907,27 +1315,26 @@
           <a:bodyPr/>
           <a:lstStyle/>
           <a:p>
-            <a:pPr marL="171450" indent="-171450">
-              <a:buFontTx/>
-              <a:buChar char="-"/>
-            </a:pPr>
+            <a:r>
+              <a:rPr lang="en-US" dirty="0"/>
+              <a:t>The first compiler was designed by </a:t>
+            </a:r>
             <a:r>
               <a:rPr lang="en-US" dirty="0" err="1"/>
               <a:t>Corrado</a:t>
             </a:r>
             <a:r>
               <a:rPr lang="en-US" dirty="0"/>
-              <a:t> Bohm and his PhD thesis – a self-compiling compiler for an interesting language where every statement was assignment operator</a:t>
-            </a:r>
-          </a:p>
-          <a:p>
-            <a:pPr marL="171450" indent="-171450">
-              <a:buFontTx/>
-              <a:buChar char="-"/>
-            </a:pPr>
+              <a:t> Bohm in 1951. This being the very early days of computer science, he did not actually program it, but just designed it. And with its design, he had to design a programming language it would compile and a computer that would execute it. </a:t>
+            </a:r>
+          </a:p>
+          <a:p>
+            <a:endParaRPr lang="en-US" dirty="0"/>
+          </a:p>
+          <a:p>
             <a:r>
               <a:rPr lang="en-US" dirty="0"/>
-              <a:t>He probably felt guilty about this so later become an important figure in functional programming </a:t>
+              <a:t>Not only did he create the first compiler, but he also described the compiler in the language it was supposed to compile, the so called self-hosting compiler. The language itself was also interesting as it consisted solely of assignments. He probably felt guilty about this and later become involved with functional languages and is the author of structured program theorem.</a:t>
             </a:r>
           </a:p>
         </p:txBody>
@@ -949,7 +1356,7 @@
           <a:p>
             <a:fld id="{CDD374D8-11B8-4947-8BFB-7F91CC1BAA57}" type="slidenum">
               <a:rPr lang="en-GB" smtClean="0"/>
-              <a:t>16</a:t>
+              <a:t>13</a:t>
             </a:fld>
             <a:endParaRPr lang="en-GB"/>
           </a:p>
@@ -958,7 +1365,7 @@
     </p:spTree>
     <p:extLst>
       <p:ext uri="{BB962C8B-B14F-4D97-AF65-F5344CB8AC3E}">
-        <p14:creationId xmlns:p14="http://schemas.microsoft.com/office/powerpoint/2010/main" val="1707338310"/>
+        <p14:creationId xmlns:p14="http://schemas.microsoft.com/office/powerpoint/2010/main" val="1426464755"/>
       </p:ext>
     </p:extLst>
   </p:cSld>
@@ -1012,7 +1419,271 @@
           <a:bodyPr/>
           <a:lstStyle/>
           <a:p>
-            <a:endParaRPr lang="en-GB" dirty="0"/>
+            <a:r>
+              <a:rPr lang="en-US" dirty="0"/>
+              <a:t>Manchester Mark I</a:t>
+            </a:r>
+          </a:p>
+        </p:txBody>
+      </p:sp>
+      <p:sp>
+        <p:nvSpPr>
+          <p:cNvPr id="4" name="Slide Number Placeholder 3"/>
+          <p:cNvSpPr>
+            <a:spLocks noGrp="1"/>
+          </p:cNvSpPr>
+          <p:nvPr>
+            <p:ph type="sldNum" sz="quarter" idx="5"/>
+          </p:nvPr>
+        </p:nvSpPr>
+        <p:spPr/>
+        <p:txBody>
+          <a:bodyPr/>
+          <a:lstStyle/>
+          <a:p>
+            <a:fld id="{CDD374D8-11B8-4947-8BFB-7F91CC1BAA57}" type="slidenum">
+              <a:rPr lang="en-GB" smtClean="0"/>
+              <a:t>14</a:t>
+            </a:fld>
+            <a:endParaRPr lang="en-GB"/>
+          </a:p>
+        </p:txBody>
+      </p:sp>
+    </p:spTree>
+    <p:extLst>
+      <p:ext uri="{BB962C8B-B14F-4D97-AF65-F5344CB8AC3E}">
+        <p14:creationId xmlns:p14="http://schemas.microsoft.com/office/powerpoint/2010/main" val="2074170692"/>
+      </p:ext>
+    </p:extLst>
+  </p:cSld>
+  <p:clrMapOvr>
+    <a:masterClrMapping/>
+  </p:clrMapOvr>
+</p:notes>
+</file>
+
+<file path=ppt/notesSlides/notesSlide7.xml><?xml version="1.0" encoding="utf-8"?>
+<p:notes xmlns:a="http://schemas.openxmlformats.org/drawingml/2006/main" xmlns:r="http://schemas.openxmlformats.org/officeDocument/2006/relationships" xmlns:p="http://schemas.openxmlformats.org/presentationml/2006/main">
+  <p:cSld>
+    <p:spTree>
+      <p:nvGrpSpPr>
+        <p:cNvPr id="1" name=""/>
+        <p:cNvGrpSpPr/>
+        <p:nvPr/>
+      </p:nvGrpSpPr>
+      <p:grpSpPr>
+        <a:xfrm>
+          <a:off x="0" y="0"/>
+          <a:ext cx="0" cy="0"/>
+          <a:chOff x="0" y="0"/>
+          <a:chExt cx="0" cy="0"/>
+        </a:xfrm>
+      </p:grpSpPr>
+      <p:sp>
+        <p:nvSpPr>
+          <p:cNvPr id="2" name="Slide Image Placeholder 1"/>
+          <p:cNvSpPr>
+            <a:spLocks noGrp="1" noRot="1" noChangeAspect="1"/>
+          </p:cNvSpPr>
+          <p:nvPr>
+            <p:ph type="sldImg"/>
+          </p:nvPr>
+        </p:nvSpPr>
+        <p:spPr/>
+      </p:sp>
+      <p:sp>
+        <p:nvSpPr>
+          <p:cNvPr id="3" name="Notes Placeholder 2"/>
+          <p:cNvSpPr>
+            <a:spLocks noGrp="1"/>
+          </p:cNvSpPr>
+          <p:nvPr>
+            <p:ph type="body" idx="1"/>
+          </p:nvPr>
+        </p:nvSpPr>
+        <p:spPr/>
+        <p:txBody>
+          <a:bodyPr/>
+          <a:lstStyle/>
+          <a:p>
+            <a:r>
+              <a:rPr lang="en-US" dirty="0"/>
+              <a:t>Created by John Backus</a:t>
+            </a:r>
+          </a:p>
+        </p:txBody>
+      </p:sp>
+      <p:sp>
+        <p:nvSpPr>
+          <p:cNvPr id="4" name="Slide Number Placeholder 3"/>
+          <p:cNvSpPr>
+            <a:spLocks noGrp="1"/>
+          </p:cNvSpPr>
+          <p:nvPr>
+            <p:ph type="sldNum" sz="quarter" idx="5"/>
+          </p:nvPr>
+        </p:nvSpPr>
+        <p:spPr/>
+        <p:txBody>
+          <a:bodyPr/>
+          <a:lstStyle/>
+          <a:p>
+            <a:fld id="{CDD374D8-11B8-4947-8BFB-7F91CC1BAA57}" type="slidenum">
+              <a:rPr lang="en-GB" smtClean="0"/>
+              <a:t>17</a:t>
+            </a:fld>
+            <a:endParaRPr lang="en-GB"/>
+          </a:p>
+        </p:txBody>
+      </p:sp>
+    </p:spTree>
+    <p:extLst>
+      <p:ext uri="{BB962C8B-B14F-4D97-AF65-F5344CB8AC3E}">
+        <p14:creationId xmlns:p14="http://schemas.microsoft.com/office/powerpoint/2010/main" val="1564700322"/>
+      </p:ext>
+    </p:extLst>
+  </p:cSld>
+  <p:clrMapOvr>
+    <a:masterClrMapping/>
+  </p:clrMapOvr>
+</p:notes>
+</file>
+
+<file path=ppt/notesSlides/notesSlide8.xml><?xml version="1.0" encoding="utf-8"?>
+<p:notes xmlns:a="http://schemas.openxmlformats.org/drawingml/2006/main" xmlns:r="http://schemas.openxmlformats.org/officeDocument/2006/relationships" xmlns:p="http://schemas.openxmlformats.org/presentationml/2006/main">
+  <p:cSld>
+    <p:spTree>
+      <p:nvGrpSpPr>
+        <p:cNvPr id="1" name=""/>
+        <p:cNvGrpSpPr/>
+        <p:nvPr/>
+      </p:nvGrpSpPr>
+      <p:grpSpPr>
+        <a:xfrm>
+          <a:off x="0" y="0"/>
+          <a:ext cx="0" cy="0"/>
+          <a:chOff x="0" y="0"/>
+          <a:chExt cx="0" cy="0"/>
+        </a:xfrm>
+      </p:grpSpPr>
+      <p:sp>
+        <p:nvSpPr>
+          <p:cNvPr id="2" name="Slide Image Placeholder 1"/>
+          <p:cNvSpPr>
+            <a:spLocks noGrp="1" noRot="1" noChangeAspect="1"/>
+          </p:cNvSpPr>
+          <p:nvPr>
+            <p:ph type="sldImg"/>
+          </p:nvPr>
+        </p:nvSpPr>
+        <p:spPr/>
+      </p:sp>
+      <p:sp>
+        <p:nvSpPr>
+          <p:cNvPr id="3" name="Notes Placeholder 2"/>
+          <p:cNvSpPr>
+            <a:spLocks noGrp="1"/>
+          </p:cNvSpPr>
+          <p:nvPr>
+            <p:ph type="body" idx="1"/>
+          </p:nvPr>
+        </p:nvSpPr>
+        <p:spPr/>
+        <p:txBody>
+          <a:bodyPr/>
+          <a:lstStyle/>
+          <a:p>
+            <a:r>
+              <a:rPr lang="en-US" dirty="0"/>
+              <a:t>The 300 bytes was roughly 30% of total RAM available at the time</a:t>
+            </a:r>
+          </a:p>
+        </p:txBody>
+      </p:sp>
+      <p:sp>
+        <p:nvSpPr>
+          <p:cNvPr id="4" name="Slide Number Placeholder 3"/>
+          <p:cNvSpPr>
+            <a:spLocks noGrp="1"/>
+          </p:cNvSpPr>
+          <p:nvPr>
+            <p:ph type="sldNum" sz="quarter" idx="5"/>
+          </p:nvPr>
+        </p:nvSpPr>
+        <p:spPr/>
+        <p:txBody>
+          <a:bodyPr/>
+          <a:lstStyle/>
+          <a:p>
+            <a:fld id="{CDD374D8-11B8-4947-8BFB-7F91CC1BAA57}" type="slidenum">
+              <a:rPr lang="en-GB" smtClean="0"/>
+              <a:t>18</a:t>
+            </a:fld>
+            <a:endParaRPr lang="en-GB"/>
+          </a:p>
+        </p:txBody>
+      </p:sp>
+    </p:spTree>
+    <p:extLst>
+      <p:ext uri="{BB962C8B-B14F-4D97-AF65-F5344CB8AC3E}">
+        <p14:creationId xmlns:p14="http://schemas.microsoft.com/office/powerpoint/2010/main" val="3260048352"/>
+      </p:ext>
+    </p:extLst>
+  </p:cSld>
+  <p:clrMapOvr>
+    <a:masterClrMapping/>
+  </p:clrMapOvr>
+</p:notes>
+</file>
+
+<file path=ppt/notesSlides/notesSlide9.xml><?xml version="1.0" encoding="utf-8"?>
+<p:notes xmlns:a="http://schemas.openxmlformats.org/drawingml/2006/main" xmlns:r="http://schemas.openxmlformats.org/officeDocument/2006/relationships" xmlns:p="http://schemas.openxmlformats.org/presentationml/2006/main">
+  <p:cSld>
+    <p:spTree>
+      <p:nvGrpSpPr>
+        <p:cNvPr id="1" name=""/>
+        <p:cNvGrpSpPr/>
+        <p:nvPr/>
+      </p:nvGrpSpPr>
+      <p:grpSpPr>
+        <a:xfrm>
+          <a:off x="0" y="0"/>
+          <a:ext cx="0" cy="0"/>
+          <a:chOff x="0" y="0"/>
+          <a:chExt cx="0" cy="0"/>
+        </a:xfrm>
+      </p:grpSpPr>
+      <p:sp>
+        <p:nvSpPr>
+          <p:cNvPr id="2" name="Slide Image Placeholder 1"/>
+          <p:cNvSpPr>
+            <a:spLocks noGrp="1" noRot="1" noChangeAspect="1"/>
+          </p:cNvSpPr>
+          <p:nvPr>
+            <p:ph type="sldImg"/>
+          </p:nvPr>
+        </p:nvSpPr>
+        <p:spPr/>
+      </p:sp>
+      <p:sp>
+        <p:nvSpPr>
+          <p:cNvPr id="3" name="Notes Placeholder 2"/>
+          <p:cNvSpPr>
+            <a:spLocks noGrp="1"/>
+          </p:cNvSpPr>
+          <p:nvPr>
+            <p:ph type="body" idx="1"/>
+          </p:nvPr>
+        </p:nvSpPr>
+        <p:spPr/>
+        <p:txBody>
+          <a:bodyPr/>
+          <a:lstStyle/>
+          <a:p>
+            <a:r>
+              <a:rPr lang="en-US" dirty="0"/>
+              <a:t>Happens in real time</a:t>
+            </a:r>
           </a:p>
         </p:txBody>
       </p:sp>
@@ -1042,7 +1713,7 @@
     </p:spTree>
     <p:extLst>
       <p:ext uri="{BB962C8B-B14F-4D97-AF65-F5344CB8AC3E}">
-        <p14:creationId xmlns:p14="http://schemas.microsoft.com/office/powerpoint/2010/main" val="2267878053"/>
+        <p14:creationId xmlns:p14="http://schemas.microsoft.com/office/powerpoint/2010/main" val="2626247678"/>
       </p:ext>
     </p:extLst>
   </p:cSld>
@@ -1201,7 +1872,7 @@
           <a:p>
             <a:fld id="{3167A54B-BC64-4F06-9E03-64B6A67018EB}" type="datetimeFigureOut">
               <a:rPr lang="en-GB" smtClean="0"/>
-              <a:t>04/06/2020</a:t>
+              <a:t>01/02/2021</a:t>
             </a:fld>
             <a:endParaRPr lang="en-GB"/>
           </a:p>
@@ -1401,7 +2072,7 @@
           <a:p>
             <a:fld id="{3167A54B-BC64-4F06-9E03-64B6A67018EB}" type="datetimeFigureOut">
               <a:rPr lang="en-GB" smtClean="0"/>
-              <a:t>04/06/2020</a:t>
+              <a:t>01/02/2021</a:t>
             </a:fld>
             <a:endParaRPr lang="en-GB"/>
           </a:p>
@@ -1611,7 +2282,7 @@
           <a:p>
             <a:fld id="{3167A54B-BC64-4F06-9E03-64B6A67018EB}" type="datetimeFigureOut">
               <a:rPr lang="en-GB" smtClean="0"/>
-              <a:t>04/06/2020</a:t>
+              <a:t>01/02/2021</a:t>
             </a:fld>
             <a:endParaRPr lang="en-GB"/>
           </a:p>
@@ -1815,7 +2486,7 @@
           <a:p>
             <a:fld id="{3167A54B-BC64-4F06-9E03-64B6A67018EB}" type="datetimeFigureOut">
               <a:rPr lang="en-GB" smtClean="0"/>
-              <a:t>04/06/2020</a:t>
+              <a:t>01/02/2021</a:t>
             </a:fld>
             <a:endParaRPr lang="en-GB"/>
           </a:p>
@@ -2091,7 +2762,7 @@
           <a:p>
             <a:fld id="{3167A54B-BC64-4F06-9E03-64B6A67018EB}" type="datetimeFigureOut">
               <a:rPr lang="en-GB" smtClean="0"/>
-              <a:t>04/06/2020</a:t>
+              <a:t>01/02/2021</a:t>
             </a:fld>
             <a:endParaRPr lang="en-GB"/>
           </a:p>
@@ -2359,7 +3030,7 @@
           <a:p>
             <a:fld id="{3167A54B-BC64-4F06-9E03-64B6A67018EB}" type="datetimeFigureOut">
               <a:rPr lang="en-GB" smtClean="0"/>
-              <a:t>04/06/2020</a:t>
+              <a:t>01/02/2021</a:t>
             </a:fld>
             <a:endParaRPr lang="en-GB"/>
           </a:p>
@@ -2774,7 +3445,7 @@
           <a:p>
             <a:fld id="{3167A54B-BC64-4F06-9E03-64B6A67018EB}" type="datetimeFigureOut">
               <a:rPr lang="en-GB" smtClean="0"/>
-              <a:t>04/06/2020</a:t>
+              <a:t>01/02/2021</a:t>
             </a:fld>
             <a:endParaRPr lang="en-GB"/>
           </a:p>
@@ -2916,7 +3587,7 @@
           <a:p>
             <a:fld id="{3167A54B-BC64-4F06-9E03-64B6A67018EB}" type="datetimeFigureOut">
               <a:rPr lang="en-GB" smtClean="0"/>
-              <a:t>04/06/2020</a:t>
+              <a:t>01/02/2021</a:t>
             </a:fld>
             <a:endParaRPr lang="en-GB"/>
           </a:p>
@@ -3029,7 +3700,7 @@
           <a:p>
             <a:fld id="{3167A54B-BC64-4F06-9E03-64B6A67018EB}" type="datetimeFigureOut">
               <a:rPr lang="en-GB" smtClean="0"/>
-              <a:t>04/06/2020</a:t>
+              <a:t>01/02/2021</a:t>
             </a:fld>
             <a:endParaRPr lang="en-GB"/>
           </a:p>
@@ -3342,7 +4013,7 @@
           <a:p>
             <a:fld id="{3167A54B-BC64-4F06-9E03-64B6A67018EB}" type="datetimeFigureOut">
               <a:rPr lang="en-GB" smtClean="0"/>
-              <a:t>04/06/2020</a:t>
+              <a:t>01/02/2021</a:t>
             </a:fld>
             <a:endParaRPr lang="en-GB"/>
           </a:p>
@@ -3631,7 +4302,7 @@
           <a:p>
             <a:fld id="{3167A54B-BC64-4F06-9E03-64B6A67018EB}" type="datetimeFigureOut">
               <a:rPr lang="en-GB" smtClean="0"/>
-              <a:t>04/06/2020</a:t>
+              <a:t>01/02/2021</a:t>
             </a:fld>
             <a:endParaRPr lang="en-GB"/>
           </a:p>
@@ -3874,7 +4545,7 @@
           <a:p>
             <a:fld id="{3167A54B-BC64-4F06-9E03-64B6A67018EB}" type="datetimeFigureOut">
               <a:rPr lang="en-GB" smtClean="0"/>
-              <a:t>04/06/2020</a:t>
+              <a:t>01/02/2021</a:t>
             </a:fld>
             <a:endParaRPr lang="en-GB"/>
           </a:p>
@@ -4350,7 +5021,7 @@
           <a:p>
             <a:r>
               <a:rPr lang="en-US" dirty="0"/>
-              <a:t>NI(E)-GEN, Fall 2019</a:t>
+              <a:t>NI(E)-GEN, Spring 2021</a:t>
             </a:r>
           </a:p>
           <a:p>
@@ -4445,6 +5116,691 @@
           <a:chExt cx="0" cy="0"/>
         </a:xfrm>
       </p:grpSpPr>
+      <p:pic>
+        <p:nvPicPr>
+          <p:cNvPr id="2050" name="Picture 2" descr="See the source image">
+            <a:extLst>
+              <a:ext uri="{FF2B5EF4-FFF2-40B4-BE49-F238E27FC236}">
+                <a16:creationId xmlns:a16="http://schemas.microsoft.com/office/drawing/2014/main" id="{F4FB505F-FFAC-482F-880A-D32A1B8F4188}"/>
+              </a:ext>
+            </a:extLst>
+          </p:cNvPr>
+          <p:cNvPicPr>
+            <a:picLocks noChangeAspect="1" noChangeArrowheads="1"/>
+          </p:cNvPicPr>
+          <p:nvPr/>
+        </p:nvPicPr>
+        <p:blipFill>
+          <a:blip r:embed="rId3">
+            <a:extLst>
+              <a:ext uri="{28A0092B-C50C-407E-A947-70E740481C1C}">
+                <a14:useLocalDpi xmlns:a14="http://schemas.microsoft.com/office/drawing/2010/main" val="0"/>
+              </a:ext>
+            </a:extLst>
+          </a:blip>
+          <a:srcRect/>
+          <a:stretch>
+            <a:fillRect/>
+          </a:stretch>
+        </p:blipFill>
+        <p:spPr bwMode="auto">
+          <a:xfrm>
+            <a:off x="3838575" y="395288"/>
+            <a:ext cx="4514850" cy="6067425"/>
+          </a:xfrm>
+          <a:prstGeom prst="rect">
+            <a:avLst/>
+          </a:prstGeom>
+          <a:noFill/>
+          <a:extLst>
+            <a:ext uri="{909E8E84-426E-40DD-AFC4-6F175D3DCCD1}">
+              <a14:hiddenFill xmlns:a14="http://schemas.microsoft.com/office/drawing/2010/main">
+                <a:solidFill>
+                  <a:srgbClr val="FFFFFF"/>
+                </a:solidFill>
+              </a14:hiddenFill>
+            </a:ext>
+          </a:extLst>
+        </p:spPr>
+      </p:pic>
+    </p:spTree>
+    <p:extLst>
+      <p:ext uri="{BB962C8B-B14F-4D97-AF65-F5344CB8AC3E}">
+        <p14:creationId xmlns:p14="http://schemas.microsoft.com/office/powerpoint/2010/main" val="3300787023"/>
+      </p:ext>
+    </p:extLst>
+  </p:cSld>
+  <p:clrMapOvr>
+    <a:masterClrMapping/>
+  </p:clrMapOvr>
+</p:sld>
+</file>
+
+<file path=ppt/slides/slide11.xml><?xml version="1.0" encoding="utf-8"?>
+<p:sld xmlns:a="http://schemas.openxmlformats.org/drawingml/2006/main" xmlns:r="http://schemas.openxmlformats.org/officeDocument/2006/relationships" xmlns:p="http://schemas.openxmlformats.org/presentationml/2006/main">
+  <p:cSld>
+    <p:spTree>
+      <p:nvGrpSpPr>
+        <p:cNvPr id="1" name=""/>
+        <p:cNvGrpSpPr/>
+        <p:nvPr/>
+      </p:nvGrpSpPr>
+      <p:grpSpPr>
+        <a:xfrm>
+          <a:off x="0" y="0"/>
+          <a:ext cx="0" cy="0"/>
+          <a:chOff x="0" y="0"/>
+          <a:chExt cx="0" cy="0"/>
+        </a:xfrm>
+      </p:grpSpPr>
+      <p:sp>
+        <p:nvSpPr>
+          <p:cNvPr id="2" name="Title 1">
+            <a:extLst>
+              <a:ext uri="{FF2B5EF4-FFF2-40B4-BE49-F238E27FC236}">
+                <a16:creationId xmlns:a16="http://schemas.microsoft.com/office/drawing/2014/main" id="{AF4499C9-B0DD-42CF-BF7D-83189213CFC8}"/>
+              </a:ext>
+            </a:extLst>
+          </p:cNvPr>
+          <p:cNvSpPr>
+            <a:spLocks noGrp="1"/>
+          </p:cNvSpPr>
+          <p:nvPr>
+            <p:ph type="ctrTitle"/>
+          </p:nvPr>
+        </p:nvSpPr>
+        <p:spPr>
+          <a:xfrm>
+            <a:off x="0" y="1122363"/>
+            <a:ext cx="12192000" cy="2387600"/>
+          </a:xfrm>
+        </p:spPr>
+        <p:txBody>
+          <a:bodyPr>
+            <a:normAutofit/>
+          </a:bodyPr>
+          <a:lstStyle/>
+          <a:p>
+            <a:r>
+              <a:rPr lang="en-US" dirty="0"/>
+              <a:t>The Anatomy of a Compiler</a:t>
+            </a:r>
+            <a:endParaRPr lang="en-GB" dirty="0"/>
+          </a:p>
+        </p:txBody>
+      </p:sp>
+      <p:sp>
+        <p:nvSpPr>
+          <p:cNvPr id="3" name="Subtitle 2">
+            <a:extLst>
+              <a:ext uri="{FF2B5EF4-FFF2-40B4-BE49-F238E27FC236}">
+                <a16:creationId xmlns:a16="http://schemas.microsoft.com/office/drawing/2014/main" id="{13328CB8-FF28-4397-BCCE-8C2D0DDC82C9}"/>
+              </a:ext>
+            </a:extLst>
+          </p:cNvPr>
+          <p:cNvSpPr>
+            <a:spLocks noGrp="1"/>
+          </p:cNvSpPr>
+          <p:nvPr>
+            <p:ph type="subTitle" idx="1"/>
+          </p:nvPr>
+        </p:nvSpPr>
+        <p:spPr/>
+        <p:txBody>
+          <a:bodyPr/>
+          <a:lstStyle/>
+          <a:p>
+            <a:r>
+              <a:rPr lang="en-US" dirty="0"/>
+              <a:t>NI(E)-GEN</a:t>
+            </a:r>
+          </a:p>
+          <a:p>
+            <a:r>
+              <a:rPr lang="en-US" dirty="0">
+                <a:hlinkClick r:id="rId3"/>
+              </a:rPr>
+              <a:t>https://courses.fit.cvut.cz/NI-GEN</a:t>
+            </a:r>
+            <a:endParaRPr lang="en-US" dirty="0"/>
+          </a:p>
+          <a:p>
+            <a:endParaRPr lang="en-GB" dirty="0"/>
+          </a:p>
+        </p:txBody>
+      </p:sp>
+      <p:pic>
+        <p:nvPicPr>
+          <p:cNvPr id="5" name="Picture 4">
+            <a:extLst>
+              <a:ext uri="{FF2B5EF4-FFF2-40B4-BE49-F238E27FC236}">
+                <a16:creationId xmlns:a16="http://schemas.microsoft.com/office/drawing/2014/main" id="{0D2E0D75-7C4F-4390-A458-1147951048E1}"/>
+              </a:ext>
+            </a:extLst>
+          </p:cNvPr>
+          <p:cNvPicPr>
+            <a:picLocks noChangeAspect="1"/>
+          </p:cNvPicPr>
+          <p:nvPr/>
+        </p:nvPicPr>
+        <p:blipFill>
+          <a:blip r:embed="rId4">
+            <a:extLst>
+              <a:ext uri="{28A0092B-C50C-407E-A947-70E740481C1C}">
+                <a14:useLocalDpi xmlns:a14="http://schemas.microsoft.com/office/drawing/2010/main" val="0"/>
+              </a:ext>
+            </a:extLst>
+          </a:blip>
+          <a:stretch>
+            <a:fillRect/>
+          </a:stretch>
+        </p:blipFill>
+        <p:spPr>
+          <a:xfrm>
+            <a:off x="8070259" y="5641596"/>
+            <a:ext cx="3610012" cy="796954"/>
+          </a:xfrm>
+          <a:prstGeom prst="rect">
+            <a:avLst/>
+          </a:prstGeom>
+        </p:spPr>
+      </p:pic>
+    </p:spTree>
+    <p:extLst>
+      <p:ext uri="{BB962C8B-B14F-4D97-AF65-F5344CB8AC3E}">
+        <p14:creationId xmlns:p14="http://schemas.microsoft.com/office/powerpoint/2010/main" val="2341036860"/>
+      </p:ext>
+    </p:extLst>
+  </p:cSld>
+  <p:clrMapOvr>
+    <a:masterClrMapping/>
+  </p:clrMapOvr>
+  <mc:AlternateContent xmlns:mc="http://schemas.openxmlformats.org/markup-compatibility/2006">
+    <mc:Choice xmlns:p14="http://schemas.microsoft.com/office/powerpoint/2010/main" Requires="p14">
+      <p:transition spd="med" p14:dur="700">
+        <p:fade/>
+      </p:transition>
+    </mc:Choice>
+    <mc:Fallback>
+      <p:transition spd="med">
+        <p:fade/>
+      </p:transition>
+    </mc:Fallback>
+  </mc:AlternateContent>
+</p:sld>
+</file>
+
+<file path=ppt/slides/slide12.xml><?xml version="1.0" encoding="utf-8"?>
+<p:sld xmlns:a="http://schemas.openxmlformats.org/drawingml/2006/main" xmlns:r="http://schemas.openxmlformats.org/officeDocument/2006/relationships" xmlns:p="http://schemas.openxmlformats.org/presentationml/2006/main">
+  <p:cSld>
+    <p:spTree>
+      <p:nvGrpSpPr>
+        <p:cNvPr id="1" name=""/>
+        <p:cNvGrpSpPr/>
+        <p:nvPr/>
+      </p:nvGrpSpPr>
+      <p:grpSpPr>
+        <a:xfrm>
+          <a:off x="0" y="0"/>
+          <a:ext cx="0" cy="0"/>
+          <a:chOff x="0" y="0"/>
+          <a:chExt cx="0" cy="0"/>
+        </a:xfrm>
+      </p:grpSpPr>
+      <p:sp>
+        <p:nvSpPr>
+          <p:cNvPr id="2" name="Title 1">
+            <a:extLst>
+              <a:ext uri="{FF2B5EF4-FFF2-40B4-BE49-F238E27FC236}">
+                <a16:creationId xmlns:a16="http://schemas.microsoft.com/office/drawing/2014/main" id="{98BB348F-F836-45E6-BABF-67023A7AB2AC}"/>
+              </a:ext>
+            </a:extLst>
+          </p:cNvPr>
+          <p:cNvSpPr>
+            <a:spLocks noGrp="1"/>
+          </p:cNvSpPr>
+          <p:nvPr>
+            <p:ph type="title"/>
+          </p:nvPr>
+        </p:nvSpPr>
+        <p:spPr/>
+        <p:txBody>
+          <a:bodyPr/>
+          <a:lstStyle/>
+          <a:p>
+            <a:r>
+              <a:rPr lang="en-US" dirty="0"/>
+              <a:t>In the beginning…</a:t>
+            </a:r>
+          </a:p>
+        </p:txBody>
+      </p:sp>
+      <p:sp>
+        <p:nvSpPr>
+          <p:cNvPr id="3" name="Content Placeholder 2">
+            <a:extLst>
+              <a:ext uri="{FF2B5EF4-FFF2-40B4-BE49-F238E27FC236}">
+                <a16:creationId xmlns:a16="http://schemas.microsoft.com/office/drawing/2014/main" id="{6CA97901-8872-4F87-ABA4-7F41B46DDEFE}"/>
+              </a:ext>
+            </a:extLst>
+          </p:cNvPr>
+          <p:cNvSpPr>
+            <a:spLocks noGrp="1"/>
+          </p:cNvSpPr>
+          <p:nvPr>
+            <p:ph idx="1"/>
+          </p:nvPr>
+        </p:nvSpPr>
+        <p:spPr/>
+        <p:txBody>
+          <a:bodyPr/>
+          <a:lstStyle/>
+          <a:p>
+            <a:endParaRPr lang="en-US" dirty="0"/>
+          </a:p>
+          <a:p>
+            <a:r>
+              <a:rPr lang="en-US" dirty="0"/>
+              <a:t>there were very few very big computers</a:t>
+            </a:r>
+          </a:p>
+          <a:p>
+            <a:endParaRPr lang="en-US" dirty="0"/>
+          </a:p>
+          <a:p>
+            <a:r>
+              <a:rPr lang="en-US" dirty="0"/>
+              <a:t>there were no programming languages</a:t>
+            </a:r>
+          </a:p>
+          <a:p>
+            <a:endParaRPr lang="en-US" dirty="0"/>
+          </a:p>
+          <a:p>
+            <a:r>
+              <a:rPr lang="en-US" dirty="0"/>
+              <a:t>there were no compilers</a:t>
+            </a:r>
+          </a:p>
+          <a:p>
+            <a:endParaRPr lang="en-US" dirty="0"/>
+          </a:p>
+          <a:p>
+            <a:endParaRPr lang="en-US" dirty="0"/>
+          </a:p>
+          <a:p>
+            <a:endParaRPr lang="en-US" dirty="0"/>
+          </a:p>
+          <a:p>
+            <a:endParaRPr lang="en-US" dirty="0"/>
+          </a:p>
+        </p:txBody>
+      </p:sp>
+    </p:spTree>
+    <p:extLst>
+      <p:ext uri="{BB962C8B-B14F-4D97-AF65-F5344CB8AC3E}">
+        <p14:creationId xmlns:p14="http://schemas.microsoft.com/office/powerpoint/2010/main" val="1679367636"/>
+      </p:ext>
+    </p:extLst>
+  </p:cSld>
+  <p:clrMapOvr>
+    <a:masterClrMapping/>
+  </p:clrMapOvr>
+</p:sld>
+</file>
+
+<file path=ppt/slides/slide13.xml><?xml version="1.0" encoding="utf-8"?>
+<p:sld xmlns:a="http://schemas.openxmlformats.org/drawingml/2006/main" xmlns:r="http://schemas.openxmlformats.org/officeDocument/2006/relationships" xmlns:p="http://schemas.openxmlformats.org/presentationml/2006/main">
+  <p:cSld>
+    <p:spTree>
+      <p:nvGrpSpPr>
+        <p:cNvPr id="1" name=""/>
+        <p:cNvGrpSpPr/>
+        <p:nvPr/>
+      </p:nvGrpSpPr>
+      <p:grpSpPr>
+        <a:xfrm>
+          <a:off x="0" y="0"/>
+          <a:ext cx="0" cy="0"/>
+          <a:chOff x="0" y="0"/>
+          <a:chExt cx="0" cy="0"/>
+        </a:xfrm>
+      </p:grpSpPr>
+      <p:pic>
+        <p:nvPicPr>
+          <p:cNvPr id="4" name="Picture 3">
+            <a:extLst>
+              <a:ext uri="{FF2B5EF4-FFF2-40B4-BE49-F238E27FC236}">
+                <a16:creationId xmlns:a16="http://schemas.microsoft.com/office/drawing/2014/main" id="{31B416BD-03C1-435C-90D5-F2AE68A8495F}"/>
+              </a:ext>
+            </a:extLst>
+          </p:cNvPr>
+          <p:cNvPicPr>
+            <a:picLocks noChangeAspect="1"/>
+          </p:cNvPicPr>
+          <p:nvPr/>
+        </p:nvPicPr>
+        <p:blipFill>
+          <a:blip r:embed="rId3"/>
+          <a:stretch>
+            <a:fillRect/>
+          </a:stretch>
+        </p:blipFill>
+        <p:spPr>
+          <a:xfrm>
+            <a:off x="1530626" y="1909"/>
+            <a:ext cx="9134061" cy="6856667"/>
+          </a:xfrm>
+          <a:prstGeom prst="rect">
+            <a:avLst/>
+          </a:prstGeom>
+        </p:spPr>
+      </p:pic>
+    </p:spTree>
+    <p:extLst>
+      <p:ext uri="{BB962C8B-B14F-4D97-AF65-F5344CB8AC3E}">
+        <p14:creationId xmlns:p14="http://schemas.microsoft.com/office/powerpoint/2010/main" val="416696143"/>
+      </p:ext>
+    </p:extLst>
+  </p:cSld>
+  <p:clrMapOvr>
+    <a:masterClrMapping/>
+  </p:clrMapOvr>
+</p:sld>
+</file>
+
+<file path=ppt/slides/slide14.xml><?xml version="1.0" encoding="utf-8"?>
+<p:sld xmlns:a="http://schemas.openxmlformats.org/drawingml/2006/main" xmlns:r="http://schemas.openxmlformats.org/officeDocument/2006/relationships" xmlns:p="http://schemas.openxmlformats.org/presentationml/2006/main">
+  <p:cSld>
+    <p:spTree>
+      <p:nvGrpSpPr>
+        <p:cNvPr id="1" name=""/>
+        <p:cNvGrpSpPr/>
+        <p:nvPr/>
+      </p:nvGrpSpPr>
+      <p:grpSpPr>
+        <a:xfrm>
+          <a:off x="0" y="0"/>
+          <a:ext cx="0" cy="0"/>
+          <a:chOff x="0" y="0"/>
+          <a:chExt cx="0" cy="0"/>
+        </a:xfrm>
+      </p:grpSpPr>
+      <p:pic>
+        <p:nvPicPr>
+          <p:cNvPr id="1026" name="Picture 2">
+            <a:extLst>
+              <a:ext uri="{FF2B5EF4-FFF2-40B4-BE49-F238E27FC236}">
+                <a16:creationId xmlns:a16="http://schemas.microsoft.com/office/drawing/2014/main" id="{00303CCB-D3A7-4053-AB14-E8743E1954E7}"/>
+              </a:ext>
+            </a:extLst>
+          </p:cNvPr>
+          <p:cNvPicPr>
+            <a:picLocks noChangeAspect="1" noChangeArrowheads="1"/>
+          </p:cNvPicPr>
+          <p:nvPr/>
+        </p:nvPicPr>
+        <p:blipFill>
+          <a:blip r:embed="rId3">
+            <a:extLst>
+              <a:ext uri="{28A0092B-C50C-407E-A947-70E740481C1C}">
+                <a14:useLocalDpi xmlns:a14="http://schemas.microsoft.com/office/drawing/2010/main" val="0"/>
+              </a:ext>
+            </a:extLst>
+          </a:blip>
+          <a:srcRect/>
+          <a:stretch>
+            <a:fillRect/>
+          </a:stretch>
+        </p:blipFill>
+        <p:spPr bwMode="auto">
+          <a:xfrm>
+            <a:off x="1" y="-1413457"/>
+            <a:ext cx="12192000" cy="9684913"/>
+          </a:xfrm>
+          <a:prstGeom prst="rect">
+            <a:avLst/>
+          </a:prstGeom>
+          <a:noFill/>
+          <a:extLst>
+            <a:ext uri="{909E8E84-426E-40DD-AFC4-6F175D3DCCD1}">
+              <a14:hiddenFill xmlns:a14="http://schemas.microsoft.com/office/drawing/2010/main">
+                <a:solidFill>
+                  <a:srgbClr val="FFFFFF"/>
+                </a:solidFill>
+              </a14:hiddenFill>
+            </a:ext>
+          </a:extLst>
+        </p:spPr>
+      </p:pic>
+      <p:sp>
+        <p:nvSpPr>
+          <p:cNvPr id="4" name="Rectangle 3">
+            <a:extLst>
+              <a:ext uri="{FF2B5EF4-FFF2-40B4-BE49-F238E27FC236}">
+                <a16:creationId xmlns:a16="http://schemas.microsoft.com/office/drawing/2014/main" id="{0241EB86-9770-4E20-B0B0-0FED35DFB347}"/>
+              </a:ext>
+            </a:extLst>
+          </p:cNvPr>
+          <p:cNvSpPr/>
+          <p:nvPr/>
+        </p:nvSpPr>
+        <p:spPr>
+          <a:xfrm>
+            <a:off x="5158408" y="6488668"/>
+            <a:ext cx="7851913" cy="369332"/>
+          </a:xfrm>
+          <a:prstGeom prst="rect">
+            <a:avLst/>
+          </a:prstGeom>
+        </p:spPr>
+        <p:txBody>
+          <a:bodyPr wrap="square">
+            <a:spAutoFit/>
+          </a:bodyPr>
+          <a:lstStyle/>
+          <a:p>
+            <a:r>
+              <a:rPr lang="en-US" dirty="0">
+                <a:solidFill>
+                  <a:schemeClr val="bg1"/>
+                </a:solidFill>
+              </a:rPr>
+              <a:t>By Source, Fair use, https://en.wikipedia.org/w/index.php?curid=9975689</a:t>
+            </a:r>
+          </a:p>
+        </p:txBody>
+      </p:sp>
+    </p:spTree>
+    <p:extLst>
+      <p:ext uri="{BB962C8B-B14F-4D97-AF65-F5344CB8AC3E}">
+        <p14:creationId xmlns:p14="http://schemas.microsoft.com/office/powerpoint/2010/main" val="2003430351"/>
+      </p:ext>
+    </p:extLst>
+  </p:cSld>
+  <p:clrMapOvr>
+    <a:masterClrMapping/>
+  </p:clrMapOvr>
+</p:sld>
+</file>
+
+<file path=ppt/slides/slide15.xml><?xml version="1.0" encoding="utf-8"?>
+<p:sld xmlns:a="http://schemas.openxmlformats.org/drawingml/2006/main" xmlns:r="http://schemas.openxmlformats.org/officeDocument/2006/relationships" xmlns:p="http://schemas.openxmlformats.org/presentationml/2006/main">
+  <p:cSld>
+    <p:spTree>
+      <p:nvGrpSpPr>
+        <p:cNvPr id="1" name=""/>
+        <p:cNvGrpSpPr/>
+        <p:nvPr/>
+      </p:nvGrpSpPr>
+      <p:grpSpPr>
+        <a:xfrm>
+          <a:off x="0" y="0"/>
+          <a:ext cx="0" cy="0"/>
+          <a:chOff x="0" y="0"/>
+          <a:chExt cx="0" cy="0"/>
+        </a:xfrm>
+      </p:grpSpPr>
+      <p:pic>
+        <p:nvPicPr>
+          <p:cNvPr id="2050" name="Picture 2" descr="See the source image">
+            <a:extLst>
+              <a:ext uri="{FF2B5EF4-FFF2-40B4-BE49-F238E27FC236}">
+                <a16:creationId xmlns:a16="http://schemas.microsoft.com/office/drawing/2014/main" id="{8A97CA26-4970-49DB-89D1-1F60ED010966}"/>
+              </a:ext>
+            </a:extLst>
+          </p:cNvPr>
+          <p:cNvPicPr>
+            <a:picLocks noChangeAspect="1" noChangeArrowheads="1"/>
+          </p:cNvPicPr>
+          <p:nvPr/>
+        </p:nvPicPr>
+        <p:blipFill>
+          <a:blip r:embed="rId2">
+            <a:extLst>
+              <a:ext uri="{28A0092B-C50C-407E-A947-70E740481C1C}">
+                <a14:useLocalDpi xmlns:a14="http://schemas.microsoft.com/office/drawing/2010/main" val="0"/>
+              </a:ext>
+            </a:extLst>
+          </a:blip>
+          <a:srcRect/>
+          <a:stretch>
+            <a:fillRect/>
+          </a:stretch>
+        </p:blipFill>
+        <p:spPr bwMode="auto">
+          <a:xfrm>
+            <a:off x="2667000" y="0"/>
+            <a:ext cx="6858000" cy="6858000"/>
+          </a:xfrm>
+          <a:prstGeom prst="rect">
+            <a:avLst/>
+          </a:prstGeom>
+          <a:noFill/>
+          <a:extLst>
+            <a:ext uri="{909E8E84-426E-40DD-AFC4-6F175D3DCCD1}">
+              <a14:hiddenFill xmlns:a14="http://schemas.microsoft.com/office/drawing/2010/main">
+                <a:solidFill>
+                  <a:srgbClr val="FFFFFF"/>
+                </a:solidFill>
+              </a14:hiddenFill>
+            </a:ext>
+          </a:extLst>
+        </p:spPr>
+      </p:pic>
+    </p:spTree>
+    <p:extLst>
+      <p:ext uri="{BB962C8B-B14F-4D97-AF65-F5344CB8AC3E}">
+        <p14:creationId xmlns:p14="http://schemas.microsoft.com/office/powerpoint/2010/main" val="3321417088"/>
+      </p:ext>
+    </p:extLst>
+  </p:cSld>
+  <p:clrMapOvr>
+    <a:masterClrMapping/>
+  </p:clrMapOvr>
+</p:sld>
+</file>
+
+<file path=ppt/slides/slide16.xml><?xml version="1.0" encoding="utf-8"?>
+<p:sld xmlns:a="http://schemas.openxmlformats.org/drawingml/2006/main" xmlns:r="http://schemas.openxmlformats.org/officeDocument/2006/relationships" xmlns:p="http://schemas.openxmlformats.org/presentationml/2006/main">
+  <p:cSld>
+    <p:spTree>
+      <p:nvGrpSpPr>
+        <p:cNvPr id="1" name=""/>
+        <p:cNvGrpSpPr/>
+        <p:nvPr/>
+      </p:nvGrpSpPr>
+      <p:grpSpPr>
+        <a:xfrm>
+          <a:off x="0" y="0"/>
+          <a:ext cx="0" cy="0"/>
+          <a:chOff x="0" y="0"/>
+          <a:chExt cx="0" cy="0"/>
+        </a:xfrm>
+      </p:grpSpPr>
+      <p:sp>
+        <p:nvSpPr>
+          <p:cNvPr id="4" name="Title 3">
+            <a:extLst>
+              <a:ext uri="{FF2B5EF4-FFF2-40B4-BE49-F238E27FC236}">
+                <a16:creationId xmlns:a16="http://schemas.microsoft.com/office/drawing/2014/main" id="{EF7BC910-C681-457C-921F-1776B57F06AF}"/>
+              </a:ext>
+            </a:extLst>
+          </p:cNvPr>
+          <p:cNvSpPr>
+            <a:spLocks noGrp="1"/>
+          </p:cNvSpPr>
+          <p:nvPr>
+            <p:ph type="ctrTitle"/>
+          </p:nvPr>
+        </p:nvSpPr>
+        <p:spPr/>
+        <p:txBody>
+          <a:bodyPr/>
+          <a:lstStyle/>
+          <a:p>
+            <a:r>
+              <a:rPr lang="en-US" dirty="0"/>
+              <a:t>IBM, We Have a Problem</a:t>
+            </a:r>
+          </a:p>
+        </p:txBody>
+      </p:sp>
+      <p:sp>
+        <p:nvSpPr>
+          <p:cNvPr id="5" name="Subtitle 4">
+            <a:extLst>
+              <a:ext uri="{FF2B5EF4-FFF2-40B4-BE49-F238E27FC236}">
+                <a16:creationId xmlns:a16="http://schemas.microsoft.com/office/drawing/2014/main" id="{D3F119BD-91FD-460D-99B6-5FE884D223D0}"/>
+              </a:ext>
+            </a:extLst>
+          </p:cNvPr>
+          <p:cNvSpPr>
+            <a:spLocks noGrp="1"/>
+          </p:cNvSpPr>
+          <p:nvPr>
+            <p:ph type="subTitle" idx="1"/>
+          </p:nvPr>
+        </p:nvSpPr>
+        <p:spPr/>
+        <p:txBody>
+          <a:bodyPr/>
+          <a:lstStyle/>
+          <a:p>
+            <a:endParaRPr lang="en-US" dirty="0"/>
+          </a:p>
+        </p:txBody>
+      </p:sp>
+    </p:spTree>
+    <p:extLst>
+      <p:ext uri="{BB962C8B-B14F-4D97-AF65-F5344CB8AC3E}">
+        <p14:creationId xmlns:p14="http://schemas.microsoft.com/office/powerpoint/2010/main" val="2696999387"/>
+      </p:ext>
+    </p:extLst>
+  </p:cSld>
+  <p:clrMapOvr>
+    <a:masterClrMapping/>
+  </p:clrMapOvr>
+</p:sld>
+</file>
+
+<file path=ppt/slides/slide17.xml><?xml version="1.0" encoding="utf-8"?>
+<p:sld xmlns:a="http://schemas.openxmlformats.org/drawingml/2006/main" xmlns:r="http://schemas.openxmlformats.org/officeDocument/2006/relationships" xmlns:p="http://schemas.openxmlformats.org/presentationml/2006/main">
+  <p:cSld>
+    <p:spTree>
+      <p:nvGrpSpPr>
+        <p:cNvPr id="1" name=""/>
+        <p:cNvGrpSpPr/>
+        <p:nvPr/>
+      </p:nvGrpSpPr>
+      <p:grpSpPr>
+        <a:xfrm>
+          <a:off x="0" y="0"/>
+          <a:ext cx="0" cy="0"/>
+          <a:chOff x="0" y="0"/>
+          <a:chExt cx="0" cy="0"/>
+        </a:xfrm>
+      </p:grpSpPr>
       <p:sp>
         <p:nvSpPr>
           <p:cNvPr id="2" name="Title 1">
@@ -4598,7 +5954,7 @@
 </p:sld>
 </file>
 
-<file path=ppt/slides/slide11.xml><?xml version="1.0" encoding="utf-8"?>
+<file path=ppt/slides/slide18.xml><?xml version="1.0" encoding="utf-8"?>
 <p:sld xmlns:a="http://schemas.openxmlformats.org/drawingml/2006/main" xmlns:r="http://schemas.openxmlformats.org/officeDocument/2006/relationships" xmlns:p="http://schemas.openxmlformats.org/presentationml/2006/main">
   <p:cSld>
     <p:spTree>
@@ -4696,7 +6052,7 @@
           <a:p>
             <a:r>
               <a:rPr lang="en-US" dirty="0"/>
-              <a:t>occupied about 30% of available memory</a:t>
+              <a:t>occupied about 300 bytes in RAM</a:t>
             </a:r>
           </a:p>
           <a:p>
@@ -4706,10 +6062,122 @@
       </p:sp>
       <p:sp>
         <p:nvSpPr>
-          <p:cNvPr id="4" name="Speech Bubble: Rectangle 3">
-            <a:extLst>
-              <a:ext uri="{FF2B5EF4-FFF2-40B4-BE49-F238E27FC236}">
-                <a16:creationId xmlns:a16="http://schemas.microsoft.com/office/drawing/2014/main" id="{8C3921BA-6231-4C07-8458-BAF58C2D09E0}"/>
+          <p:cNvPr id="5" name="TextBox 4">
+            <a:extLst>
+              <a:ext uri="{FF2B5EF4-FFF2-40B4-BE49-F238E27FC236}">
+                <a16:creationId xmlns:a16="http://schemas.microsoft.com/office/drawing/2014/main" id="{BB2CF0F5-1042-44C3-ADD0-EA86AED17EDA}"/>
+              </a:ext>
+            </a:extLst>
+          </p:cNvPr>
+          <p:cNvSpPr txBox="1"/>
+          <p:nvPr/>
+        </p:nvSpPr>
+        <p:spPr>
+          <a:xfrm>
+            <a:off x="6589643" y="2569059"/>
+            <a:ext cx="4972836" cy="707886"/>
+          </a:xfrm>
+          <a:prstGeom prst="rect">
+            <a:avLst/>
+          </a:prstGeom>
+          <a:noFill/>
+        </p:spPr>
+        <p:txBody>
+          <a:bodyPr wrap="none" rtlCol="0">
+            <a:spAutoFit/>
+          </a:bodyPr>
+          <a:lstStyle/>
+          <a:p>
+            <a:r>
+              <a:rPr lang="en-US" sz="4000" b="1" dirty="0">
+                <a:solidFill>
+                  <a:srgbClr val="FF0000"/>
+                </a:solidFill>
+                <a:latin typeface="Bradley Hand ITC" panose="03070402050302030203" pitchFamily="66" charset="0"/>
+              </a:rPr>
+              <a:t>a primitive interpreter!</a:t>
+            </a:r>
+          </a:p>
+        </p:txBody>
+      </p:sp>
+      <p:cxnSp>
+        <p:nvCxnSpPr>
+          <p:cNvPr id="7" name="Straight Arrow Connector 6">
+            <a:extLst>
+              <a:ext uri="{FF2B5EF4-FFF2-40B4-BE49-F238E27FC236}">
+                <a16:creationId xmlns:a16="http://schemas.microsoft.com/office/drawing/2014/main" id="{97439CDA-FAE2-42A7-85A3-35CEEA20C4CD}"/>
+              </a:ext>
+            </a:extLst>
+          </p:cNvPr>
+          <p:cNvCxnSpPr/>
+          <p:nvPr/>
+        </p:nvCxnSpPr>
+        <p:spPr>
+          <a:xfrm flipH="1" flipV="1">
+            <a:off x="5695122" y="2623930"/>
+            <a:ext cx="844826" cy="278296"/>
+          </a:xfrm>
+          <a:prstGeom prst="straightConnector1">
+            <a:avLst/>
+          </a:prstGeom>
+          <a:ln w="38100">
+            <a:solidFill>
+              <a:srgbClr val="FF0000"/>
+            </a:solidFill>
+            <a:tailEnd type="triangle"/>
+          </a:ln>
+        </p:spPr>
+        <p:style>
+          <a:lnRef idx="1">
+            <a:schemeClr val="accent1"/>
+          </a:lnRef>
+          <a:fillRef idx="0">
+            <a:schemeClr val="accent1"/>
+          </a:fillRef>
+          <a:effectRef idx="0">
+            <a:schemeClr val="accent1"/>
+          </a:effectRef>
+          <a:fontRef idx="minor">
+            <a:schemeClr val="tx1"/>
+          </a:fontRef>
+        </p:style>
+      </p:cxnSp>
+    </p:spTree>
+    <p:extLst>
+      <p:ext uri="{BB962C8B-B14F-4D97-AF65-F5344CB8AC3E}">
+        <p14:creationId xmlns:p14="http://schemas.microsoft.com/office/powerpoint/2010/main" val="796765275"/>
+      </p:ext>
+    </p:extLst>
+  </p:cSld>
+  <p:clrMapOvr>
+    <a:masterClrMapping/>
+  </p:clrMapOvr>
+</p:sld>
+</file>
+
+<file path=ppt/slides/slide19.xml><?xml version="1.0" encoding="utf-8"?>
+<p:sld xmlns:a="http://schemas.openxmlformats.org/drawingml/2006/main" xmlns:r="http://schemas.openxmlformats.org/officeDocument/2006/relationships" xmlns:p="http://schemas.openxmlformats.org/presentationml/2006/main">
+  <p:cSld>
+    <p:spTree>
+      <p:nvGrpSpPr>
+        <p:cNvPr id="1" name=""/>
+        <p:cNvGrpSpPr/>
+        <p:nvPr/>
+      </p:nvGrpSpPr>
+      <p:grpSpPr>
+        <a:xfrm>
+          <a:off x="0" y="0"/>
+          <a:ext cx="0" cy="0"/>
+          <a:chOff x="0" y="0"/>
+          <a:chExt cx="0" cy="0"/>
+        </a:xfrm>
+      </p:grpSpPr>
+      <p:sp>
+        <p:nvSpPr>
+          <p:cNvPr id="4" name="Rectangle 3">
+            <a:extLst>
+              <a:ext uri="{FF2B5EF4-FFF2-40B4-BE49-F238E27FC236}">
+                <a16:creationId xmlns:a16="http://schemas.microsoft.com/office/drawing/2014/main" id="{EAA5E25C-B981-417A-A27B-4730E5A31CF8}"/>
               </a:ext>
             </a:extLst>
           </p:cNvPr>
@@ -4718,14 +6186,1759 @@
         </p:nvSpPr>
         <p:spPr>
           <a:xfrm>
-            <a:off x="6361043" y="2633869"/>
-            <a:ext cx="2107096" cy="516835"/>
+            <a:off x="4691270" y="2425148"/>
+            <a:ext cx="3180521" cy="2007704"/>
           </a:xfrm>
-          <a:prstGeom prst="wedgeRectCallout">
-            <a:avLst>
-              <a:gd name="adj1" fmla="val -50214"/>
-              <a:gd name="adj2" fmla="val -107130"/>
-            </a:avLst>
+          <a:prstGeom prst="rect">
+            <a:avLst/>
+          </a:prstGeom>
+          <a:ln w="38100"/>
+        </p:spPr>
+        <p:style>
+          <a:lnRef idx="2">
+            <a:schemeClr val="accent1"/>
+          </a:lnRef>
+          <a:fillRef idx="1">
+            <a:schemeClr val="lt1"/>
+          </a:fillRef>
+          <a:effectRef idx="0">
+            <a:schemeClr val="accent1"/>
+          </a:effectRef>
+          <a:fontRef idx="minor">
+            <a:schemeClr val="dk1"/>
+          </a:fontRef>
+        </p:style>
+        <p:txBody>
+          <a:bodyPr rtlCol="0" anchor="ctr"/>
+          <a:lstStyle/>
+          <a:p>
+            <a:pPr algn="ctr"/>
+            <a:r>
+              <a:rPr lang="en-US" sz="3600" dirty="0"/>
+              <a:t>Interpreter</a:t>
+            </a:r>
+          </a:p>
+        </p:txBody>
+      </p:sp>
+      <p:cxnSp>
+        <p:nvCxnSpPr>
+          <p:cNvPr id="6" name="Straight Arrow Connector 5">
+            <a:extLst>
+              <a:ext uri="{FF2B5EF4-FFF2-40B4-BE49-F238E27FC236}">
+                <a16:creationId xmlns:a16="http://schemas.microsoft.com/office/drawing/2014/main" id="{34A657EA-A685-43B9-A61A-098B233A3444}"/>
+              </a:ext>
+            </a:extLst>
+          </p:cNvPr>
+          <p:cNvCxnSpPr/>
+          <p:nvPr/>
+        </p:nvCxnSpPr>
+        <p:spPr>
+          <a:xfrm>
+            <a:off x="3180522" y="2882347"/>
+            <a:ext cx="1510748" cy="0"/>
+          </a:xfrm>
+          <a:prstGeom prst="straightConnector1">
+            <a:avLst/>
+          </a:prstGeom>
+          <a:ln w="57150">
+            <a:tailEnd type="triangle"/>
+          </a:ln>
+        </p:spPr>
+        <p:style>
+          <a:lnRef idx="1">
+            <a:schemeClr val="accent1"/>
+          </a:lnRef>
+          <a:fillRef idx="0">
+            <a:schemeClr val="accent1"/>
+          </a:fillRef>
+          <a:effectRef idx="0">
+            <a:schemeClr val="accent1"/>
+          </a:effectRef>
+          <a:fontRef idx="minor">
+            <a:schemeClr val="tx1"/>
+          </a:fontRef>
+        </p:style>
+      </p:cxnSp>
+      <p:cxnSp>
+        <p:nvCxnSpPr>
+          <p:cNvPr id="7" name="Straight Arrow Connector 6">
+            <a:extLst>
+              <a:ext uri="{FF2B5EF4-FFF2-40B4-BE49-F238E27FC236}">
+                <a16:creationId xmlns:a16="http://schemas.microsoft.com/office/drawing/2014/main" id="{0D32E30D-C4E5-4A21-8041-9F6162FC07EB}"/>
+              </a:ext>
+            </a:extLst>
+          </p:cNvPr>
+          <p:cNvCxnSpPr/>
+          <p:nvPr/>
+        </p:nvCxnSpPr>
+        <p:spPr>
+          <a:xfrm>
+            <a:off x="3180522" y="3998843"/>
+            <a:ext cx="1510748" cy="0"/>
+          </a:xfrm>
+          <a:prstGeom prst="straightConnector1">
+            <a:avLst/>
+          </a:prstGeom>
+          <a:ln w="57150">
+            <a:tailEnd type="triangle"/>
+          </a:ln>
+        </p:spPr>
+        <p:style>
+          <a:lnRef idx="1">
+            <a:schemeClr val="accent1"/>
+          </a:lnRef>
+          <a:fillRef idx="0">
+            <a:schemeClr val="accent1"/>
+          </a:fillRef>
+          <a:effectRef idx="0">
+            <a:schemeClr val="accent1"/>
+          </a:effectRef>
+          <a:fontRef idx="minor">
+            <a:schemeClr val="tx1"/>
+          </a:fontRef>
+        </p:style>
+      </p:cxnSp>
+      <p:cxnSp>
+        <p:nvCxnSpPr>
+          <p:cNvPr id="8" name="Straight Arrow Connector 7">
+            <a:extLst>
+              <a:ext uri="{FF2B5EF4-FFF2-40B4-BE49-F238E27FC236}">
+                <a16:creationId xmlns:a16="http://schemas.microsoft.com/office/drawing/2014/main" id="{26F6C84C-5F98-49D0-B9F0-4B562585C2E7}"/>
+              </a:ext>
+            </a:extLst>
+          </p:cNvPr>
+          <p:cNvCxnSpPr/>
+          <p:nvPr/>
+        </p:nvCxnSpPr>
+        <p:spPr>
+          <a:xfrm>
+            <a:off x="7871791" y="3422373"/>
+            <a:ext cx="1510748" cy="0"/>
+          </a:xfrm>
+          <a:prstGeom prst="straightConnector1">
+            <a:avLst/>
+          </a:prstGeom>
+          <a:ln w="57150">
+            <a:tailEnd type="triangle"/>
+          </a:ln>
+        </p:spPr>
+        <p:style>
+          <a:lnRef idx="1">
+            <a:schemeClr val="accent1"/>
+          </a:lnRef>
+          <a:fillRef idx="0">
+            <a:schemeClr val="accent1"/>
+          </a:fillRef>
+          <a:effectRef idx="0">
+            <a:schemeClr val="accent1"/>
+          </a:effectRef>
+          <a:fontRef idx="minor">
+            <a:schemeClr val="tx1"/>
+          </a:fontRef>
+        </p:style>
+      </p:cxnSp>
+      <p:sp>
+        <p:nvSpPr>
+          <p:cNvPr id="9" name="TextBox 8">
+            <a:extLst>
+              <a:ext uri="{FF2B5EF4-FFF2-40B4-BE49-F238E27FC236}">
+                <a16:creationId xmlns:a16="http://schemas.microsoft.com/office/drawing/2014/main" id="{60B209C9-81DA-494C-914B-0170CA3BA730}"/>
+              </a:ext>
+            </a:extLst>
+          </p:cNvPr>
+          <p:cNvSpPr txBox="1"/>
+          <p:nvPr/>
+        </p:nvSpPr>
+        <p:spPr>
+          <a:xfrm>
+            <a:off x="2034054" y="2529930"/>
+            <a:ext cx="1146468" cy="646331"/>
+          </a:xfrm>
+          <a:prstGeom prst="rect">
+            <a:avLst/>
+          </a:prstGeom>
+          <a:noFill/>
+        </p:spPr>
+        <p:txBody>
+          <a:bodyPr wrap="none" rtlCol="0">
+            <a:spAutoFit/>
+          </a:bodyPr>
+          <a:lstStyle/>
+          <a:p>
+            <a:r>
+              <a:rPr lang="en-US" sz="3600" dirty="0"/>
+              <a:t>Code</a:t>
+            </a:r>
+          </a:p>
+        </p:txBody>
+      </p:sp>
+      <p:sp>
+        <p:nvSpPr>
+          <p:cNvPr id="10" name="TextBox 9">
+            <a:extLst>
+              <a:ext uri="{FF2B5EF4-FFF2-40B4-BE49-F238E27FC236}">
+                <a16:creationId xmlns:a16="http://schemas.microsoft.com/office/drawing/2014/main" id="{FA3CCB2D-6374-405A-A315-BA8D37D6C7C0}"/>
+              </a:ext>
+            </a:extLst>
+          </p:cNvPr>
+          <p:cNvSpPr txBox="1"/>
+          <p:nvPr/>
+        </p:nvSpPr>
+        <p:spPr>
+          <a:xfrm>
+            <a:off x="2034054" y="3675677"/>
+            <a:ext cx="1181734" cy="646331"/>
+          </a:xfrm>
+          <a:prstGeom prst="rect">
+            <a:avLst/>
+          </a:prstGeom>
+          <a:noFill/>
+        </p:spPr>
+        <p:txBody>
+          <a:bodyPr wrap="none" rtlCol="0">
+            <a:spAutoFit/>
+          </a:bodyPr>
+          <a:lstStyle/>
+          <a:p>
+            <a:r>
+              <a:rPr lang="en-US" sz="3600" dirty="0"/>
+              <a:t>Input</a:t>
+            </a:r>
+          </a:p>
+        </p:txBody>
+      </p:sp>
+      <p:sp>
+        <p:nvSpPr>
+          <p:cNvPr id="11" name="TextBox 10">
+            <a:extLst>
+              <a:ext uri="{FF2B5EF4-FFF2-40B4-BE49-F238E27FC236}">
+                <a16:creationId xmlns:a16="http://schemas.microsoft.com/office/drawing/2014/main" id="{66D71BC0-B0A0-4426-8AC3-3989E3E57740}"/>
+              </a:ext>
+            </a:extLst>
+          </p:cNvPr>
+          <p:cNvSpPr txBox="1"/>
+          <p:nvPr/>
+        </p:nvSpPr>
+        <p:spPr>
+          <a:xfrm>
+            <a:off x="9382539" y="3099207"/>
+            <a:ext cx="1524776" cy="646331"/>
+          </a:xfrm>
+          <a:prstGeom prst="rect">
+            <a:avLst/>
+          </a:prstGeom>
+          <a:noFill/>
+        </p:spPr>
+        <p:txBody>
+          <a:bodyPr wrap="none" rtlCol="0">
+            <a:spAutoFit/>
+          </a:bodyPr>
+          <a:lstStyle/>
+          <a:p>
+            <a:r>
+              <a:rPr lang="en-US" sz="3600" dirty="0"/>
+              <a:t>Output</a:t>
+            </a:r>
+          </a:p>
+        </p:txBody>
+      </p:sp>
+    </p:spTree>
+    <p:extLst>
+      <p:ext uri="{BB962C8B-B14F-4D97-AF65-F5344CB8AC3E}">
+        <p14:creationId xmlns:p14="http://schemas.microsoft.com/office/powerpoint/2010/main" val="2975699126"/>
+      </p:ext>
+    </p:extLst>
+  </p:cSld>
+  <p:clrMapOvr>
+    <a:masterClrMapping/>
+  </p:clrMapOvr>
+</p:sld>
+</file>
+
+<file path=ppt/slides/slide2.xml><?xml version="1.0" encoding="utf-8"?>
+<p:sld xmlns:a="http://schemas.openxmlformats.org/drawingml/2006/main" xmlns:r="http://schemas.openxmlformats.org/officeDocument/2006/relationships" xmlns:p="http://schemas.openxmlformats.org/presentationml/2006/main">
+  <p:cSld>
+    <p:spTree>
+      <p:nvGrpSpPr>
+        <p:cNvPr id="1" name=""/>
+        <p:cNvGrpSpPr/>
+        <p:nvPr/>
+      </p:nvGrpSpPr>
+      <p:grpSpPr>
+        <a:xfrm>
+          <a:off x="0" y="0"/>
+          <a:ext cx="0" cy="0"/>
+          <a:chOff x="0" y="0"/>
+          <a:chExt cx="0" cy="0"/>
+        </a:xfrm>
+      </p:grpSpPr>
+      <p:pic>
+        <p:nvPicPr>
+          <p:cNvPr id="1028" name="Picture 4" descr="See the source image">
+            <a:extLst>
+              <a:ext uri="{FF2B5EF4-FFF2-40B4-BE49-F238E27FC236}">
+                <a16:creationId xmlns:a16="http://schemas.microsoft.com/office/drawing/2014/main" id="{00622987-E307-450C-A682-4BE570172C98}"/>
+              </a:ext>
+            </a:extLst>
+          </p:cNvPr>
+          <p:cNvPicPr>
+            <a:picLocks noChangeAspect="1" noChangeArrowheads="1"/>
+          </p:cNvPicPr>
+          <p:nvPr/>
+        </p:nvPicPr>
+        <p:blipFill>
+          <a:blip r:embed="rId2">
+            <a:extLst>
+              <a:ext uri="{28A0092B-C50C-407E-A947-70E740481C1C}">
+                <a14:useLocalDpi xmlns:a14="http://schemas.microsoft.com/office/drawing/2010/main" val="0"/>
+              </a:ext>
+            </a:extLst>
+          </a:blip>
+          <a:srcRect/>
+          <a:stretch>
+            <a:fillRect/>
+          </a:stretch>
+        </p:blipFill>
+        <p:spPr bwMode="auto">
+          <a:xfrm>
+            <a:off x="3352800" y="0"/>
+            <a:ext cx="5486400" cy="6858000"/>
+          </a:xfrm>
+          <a:prstGeom prst="rect">
+            <a:avLst/>
+          </a:prstGeom>
+          <a:noFill/>
+          <a:extLst>
+            <a:ext uri="{909E8E84-426E-40DD-AFC4-6F175D3DCCD1}">
+              <a14:hiddenFill xmlns:a14="http://schemas.microsoft.com/office/drawing/2010/main">
+                <a:solidFill>
+                  <a:srgbClr val="FFFFFF"/>
+                </a:solidFill>
+              </a14:hiddenFill>
+            </a:ext>
+          </a:extLst>
+        </p:spPr>
+      </p:pic>
+      <p:sp>
+        <p:nvSpPr>
+          <p:cNvPr id="7" name="TextBox 6">
+            <a:extLst>
+              <a:ext uri="{FF2B5EF4-FFF2-40B4-BE49-F238E27FC236}">
+                <a16:creationId xmlns:a16="http://schemas.microsoft.com/office/drawing/2014/main" id="{734F25F8-6BFB-41B0-BF33-1240973CBACE}"/>
+              </a:ext>
+            </a:extLst>
+          </p:cNvPr>
+          <p:cNvSpPr txBox="1"/>
+          <p:nvPr/>
+        </p:nvSpPr>
+        <p:spPr>
+          <a:xfrm>
+            <a:off x="0" y="6488668"/>
+            <a:ext cx="12192000" cy="369332"/>
+          </a:xfrm>
+          <a:prstGeom prst="rect">
+            <a:avLst/>
+          </a:prstGeom>
+          <a:noFill/>
+        </p:spPr>
+        <p:txBody>
+          <a:bodyPr wrap="square">
+            <a:spAutoFit/>
+          </a:bodyPr>
+          <a:lstStyle/>
+          <a:p>
+            <a:pPr algn="r"/>
+            <a:r>
+              <a:rPr lang="en-GB" dirty="0">
+                <a:solidFill>
+                  <a:srgbClr val="202122"/>
+                </a:solidFill>
+                <a:latin typeface="Arial" panose="020B0604020202020204" pitchFamily="34" charset="0"/>
+              </a:rPr>
+              <a:t>C</a:t>
+            </a:r>
+            <a:r>
+              <a:rPr lang="en-GB" b="0" i="0" dirty="0">
+                <a:solidFill>
+                  <a:srgbClr val="202122"/>
+                </a:solidFill>
+                <a:effectLst/>
+                <a:latin typeface="Arial" panose="020B0604020202020204" pitchFamily="34" charset="0"/>
+              </a:rPr>
+              <a:t>over art for the book </a:t>
+            </a:r>
+            <a:r>
+              <a:rPr lang="en-GB" b="0" i="1" dirty="0">
+                <a:solidFill>
+                  <a:srgbClr val="202122"/>
+                </a:solidFill>
+                <a:effectLst/>
+                <a:latin typeface="Arial" panose="020B0604020202020204" pitchFamily="34" charset="0"/>
+              </a:rPr>
+              <a:t>Oh, the Places You'll Go!</a:t>
+            </a:r>
+            <a:r>
+              <a:rPr lang="en-GB" b="0" i="0" dirty="0">
+                <a:solidFill>
+                  <a:srgbClr val="202122"/>
+                </a:solidFill>
+                <a:effectLst/>
+                <a:latin typeface="Arial" panose="020B0604020202020204" pitchFamily="34" charset="0"/>
+              </a:rPr>
+              <a:t> written by </a:t>
+            </a:r>
+            <a:r>
+              <a:rPr lang="en-GB" b="0" i="0" dirty="0" err="1">
+                <a:solidFill>
+                  <a:srgbClr val="202122"/>
+                </a:solidFill>
+                <a:effectLst/>
+                <a:latin typeface="Arial" panose="020B0604020202020204" pitchFamily="34" charset="0"/>
+              </a:rPr>
+              <a:t>Blais</a:t>
+            </a:r>
+            <a:r>
+              <a:rPr lang="en-GB" b="0" i="0" dirty="0">
+                <a:solidFill>
+                  <a:srgbClr val="202122"/>
+                </a:solidFill>
+                <a:effectLst/>
+                <a:latin typeface="Arial" panose="020B0604020202020204" pitchFamily="34" charset="0"/>
+              </a:rPr>
+              <a:t>, Jacqueline; et al. </a:t>
+            </a:r>
+            <a:endParaRPr lang="en-US" dirty="0"/>
+          </a:p>
+        </p:txBody>
+      </p:sp>
+    </p:spTree>
+    <p:extLst>
+      <p:ext uri="{BB962C8B-B14F-4D97-AF65-F5344CB8AC3E}">
+        <p14:creationId xmlns:p14="http://schemas.microsoft.com/office/powerpoint/2010/main" val="4088149438"/>
+      </p:ext>
+    </p:extLst>
+  </p:cSld>
+  <p:clrMapOvr>
+    <a:masterClrMapping/>
+  </p:clrMapOvr>
+</p:sld>
+</file>
+
+<file path=ppt/slides/slide20.xml><?xml version="1.0" encoding="utf-8"?>
+<p:sld xmlns:a="http://schemas.openxmlformats.org/drawingml/2006/main" xmlns:r="http://schemas.openxmlformats.org/officeDocument/2006/relationships" xmlns:p="http://schemas.openxmlformats.org/presentationml/2006/main">
+  <p:cSld>
+    <p:spTree>
+      <p:nvGrpSpPr>
+        <p:cNvPr id="1" name=""/>
+        <p:cNvGrpSpPr/>
+        <p:nvPr/>
+      </p:nvGrpSpPr>
+      <p:grpSpPr>
+        <a:xfrm>
+          <a:off x="0" y="0"/>
+          <a:ext cx="0" cy="0"/>
+          <a:chOff x="0" y="0"/>
+          <a:chExt cx="0" cy="0"/>
+        </a:xfrm>
+      </p:grpSpPr>
+      <p:sp>
+        <p:nvSpPr>
+          <p:cNvPr id="4" name="Title 3">
+            <a:extLst>
+              <a:ext uri="{FF2B5EF4-FFF2-40B4-BE49-F238E27FC236}">
+                <a16:creationId xmlns:a16="http://schemas.microsoft.com/office/drawing/2014/main" id="{1A019634-B7AF-4806-BA25-3D9D83BAE570}"/>
+              </a:ext>
+            </a:extLst>
+          </p:cNvPr>
+          <p:cNvSpPr>
+            <a:spLocks noGrp="1"/>
+          </p:cNvSpPr>
+          <p:nvPr>
+            <p:ph type="ctrTitle"/>
+          </p:nvPr>
+        </p:nvSpPr>
+        <p:spPr>
+          <a:xfrm>
+            <a:off x="0" y="1122363"/>
+            <a:ext cx="12192000" cy="2387600"/>
+          </a:xfrm>
+        </p:spPr>
+        <p:txBody>
+          <a:bodyPr/>
+          <a:lstStyle/>
+          <a:p>
+            <a:r>
+              <a:rPr lang="en-US" dirty="0"/>
+              <a:t>High Level Languages Are Great!</a:t>
+            </a:r>
+          </a:p>
+        </p:txBody>
+      </p:sp>
+      <p:sp>
+        <p:nvSpPr>
+          <p:cNvPr id="5" name="Subtitle 4">
+            <a:extLst>
+              <a:ext uri="{FF2B5EF4-FFF2-40B4-BE49-F238E27FC236}">
+                <a16:creationId xmlns:a16="http://schemas.microsoft.com/office/drawing/2014/main" id="{278629DF-7F82-41AE-B0F0-5ECF612BE6E4}"/>
+              </a:ext>
+            </a:extLst>
+          </p:cNvPr>
+          <p:cNvSpPr>
+            <a:spLocks noGrp="1"/>
+          </p:cNvSpPr>
+          <p:nvPr>
+            <p:ph type="subTitle" idx="1"/>
+          </p:nvPr>
+        </p:nvSpPr>
+        <p:spPr/>
+        <p:txBody>
+          <a:bodyPr>
+            <a:normAutofit fontScale="92500" lnSpcReduction="20000"/>
+          </a:bodyPr>
+          <a:lstStyle/>
+          <a:p>
+            <a:endParaRPr lang="en-US" sz="6600" b="1" dirty="0">
+              <a:solidFill>
+                <a:srgbClr val="FF0000"/>
+              </a:solidFill>
+              <a:latin typeface="Bradley Hand ITC" panose="03070402050302030203" pitchFamily="66" charset="0"/>
+            </a:endParaRPr>
+          </a:p>
+          <a:p>
+            <a:r>
+              <a:rPr lang="en-US" sz="6600" b="1" dirty="0">
+                <a:solidFill>
+                  <a:srgbClr val="FF0000"/>
+                </a:solidFill>
+                <a:latin typeface="Bradley Hand ITC" panose="03070402050302030203" pitchFamily="66" charset="0"/>
+              </a:rPr>
+              <a:t>but…</a:t>
+            </a:r>
+          </a:p>
+        </p:txBody>
+      </p:sp>
+    </p:spTree>
+    <p:extLst>
+      <p:ext uri="{BB962C8B-B14F-4D97-AF65-F5344CB8AC3E}">
+        <p14:creationId xmlns:p14="http://schemas.microsoft.com/office/powerpoint/2010/main" val="2096045884"/>
+      </p:ext>
+    </p:extLst>
+  </p:cSld>
+  <p:clrMapOvr>
+    <a:masterClrMapping/>
+  </p:clrMapOvr>
+</p:sld>
+</file>
+
+<file path=ppt/slides/slide21.xml><?xml version="1.0" encoding="utf-8"?>
+<p:sld xmlns:a="http://schemas.openxmlformats.org/drawingml/2006/main" xmlns:r="http://schemas.openxmlformats.org/officeDocument/2006/relationships" xmlns:p="http://schemas.openxmlformats.org/presentationml/2006/main">
+  <p:cSld>
+    <p:spTree>
+      <p:nvGrpSpPr>
+        <p:cNvPr id="1" name=""/>
+        <p:cNvGrpSpPr/>
+        <p:nvPr/>
+      </p:nvGrpSpPr>
+      <p:grpSpPr>
+        <a:xfrm>
+          <a:off x="0" y="0"/>
+          <a:ext cx="0" cy="0"/>
+          <a:chOff x="0" y="0"/>
+          <a:chExt cx="0" cy="0"/>
+        </a:xfrm>
+      </p:grpSpPr>
+      <p:sp>
+        <p:nvSpPr>
+          <p:cNvPr id="2" name="Title 1">
+            <a:extLst>
+              <a:ext uri="{FF2B5EF4-FFF2-40B4-BE49-F238E27FC236}">
+                <a16:creationId xmlns:a16="http://schemas.microsoft.com/office/drawing/2014/main" id="{BAA7633C-25AF-4192-AF2E-1E45450CADD3}"/>
+              </a:ext>
+            </a:extLst>
+          </p:cNvPr>
+          <p:cNvSpPr>
+            <a:spLocks noGrp="1"/>
+          </p:cNvSpPr>
+          <p:nvPr>
+            <p:ph type="title"/>
+          </p:nvPr>
+        </p:nvSpPr>
+        <p:spPr/>
+        <p:txBody>
+          <a:bodyPr/>
+          <a:lstStyle/>
+          <a:p>
+            <a:r>
+              <a:rPr lang="en-US" dirty="0"/>
+              <a:t>Efficiency Matters</a:t>
+            </a:r>
+          </a:p>
+        </p:txBody>
+      </p:sp>
+      <p:sp>
+        <p:nvSpPr>
+          <p:cNvPr id="3" name="Content Placeholder 2">
+            <a:extLst>
+              <a:ext uri="{FF2B5EF4-FFF2-40B4-BE49-F238E27FC236}">
+                <a16:creationId xmlns:a16="http://schemas.microsoft.com/office/drawing/2014/main" id="{7802C3F1-4777-438F-9D5D-69683D3773D4}"/>
+              </a:ext>
+            </a:extLst>
+          </p:cNvPr>
+          <p:cNvSpPr>
+            <a:spLocks noGrp="1"/>
+          </p:cNvSpPr>
+          <p:nvPr>
+            <p:ph idx="1"/>
+          </p:nvPr>
+        </p:nvSpPr>
+        <p:spPr/>
+        <p:txBody>
+          <a:bodyPr/>
+          <a:lstStyle/>
+          <a:p>
+            <a:r>
+              <a:rPr lang="en-US" dirty="0"/>
+              <a:t>the cost of an interpreter is prohibitive</a:t>
+            </a:r>
+          </a:p>
+          <a:p>
+            <a:endParaRPr lang="en-US" dirty="0"/>
+          </a:p>
+          <a:p>
+            <a:r>
+              <a:rPr lang="en-US" dirty="0"/>
+              <a:t>John Backus observed that in </a:t>
+            </a:r>
+            <a:r>
+              <a:rPr lang="en-US" dirty="0" err="1"/>
+              <a:t>speedcoding</a:t>
+            </a:r>
+            <a:r>
+              <a:rPr lang="en-US" dirty="0"/>
+              <a:t> lot of time is spent in the mathematical formulas being translated over and over again every time they are executed</a:t>
+            </a:r>
+          </a:p>
+        </p:txBody>
+      </p:sp>
+    </p:spTree>
+    <p:extLst>
+      <p:ext uri="{BB962C8B-B14F-4D97-AF65-F5344CB8AC3E}">
+        <p14:creationId xmlns:p14="http://schemas.microsoft.com/office/powerpoint/2010/main" val="134244005"/>
+      </p:ext>
+    </p:extLst>
+  </p:cSld>
+  <p:clrMapOvr>
+    <a:masterClrMapping/>
+  </p:clrMapOvr>
+</p:sld>
+</file>
+
+<file path=ppt/slides/slide22.xml><?xml version="1.0" encoding="utf-8"?>
+<p:sld xmlns:a="http://schemas.openxmlformats.org/drawingml/2006/main" xmlns:r="http://schemas.openxmlformats.org/officeDocument/2006/relationships" xmlns:p="http://schemas.openxmlformats.org/presentationml/2006/main">
+  <p:cSld>
+    <p:spTree>
+      <p:nvGrpSpPr>
+        <p:cNvPr id="1" name=""/>
+        <p:cNvGrpSpPr/>
+        <p:nvPr/>
+      </p:nvGrpSpPr>
+      <p:grpSpPr>
+        <a:xfrm>
+          <a:off x="0" y="0"/>
+          <a:ext cx="0" cy="0"/>
+          <a:chOff x="0" y="0"/>
+          <a:chExt cx="0" cy="0"/>
+        </a:xfrm>
+      </p:grpSpPr>
+      <p:sp>
+        <p:nvSpPr>
+          <p:cNvPr id="2" name="Title 1">
+            <a:extLst>
+              <a:ext uri="{FF2B5EF4-FFF2-40B4-BE49-F238E27FC236}">
+                <a16:creationId xmlns:a16="http://schemas.microsoft.com/office/drawing/2014/main" id="{BAA7633C-25AF-4192-AF2E-1E45450CADD3}"/>
+              </a:ext>
+            </a:extLst>
+          </p:cNvPr>
+          <p:cNvSpPr>
+            <a:spLocks noGrp="1"/>
+          </p:cNvSpPr>
+          <p:nvPr>
+            <p:ph type="title"/>
+          </p:nvPr>
+        </p:nvSpPr>
+        <p:spPr/>
+        <p:txBody>
+          <a:bodyPr/>
+          <a:lstStyle/>
+          <a:p>
+            <a:r>
+              <a:rPr lang="en-US" dirty="0"/>
+              <a:t>Efficiency Matters</a:t>
+            </a:r>
+          </a:p>
+        </p:txBody>
+      </p:sp>
+      <p:sp>
+        <p:nvSpPr>
+          <p:cNvPr id="3" name="Content Placeholder 2">
+            <a:extLst>
+              <a:ext uri="{FF2B5EF4-FFF2-40B4-BE49-F238E27FC236}">
+                <a16:creationId xmlns:a16="http://schemas.microsoft.com/office/drawing/2014/main" id="{7802C3F1-4777-438F-9D5D-69683D3773D4}"/>
+              </a:ext>
+            </a:extLst>
+          </p:cNvPr>
+          <p:cNvSpPr>
+            <a:spLocks noGrp="1"/>
+          </p:cNvSpPr>
+          <p:nvPr>
+            <p:ph idx="1"/>
+          </p:nvPr>
+        </p:nvSpPr>
+        <p:spPr/>
+        <p:txBody>
+          <a:bodyPr/>
+          <a:lstStyle/>
+          <a:p>
+            <a:r>
+              <a:rPr lang="en-US" dirty="0"/>
+              <a:t>the cost of an interpreter is prohibitive</a:t>
+            </a:r>
+          </a:p>
+          <a:p>
+            <a:endParaRPr lang="en-US" dirty="0"/>
+          </a:p>
+          <a:p>
+            <a:r>
+              <a:rPr lang="en-US" dirty="0"/>
+              <a:t>John Backus observed that in </a:t>
+            </a:r>
+            <a:r>
+              <a:rPr lang="en-US" dirty="0" err="1"/>
+              <a:t>speedcoding</a:t>
+            </a:r>
+            <a:r>
+              <a:rPr lang="en-US" dirty="0"/>
+              <a:t> lot of time is spent in the mathematical </a:t>
+            </a:r>
+            <a:r>
+              <a:rPr lang="en-US" dirty="0" err="1"/>
+              <a:t>FORmulas</a:t>
+            </a:r>
+            <a:r>
+              <a:rPr lang="en-US" dirty="0"/>
+              <a:t> being </a:t>
+            </a:r>
+            <a:r>
+              <a:rPr lang="en-US" dirty="0" err="1"/>
+              <a:t>TRANslated</a:t>
+            </a:r>
+            <a:r>
+              <a:rPr lang="en-US" dirty="0"/>
+              <a:t> over and over again every time they are executed</a:t>
+            </a:r>
+          </a:p>
+        </p:txBody>
+      </p:sp>
+    </p:spTree>
+    <p:extLst>
+      <p:ext uri="{BB962C8B-B14F-4D97-AF65-F5344CB8AC3E}">
+        <p14:creationId xmlns:p14="http://schemas.microsoft.com/office/powerpoint/2010/main" val="560594263"/>
+      </p:ext>
+    </p:extLst>
+  </p:cSld>
+  <p:clrMapOvr>
+    <a:masterClrMapping/>
+  </p:clrMapOvr>
+</p:sld>
+</file>
+
+<file path=ppt/slides/slide23.xml><?xml version="1.0" encoding="utf-8"?>
+<p:sld xmlns:a="http://schemas.openxmlformats.org/drawingml/2006/main" xmlns:r="http://schemas.openxmlformats.org/officeDocument/2006/relationships" xmlns:p="http://schemas.openxmlformats.org/presentationml/2006/main">
+  <p:cSld>
+    <p:spTree>
+      <p:nvGrpSpPr>
+        <p:cNvPr id="1" name=""/>
+        <p:cNvGrpSpPr/>
+        <p:nvPr/>
+      </p:nvGrpSpPr>
+      <p:grpSpPr>
+        <a:xfrm>
+          <a:off x="0" y="0"/>
+          <a:ext cx="0" cy="0"/>
+          <a:chOff x="0" y="0"/>
+          <a:chExt cx="0" cy="0"/>
+        </a:xfrm>
+      </p:grpSpPr>
+      <p:sp>
+        <p:nvSpPr>
+          <p:cNvPr id="2" name="Title 1">
+            <a:extLst>
+              <a:ext uri="{FF2B5EF4-FFF2-40B4-BE49-F238E27FC236}">
+                <a16:creationId xmlns:a16="http://schemas.microsoft.com/office/drawing/2014/main" id="{D5A7DF39-52DA-4E8C-8835-441E2A4ED89F}"/>
+              </a:ext>
+            </a:extLst>
+          </p:cNvPr>
+          <p:cNvSpPr>
+            <a:spLocks noGrp="1"/>
+          </p:cNvSpPr>
+          <p:nvPr>
+            <p:ph type="title"/>
+          </p:nvPr>
+        </p:nvSpPr>
+        <p:spPr/>
+        <p:txBody>
+          <a:bodyPr/>
+          <a:lstStyle/>
+          <a:p>
+            <a:r>
+              <a:rPr lang="en-US" dirty="0"/>
+              <a:t>FORTRAN</a:t>
+            </a:r>
+          </a:p>
+        </p:txBody>
+      </p:sp>
+      <p:sp>
+        <p:nvSpPr>
+          <p:cNvPr id="3" name="Content Placeholder 2">
+            <a:extLst>
+              <a:ext uri="{FF2B5EF4-FFF2-40B4-BE49-F238E27FC236}">
+                <a16:creationId xmlns:a16="http://schemas.microsoft.com/office/drawing/2014/main" id="{5BD52A18-6AD3-4437-A9E8-2CA00ECEF983}"/>
+              </a:ext>
+            </a:extLst>
+          </p:cNvPr>
+          <p:cNvSpPr>
+            <a:spLocks noGrp="1"/>
+          </p:cNvSpPr>
+          <p:nvPr>
+            <p:ph idx="1"/>
+          </p:nvPr>
+        </p:nvSpPr>
+        <p:spPr/>
+        <p:txBody>
+          <a:bodyPr/>
+          <a:lstStyle/>
+          <a:p>
+            <a:r>
+              <a:rPr lang="en-US" dirty="0"/>
+              <a:t>what if the operations are translated first once and for all?</a:t>
+            </a:r>
+          </a:p>
+          <a:p>
+            <a:endParaRPr lang="en-US" dirty="0"/>
+          </a:p>
+          <a:p>
+            <a:r>
+              <a:rPr lang="en-US" dirty="0"/>
+              <a:t>doing this ahead of time also means the compiler can:</a:t>
+            </a:r>
+          </a:p>
+          <a:p>
+            <a:pPr lvl="1"/>
+            <a:r>
+              <a:rPr lang="en-US" dirty="0"/>
+              <a:t>is not resource constrained</a:t>
+            </a:r>
+          </a:p>
+          <a:p>
+            <a:pPr lvl="1"/>
+            <a:r>
+              <a:rPr lang="en-US" dirty="0"/>
+              <a:t>can do lots of things (can be slow, as long as generated executable is fast)</a:t>
+            </a:r>
+          </a:p>
+          <a:p>
+            <a:pPr lvl="1"/>
+            <a:endParaRPr lang="en-US" dirty="0"/>
+          </a:p>
+          <a:p>
+            <a:r>
+              <a:rPr lang="en-US" dirty="0"/>
+              <a:t>the very first compiler and highly influential compiler</a:t>
+            </a:r>
+          </a:p>
+          <a:p>
+            <a:pPr marL="0" indent="0">
+              <a:buNone/>
+            </a:pPr>
+            <a:endParaRPr lang="en-US" dirty="0"/>
+          </a:p>
+        </p:txBody>
+      </p:sp>
+    </p:spTree>
+    <p:extLst>
+      <p:ext uri="{BB962C8B-B14F-4D97-AF65-F5344CB8AC3E}">
+        <p14:creationId xmlns:p14="http://schemas.microsoft.com/office/powerpoint/2010/main" val="3592959948"/>
+      </p:ext>
+    </p:extLst>
+  </p:cSld>
+  <p:clrMapOvr>
+    <a:masterClrMapping/>
+  </p:clrMapOvr>
+  <mc:AlternateContent xmlns:mc="http://schemas.openxmlformats.org/markup-compatibility/2006">
+    <mc:Choice xmlns:p159="http://schemas.microsoft.com/office/powerpoint/2015/09/main" Requires="p159">
+      <p:transition xmlns:p14="http://schemas.microsoft.com/office/powerpoint/2010/main" spd="slow" p14:dur="2000">
+        <p159:morph option="byChar"/>
+      </p:transition>
+    </mc:Choice>
+    <mc:Fallback>
+      <p:transition spd="slow">
+        <p:fade/>
+      </p:transition>
+    </mc:Fallback>
+  </mc:AlternateContent>
+</p:sld>
+</file>
+
+<file path=ppt/slides/slide24.xml><?xml version="1.0" encoding="utf-8"?>
+<p:sld xmlns:a="http://schemas.openxmlformats.org/drawingml/2006/main" xmlns:r="http://schemas.openxmlformats.org/officeDocument/2006/relationships" xmlns:p="http://schemas.openxmlformats.org/presentationml/2006/main">
+  <p:cSld>
+    <p:spTree>
+      <p:nvGrpSpPr>
+        <p:cNvPr id="1" name=""/>
+        <p:cNvGrpSpPr/>
+        <p:nvPr/>
+      </p:nvGrpSpPr>
+      <p:grpSpPr>
+        <a:xfrm>
+          <a:off x="0" y="0"/>
+          <a:ext cx="0" cy="0"/>
+          <a:chOff x="0" y="0"/>
+          <a:chExt cx="0" cy="0"/>
+        </a:xfrm>
+      </p:grpSpPr>
+      <p:sp>
+        <p:nvSpPr>
+          <p:cNvPr id="4" name="Rectangle 3">
+            <a:extLst>
+              <a:ext uri="{FF2B5EF4-FFF2-40B4-BE49-F238E27FC236}">
+                <a16:creationId xmlns:a16="http://schemas.microsoft.com/office/drawing/2014/main" id="{EAA5E25C-B981-417A-A27B-4730E5A31CF8}"/>
+              </a:ext>
+            </a:extLst>
+          </p:cNvPr>
+          <p:cNvSpPr/>
+          <p:nvPr/>
+        </p:nvSpPr>
+        <p:spPr>
+          <a:xfrm>
+            <a:off x="2653749" y="1858618"/>
+            <a:ext cx="3180521" cy="2007704"/>
+          </a:xfrm>
+          <a:prstGeom prst="rect">
+            <a:avLst/>
+          </a:prstGeom>
+          <a:ln w="38100"/>
+        </p:spPr>
+        <p:style>
+          <a:lnRef idx="2">
+            <a:schemeClr val="accent1"/>
+          </a:lnRef>
+          <a:fillRef idx="1">
+            <a:schemeClr val="lt1"/>
+          </a:fillRef>
+          <a:effectRef idx="0">
+            <a:schemeClr val="accent1"/>
+          </a:effectRef>
+          <a:fontRef idx="minor">
+            <a:schemeClr val="dk1"/>
+          </a:fontRef>
+        </p:style>
+        <p:txBody>
+          <a:bodyPr rtlCol="0" anchor="ctr"/>
+          <a:lstStyle/>
+          <a:p>
+            <a:pPr algn="ctr"/>
+            <a:r>
+              <a:rPr lang="en-US" sz="3600" dirty="0"/>
+              <a:t>Compiler</a:t>
+            </a:r>
+          </a:p>
+        </p:txBody>
+      </p:sp>
+      <p:cxnSp>
+        <p:nvCxnSpPr>
+          <p:cNvPr id="6" name="Straight Arrow Connector 5">
+            <a:extLst>
+              <a:ext uri="{FF2B5EF4-FFF2-40B4-BE49-F238E27FC236}">
+                <a16:creationId xmlns:a16="http://schemas.microsoft.com/office/drawing/2014/main" id="{34A657EA-A685-43B9-A61A-098B233A3444}"/>
+              </a:ext>
+            </a:extLst>
+          </p:cNvPr>
+          <p:cNvCxnSpPr>
+            <a:cxnSpLocks/>
+          </p:cNvCxnSpPr>
+          <p:nvPr/>
+        </p:nvCxnSpPr>
+        <p:spPr>
+          <a:xfrm>
+            <a:off x="1630018" y="2905539"/>
+            <a:ext cx="1023731" cy="0"/>
+          </a:xfrm>
+          <a:prstGeom prst="straightConnector1">
+            <a:avLst/>
+          </a:prstGeom>
+          <a:ln w="57150">
+            <a:tailEnd type="triangle"/>
+          </a:ln>
+        </p:spPr>
+        <p:style>
+          <a:lnRef idx="1">
+            <a:schemeClr val="accent1"/>
+          </a:lnRef>
+          <a:fillRef idx="0">
+            <a:schemeClr val="accent1"/>
+          </a:fillRef>
+          <a:effectRef idx="0">
+            <a:schemeClr val="accent1"/>
+          </a:effectRef>
+          <a:fontRef idx="minor">
+            <a:schemeClr val="tx1"/>
+          </a:fontRef>
+        </p:style>
+      </p:cxnSp>
+      <p:cxnSp>
+        <p:nvCxnSpPr>
+          <p:cNvPr id="7" name="Straight Arrow Connector 6">
+            <a:extLst>
+              <a:ext uri="{FF2B5EF4-FFF2-40B4-BE49-F238E27FC236}">
+                <a16:creationId xmlns:a16="http://schemas.microsoft.com/office/drawing/2014/main" id="{0D32E30D-C4E5-4A21-8041-9F6162FC07EB}"/>
+              </a:ext>
+            </a:extLst>
+          </p:cNvPr>
+          <p:cNvCxnSpPr>
+            <a:cxnSpLocks/>
+          </p:cNvCxnSpPr>
+          <p:nvPr/>
+        </p:nvCxnSpPr>
+        <p:spPr>
+          <a:xfrm flipV="1">
+            <a:off x="5923721" y="4224131"/>
+            <a:ext cx="1133062" cy="1043605"/>
+          </a:xfrm>
+          <a:prstGeom prst="straightConnector1">
+            <a:avLst/>
+          </a:prstGeom>
+          <a:ln w="57150">
+            <a:tailEnd type="triangle"/>
+          </a:ln>
+        </p:spPr>
+        <p:style>
+          <a:lnRef idx="1">
+            <a:schemeClr val="accent1"/>
+          </a:lnRef>
+          <a:fillRef idx="0">
+            <a:schemeClr val="accent1"/>
+          </a:fillRef>
+          <a:effectRef idx="0">
+            <a:schemeClr val="accent1"/>
+          </a:effectRef>
+          <a:fontRef idx="minor">
+            <a:schemeClr val="tx1"/>
+          </a:fontRef>
+        </p:style>
+      </p:cxnSp>
+      <p:cxnSp>
+        <p:nvCxnSpPr>
+          <p:cNvPr id="8" name="Straight Arrow Connector 7">
+            <a:extLst>
+              <a:ext uri="{FF2B5EF4-FFF2-40B4-BE49-F238E27FC236}">
+                <a16:creationId xmlns:a16="http://schemas.microsoft.com/office/drawing/2014/main" id="{26F6C84C-5F98-49D0-B9F0-4B562585C2E7}"/>
+              </a:ext>
+            </a:extLst>
+          </p:cNvPr>
+          <p:cNvCxnSpPr>
+            <a:cxnSpLocks/>
+          </p:cNvCxnSpPr>
+          <p:nvPr/>
+        </p:nvCxnSpPr>
+        <p:spPr>
+          <a:xfrm>
+            <a:off x="5834270" y="2905539"/>
+            <a:ext cx="1222513" cy="0"/>
+          </a:xfrm>
+          <a:prstGeom prst="straightConnector1">
+            <a:avLst/>
+          </a:prstGeom>
+          <a:ln w="57150">
+            <a:tailEnd type="triangle"/>
+          </a:ln>
+        </p:spPr>
+        <p:style>
+          <a:lnRef idx="1">
+            <a:schemeClr val="accent1"/>
+          </a:lnRef>
+          <a:fillRef idx="0">
+            <a:schemeClr val="accent1"/>
+          </a:fillRef>
+          <a:effectRef idx="0">
+            <a:schemeClr val="accent1"/>
+          </a:effectRef>
+          <a:fontRef idx="minor">
+            <a:schemeClr val="tx1"/>
+          </a:fontRef>
+        </p:style>
+      </p:cxnSp>
+      <p:sp>
+        <p:nvSpPr>
+          <p:cNvPr id="9" name="TextBox 8">
+            <a:extLst>
+              <a:ext uri="{FF2B5EF4-FFF2-40B4-BE49-F238E27FC236}">
+                <a16:creationId xmlns:a16="http://schemas.microsoft.com/office/drawing/2014/main" id="{60B209C9-81DA-494C-914B-0170CA3BA730}"/>
+              </a:ext>
+            </a:extLst>
+          </p:cNvPr>
+          <p:cNvSpPr txBox="1"/>
+          <p:nvPr/>
+        </p:nvSpPr>
+        <p:spPr>
+          <a:xfrm>
+            <a:off x="407505" y="2539304"/>
+            <a:ext cx="1146468" cy="646331"/>
+          </a:xfrm>
+          <a:prstGeom prst="rect">
+            <a:avLst/>
+          </a:prstGeom>
+          <a:noFill/>
+        </p:spPr>
+        <p:txBody>
+          <a:bodyPr wrap="none" rtlCol="0">
+            <a:spAutoFit/>
+          </a:bodyPr>
+          <a:lstStyle/>
+          <a:p>
+            <a:r>
+              <a:rPr lang="en-US" sz="3600" dirty="0"/>
+              <a:t>Code</a:t>
+            </a:r>
+          </a:p>
+        </p:txBody>
+      </p:sp>
+      <p:sp>
+        <p:nvSpPr>
+          <p:cNvPr id="10" name="TextBox 9">
+            <a:extLst>
+              <a:ext uri="{FF2B5EF4-FFF2-40B4-BE49-F238E27FC236}">
+                <a16:creationId xmlns:a16="http://schemas.microsoft.com/office/drawing/2014/main" id="{FA3CCB2D-6374-405A-A315-BA8D37D6C7C0}"/>
+              </a:ext>
+            </a:extLst>
+          </p:cNvPr>
+          <p:cNvSpPr txBox="1"/>
+          <p:nvPr/>
+        </p:nvSpPr>
+        <p:spPr>
+          <a:xfrm>
+            <a:off x="4553144" y="4944569"/>
+            <a:ext cx="1181734" cy="646331"/>
+          </a:xfrm>
+          <a:prstGeom prst="rect">
+            <a:avLst/>
+          </a:prstGeom>
+          <a:noFill/>
+        </p:spPr>
+        <p:txBody>
+          <a:bodyPr wrap="none" rtlCol="0">
+            <a:spAutoFit/>
+          </a:bodyPr>
+          <a:lstStyle/>
+          <a:p>
+            <a:r>
+              <a:rPr lang="en-US" sz="3600" dirty="0"/>
+              <a:t>Input</a:t>
+            </a:r>
+          </a:p>
+        </p:txBody>
+      </p:sp>
+      <p:sp>
+        <p:nvSpPr>
+          <p:cNvPr id="12" name="TextBox 11">
+            <a:extLst>
+              <a:ext uri="{FF2B5EF4-FFF2-40B4-BE49-F238E27FC236}">
+                <a16:creationId xmlns:a16="http://schemas.microsoft.com/office/drawing/2014/main" id="{1BCA5893-06A9-4739-8A52-E226EA3F6DBB}"/>
+              </a:ext>
+            </a:extLst>
+          </p:cNvPr>
+          <p:cNvSpPr txBox="1"/>
+          <p:nvPr/>
+        </p:nvSpPr>
+        <p:spPr>
+          <a:xfrm>
+            <a:off x="10270435" y="3286253"/>
+            <a:ext cx="1524776" cy="646331"/>
+          </a:xfrm>
+          <a:prstGeom prst="rect">
+            <a:avLst/>
+          </a:prstGeom>
+          <a:noFill/>
+        </p:spPr>
+        <p:txBody>
+          <a:bodyPr wrap="none" rtlCol="0">
+            <a:spAutoFit/>
+          </a:bodyPr>
+          <a:lstStyle/>
+          <a:p>
+            <a:r>
+              <a:rPr lang="en-US" sz="3600" dirty="0"/>
+              <a:t>Output</a:t>
+            </a:r>
+          </a:p>
+        </p:txBody>
+      </p:sp>
+      <p:sp>
+        <p:nvSpPr>
+          <p:cNvPr id="13" name="Rectangle 12">
+            <a:extLst>
+              <a:ext uri="{FF2B5EF4-FFF2-40B4-BE49-F238E27FC236}">
+                <a16:creationId xmlns:a16="http://schemas.microsoft.com/office/drawing/2014/main" id="{B0A4F117-99AA-4F96-99C2-C11C1800D113}"/>
+              </a:ext>
+            </a:extLst>
+          </p:cNvPr>
+          <p:cNvSpPr/>
+          <p:nvPr/>
+        </p:nvSpPr>
+        <p:spPr>
+          <a:xfrm>
+            <a:off x="7056784" y="2605567"/>
+            <a:ext cx="2445026" cy="2007704"/>
+          </a:xfrm>
+          <a:prstGeom prst="rect">
+            <a:avLst/>
+          </a:prstGeom>
+          <a:ln w="38100"/>
+        </p:spPr>
+        <p:style>
+          <a:lnRef idx="2">
+            <a:schemeClr val="accent1"/>
+          </a:lnRef>
+          <a:fillRef idx="1">
+            <a:schemeClr val="lt1"/>
+          </a:fillRef>
+          <a:effectRef idx="0">
+            <a:schemeClr val="accent1"/>
+          </a:effectRef>
+          <a:fontRef idx="minor">
+            <a:schemeClr val="dk1"/>
+          </a:fontRef>
+        </p:style>
+        <p:txBody>
+          <a:bodyPr rtlCol="0" anchor="ctr"/>
+          <a:lstStyle/>
+          <a:p>
+            <a:pPr algn="ctr"/>
+            <a:r>
+              <a:rPr lang="en-US" sz="3600" dirty="0"/>
+              <a:t>Executable</a:t>
+            </a:r>
+          </a:p>
+        </p:txBody>
+      </p:sp>
+      <p:cxnSp>
+        <p:nvCxnSpPr>
+          <p:cNvPr id="14" name="Straight Arrow Connector 13">
+            <a:extLst>
+              <a:ext uri="{FF2B5EF4-FFF2-40B4-BE49-F238E27FC236}">
+                <a16:creationId xmlns:a16="http://schemas.microsoft.com/office/drawing/2014/main" id="{EAA63280-61C9-4F4B-AF81-8B8F2F86D8D8}"/>
+              </a:ext>
+            </a:extLst>
+          </p:cNvPr>
+          <p:cNvCxnSpPr>
+            <a:cxnSpLocks/>
+          </p:cNvCxnSpPr>
+          <p:nvPr/>
+        </p:nvCxnSpPr>
+        <p:spPr>
+          <a:xfrm>
+            <a:off x="9501810" y="3627783"/>
+            <a:ext cx="636105" cy="0"/>
+          </a:xfrm>
+          <a:prstGeom prst="straightConnector1">
+            <a:avLst/>
+          </a:prstGeom>
+          <a:ln w="57150">
+            <a:tailEnd type="triangle"/>
+          </a:ln>
+        </p:spPr>
+        <p:style>
+          <a:lnRef idx="1">
+            <a:schemeClr val="accent1"/>
+          </a:lnRef>
+          <a:fillRef idx="0">
+            <a:schemeClr val="accent1"/>
+          </a:fillRef>
+          <a:effectRef idx="0">
+            <a:schemeClr val="accent1"/>
+          </a:effectRef>
+          <a:fontRef idx="minor">
+            <a:schemeClr val="tx1"/>
+          </a:fontRef>
+        </p:style>
+      </p:cxnSp>
+    </p:spTree>
+    <p:extLst>
+      <p:ext uri="{BB962C8B-B14F-4D97-AF65-F5344CB8AC3E}">
+        <p14:creationId xmlns:p14="http://schemas.microsoft.com/office/powerpoint/2010/main" val="3942841019"/>
+      </p:ext>
+    </p:extLst>
+  </p:cSld>
+  <p:clrMapOvr>
+    <a:masterClrMapping/>
+  </p:clrMapOvr>
+</p:sld>
+</file>
+
+<file path=ppt/slides/slide25.xml><?xml version="1.0" encoding="utf-8"?>
+<p:sld xmlns:a="http://schemas.openxmlformats.org/drawingml/2006/main" xmlns:r="http://schemas.openxmlformats.org/officeDocument/2006/relationships" xmlns:p="http://schemas.openxmlformats.org/presentationml/2006/main">
+  <p:cSld>
+    <p:spTree>
+      <p:nvGrpSpPr>
+        <p:cNvPr id="1" name=""/>
+        <p:cNvGrpSpPr/>
+        <p:nvPr/>
+      </p:nvGrpSpPr>
+      <p:grpSpPr>
+        <a:xfrm>
+          <a:off x="0" y="0"/>
+          <a:ext cx="0" cy="0"/>
+          <a:chOff x="0" y="0"/>
+          <a:chExt cx="0" cy="0"/>
+        </a:xfrm>
+      </p:grpSpPr>
+      <p:sp>
+        <p:nvSpPr>
+          <p:cNvPr id="4" name="Rectangle 3">
+            <a:extLst>
+              <a:ext uri="{FF2B5EF4-FFF2-40B4-BE49-F238E27FC236}">
+                <a16:creationId xmlns:a16="http://schemas.microsoft.com/office/drawing/2014/main" id="{EAA5E25C-B981-417A-A27B-4730E5A31CF8}"/>
+              </a:ext>
+            </a:extLst>
+          </p:cNvPr>
+          <p:cNvSpPr/>
+          <p:nvPr/>
+        </p:nvSpPr>
+        <p:spPr>
+          <a:xfrm>
+            <a:off x="1262270" y="834888"/>
+            <a:ext cx="8855765" cy="5387008"/>
+          </a:xfrm>
+          <a:prstGeom prst="rect">
+            <a:avLst/>
+          </a:prstGeom>
+          <a:ln w="38100">
+            <a:solidFill>
+              <a:schemeClr val="bg1">
+                <a:lumMod val="75000"/>
+              </a:schemeClr>
+            </a:solidFill>
+          </a:ln>
+        </p:spPr>
+        <p:style>
+          <a:lnRef idx="2">
+            <a:schemeClr val="accent1"/>
+          </a:lnRef>
+          <a:fillRef idx="1">
+            <a:schemeClr val="lt1"/>
+          </a:fillRef>
+          <a:effectRef idx="0">
+            <a:schemeClr val="accent1"/>
+          </a:effectRef>
+          <a:fontRef idx="minor">
+            <a:schemeClr val="dk1"/>
+          </a:fontRef>
+        </p:style>
+        <p:txBody>
+          <a:bodyPr rtlCol="0" anchor="ctr"/>
+          <a:lstStyle/>
+          <a:p>
+            <a:pPr algn="ctr"/>
+            <a:r>
+              <a:rPr lang="en-US" sz="3600" dirty="0">
+                <a:solidFill>
+                  <a:schemeClr val="bg1">
+                    <a:lumMod val="65000"/>
+                  </a:schemeClr>
+                </a:solidFill>
+              </a:rPr>
+              <a:t>Compiler</a:t>
+            </a:r>
+          </a:p>
+          <a:p>
+            <a:pPr algn="ctr"/>
+            <a:endParaRPr lang="en-US" sz="3600" dirty="0">
+              <a:solidFill>
+                <a:schemeClr val="bg1">
+                  <a:lumMod val="65000"/>
+                </a:schemeClr>
+              </a:solidFill>
+            </a:endParaRPr>
+          </a:p>
+          <a:p>
+            <a:pPr algn="ctr"/>
+            <a:endParaRPr lang="en-US" sz="3600" dirty="0">
+              <a:solidFill>
+                <a:schemeClr val="bg1">
+                  <a:lumMod val="65000"/>
+                </a:schemeClr>
+              </a:solidFill>
+            </a:endParaRPr>
+          </a:p>
+          <a:p>
+            <a:pPr algn="ctr"/>
+            <a:endParaRPr lang="en-US" sz="3600" dirty="0">
+              <a:solidFill>
+                <a:schemeClr val="bg1">
+                  <a:lumMod val="65000"/>
+                </a:schemeClr>
+              </a:solidFill>
+            </a:endParaRPr>
+          </a:p>
+          <a:p>
+            <a:pPr algn="ctr"/>
+            <a:endParaRPr lang="en-US" sz="3600" dirty="0">
+              <a:solidFill>
+                <a:schemeClr val="bg1">
+                  <a:lumMod val="65000"/>
+                </a:schemeClr>
+              </a:solidFill>
+            </a:endParaRPr>
+          </a:p>
+          <a:p>
+            <a:pPr algn="ctr"/>
+            <a:endParaRPr lang="en-US" sz="3600" dirty="0">
+              <a:solidFill>
+                <a:schemeClr val="bg1">
+                  <a:lumMod val="65000"/>
+                </a:schemeClr>
+              </a:solidFill>
+            </a:endParaRPr>
+          </a:p>
+          <a:p>
+            <a:pPr algn="ctr"/>
+            <a:endParaRPr lang="en-US" sz="3600" dirty="0">
+              <a:solidFill>
+                <a:schemeClr val="bg1">
+                  <a:lumMod val="65000"/>
+                </a:schemeClr>
+              </a:solidFill>
+            </a:endParaRPr>
+          </a:p>
+          <a:p>
+            <a:pPr algn="ctr"/>
+            <a:endParaRPr lang="en-US" sz="3600" dirty="0">
+              <a:solidFill>
+                <a:schemeClr val="bg1">
+                  <a:lumMod val="65000"/>
+                </a:schemeClr>
+              </a:solidFill>
+            </a:endParaRPr>
+          </a:p>
+          <a:p>
+            <a:pPr algn="ctr"/>
+            <a:endParaRPr lang="en-US" sz="3600" dirty="0">
+              <a:solidFill>
+                <a:schemeClr val="bg1">
+                  <a:lumMod val="65000"/>
+                </a:schemeClr>
+              </a:solidFill>
+            </a:endParaRPr>
+          </a:p>
+        </p:txBody>
+      </p:sp>
+      <p:cxnSp>
+        <p:nvCxnSpPr>
+          <p:cNvPr id="6" name="Straight Arrow Connector 5">
+            <a:extLst>
+              <a:ext uri="{FF2B5EF4-FFF2-40B4-BE49-F238E27FC236}">
+                <a16:creationId xmlns:a16="http://schemas.microsoft.com/office/drawing/2014/main" id="{34A657EA-A685-43B9-A61A-098B233A3444}"/>
+              </a:ext>
+            </a:extLst>
+          </p:cNvPr>
+          <p:cNvCxnSpPr>
+            <a:cxnSpLocks/>
+          </p:cNvCxnSpPr>
+          <p:nvPr/>
+        </p:nvCxnSpPr>
+        <p:spPr>
+          <a:xfrm flipV="1">
+            <a:off x="931665" y="3253288"/>
+            <a:ext cx="330605" cy="13252"/>
+          </a:xfrm>
+          <a:prstGeom prst="straightConnector1">
+            <a:avLst/>
+          </a:prstGeom>
+          <a:ln w="57150">
+            <a:solidFill>
+              <a:schemeClr val="bg1">
+                <a:lumMod val="75000"/>
+              </a:schemeClr>
+            </a:solidFill>
+            <a:tailEnd type="triangle"/>
+          </a:ln>
+        </p:spPr>
+        <p:style>
+          <a:lnRef idx="1">
+            <a:schemeClr val="accent1"/>
+          </a:lnRef>
+          <a:fillRef idx="0">
+            <a:schemeClr val="accent1"/>
+          </a:fillRef>
+          <a:effectRef idx="0">
+            <a:schemeClr val="accent1"/>
+          </a:effectRef>
+          <a:fontRef idx="minor">
+            <a:schemeClr val="tx1"/>
+          </a:fontRef>
+        </p:style>
+      </p:cxnSp>
+      <p:sp>
+        <p:nvSpPr>
+          <p:cNvPr id="9" name="TextBox 8">
+            <a:extLst>
+              <a:ext uri="{FF2B5EF4-FFF2-40B4-BE49-F238E27FC236}">
+                <a16:creationId xmlns:a16="http://schemas.microsoft.com/office/drawing/2014/main" id="{60B209C9-81DA-494C-914B-0170CA3BA730}"/>
+              </a:ext>
+            </a:extLst>
+          </p:cNvPr>
+          <p:cNvSpPr txBox="1"/>
+          <p:nvPr/>
+        </p:nvSpPr>
+        <p:spPr>
+          <a:xfrm>
+            <a:off x="0" y="2991678"/>
+            <a:ext cx="931665" cy="523220"/>
+          </a:xfrm>
+          <a:prstGeom prst="rect">
+            <a:avLst/>
+          </a:prstGeom>
+          <a:noFill/>
+        </p:spPr>
+        <p:txBody>
+          <a:bodyPr wrap="none" rtlCol="0">
+            <a:spAutoFit/>
+          </a:bodyPr>
+          <a:lstStyle/>
+          <a:p>
+            <a:r>
+              <a:rPr lang="en-US" sz="2800" dirty="0">
+                <a:solidFill>
+                  <a:schemeClr val="bg1">
+                    <a:lumMod val="65000"/>
+                  </a:schemeClr>
+                </a:solidFill>
+              </a:rPr>
+              <a:t>Code</a:t>
+            </a:r>
+          </a:p>
+        </p:txBody>
+      </p:sp>
+      <p:sp>
+        <p:nvSpPr>
+          <p:cNvPr id="11" name="TextBox 10">
+            <a:extLst>
+              <a:ext uri="{FF2B5EF4-FFF2-40B4-BE49-F238E27FC236}">
+                <a16:creationId xmlns:a16="http://schemas.microsoft.com/office/drawing/2014/main" id="{6888FC35-096B-4F71-BD91-74842B29A8AB}"/>
+              </a:ext>
+            </a:extLst>
+          </p:cNvPr>
+          <p:cNvSpPr txBox="1"/>
+          <p:nvPr/>
+        </p:nvSpPr>
+        <p:spPr>
+          <a:xfrm>
+            <a:off x="10515600" y="3024687"/>
+            <a:ext cx="1760995" cy="523220"/>
+          </a:xfrm>
+          <a:prstGeom prst="rect">
+            <a:avLst/>
+          </a:prstGeom>
+          <a:noFill/>
+        </p:spPr>
+        <p:txBody>
+          <a:bodyPr wrap="none" rtlCol="0">
+            <a:spAutoFit/>
+          </a:bodyPr>
+          <a:lstStyle/>
+          <a:p>
+            <a:r>
+              <a:rPr lang="en-US" sz="2800" dirty="0">
+                <a:solidFill>
+                  <a:schemeClr val="bg1">
+                    <a:lumMod val="65000"/>
+                  </a:schemeClr>
+                </a:solidFill>
+              </a:rPr>
+              <a:t>Executable</a:t>
+            </a:r>
+          </a:p>
+        </p:txBody>
+      </p:sp>
+      <p:cxnSp>
+        <p:nvCxnSpPr>
+          <p:cNvPr id="15" name="Straight Arrow Connector 14">
+            <a:extLst>
+              <a:ext uri="{FF2B5EF4-FFF2-40B4-BE49-F238E27FC236}">
+                <a16:creationId xmlns:a16="http://schemas.microsoft.com/office/drawing/2014/main" id="{A4EB1C81-C986-45D3-B466-9B7F262439CE}"/>
+              </a:ext>
+            </a:extLst>
+          </p:cNvPr>
+          <p:cNvCxnSpPr>
+            <a:cxnSpLocks/>
+          </p:cNvCxnSpPr>
+          <p:nvPr/>
+        </p:nvCxnSpPr>
+        <p:spPr>
+          <a:xfrm>
+            <a:off x="10118035" y="3286297"/>
+            <a:ext cx="437321" cy="0"/>
+          </a:xfrm>
+          <a:prstGeom prst="straightConnector1">
+            <a:avLst/>
+          </a:prstGeom>
+          <a:ln w="57150">
+            <a:solidFill>
+              <a:schemeClr val="bg1">
+                <a:lumMod val="75000"/>
+              </a:schemeClr>
+            </a:solidFill>
+            <a:tailEnd type="triangle"/>
+          </a:ln>
+        </p:spPr>
+        <p:style>
+          <a:lnRef idx="1">
+            <a:schemeClr val="accent1"/>
+          </a:lnRef>
+          <a:fillRef idx="0">
+            <a:schemeClr val="accent1"/>
+          </a:fillRef>
+          <a:effectRef idx="0">
+            <a:schemeClr val="accent1"/>
+          </a:effectRef>
+          <a:fontRef idx="minor">
+            <a:schemeClr val="tx1"/>
+          </a:fontRef>
+        </p:style>
+      </p:cxnSp>
+    </p:spTree>
+    <p:extLst>
+      <p:ext uri="{BB962C8B-B14F-4D97-AF65-F5344CB8AC3E}">
+        <p14:creationId xmlns:p14="http://schemas.microsoft.com/office/powerpoint/2010/main" val="1423617555"/>
+      </p:ext>
+    </p:extLst>
+  </p:cSld>
+  <p:clrMapOvr>
+    <a:masterClrMapping/>
+  </p:clrMapOvr>
+  <mc:AlternateContent xmlns:mc="http://schemas.openxmlformats.org/markup-compatibility/2006">
+    <mc:Choice xmlns:p159="http://schemas.microsoft.com/office/powerpoint/2015/09/main" Requires="p159">
+      <p:transition xmlns:p14="http://schemas.microsoft.com/office/powerpoint/2010/main" spd="slow" p14:dur="2000">
+        <p159:morph option="byObject"/>
+      </p:transition>
+    </mc:Choice>
+    <mc:Fallback>
+      <p:transition spd="slow">
+        <p:fade/>
+      </p:transition>
+    </mc:Fallback>
+  </mc:AlternateContent>
+</p:sld>
+</file>
+
+<file path=ppt/slides/slide26.xml><?xml version="1.0" encoding="utf-8"?>
+<p:sld xmlns:a="http://schemas.openxmlformats.org/drawingml/2006/main" xmlns:r="http://schemas.openxmlformats.org/officeDocument/2006/relationships" xmlns:p="http://schemas.openxmlformats.org/presentationml/2006/main">
+  <p:cSld>
+    <p:spTree>
+      <p:nvGrpSpPr>
+        <p:cNvPr id="1" name=""/>
+        <p:cNvGrpSpPr/>
+        <p:nvPr/>
+      </p:nvGrpSpPr>
+      <p:grpSpPr>
+        <a:xfrm>
+          <a:off x="0" y="0"/>
+          <a:ext cx="0" cy="0"/>
+          <a:chOff x="0" y="0"/>
+          <a:chExt cx="0" cy="0"/>
+        </a:xfrm>
+      </p:grpSpPr>
+      <p:sp>
+        <p:nvSpPr>
+          <p:cNvPr id="2" name="Title 1">
+            <a:extLst>
+              <a:ext uri="{FF2B5EF4-FFF2-40B4-BE49-F238E27FC236}">
+                <a16:creationId xmlns:a16="http://schemas.microsoft.com/office/drawing/2014/main" id="{361D3567-CA43-45AE-B972-E480C5F06E62}"/>
+              </a:ext>
+            </a:extLst>
+          </p:cNvPr>
+          <p:cNvSpPr>
+            <a:spLocks noGrp="1"/>
+          </p:cNvSpPr>
+          <p:nvPr>
+            <p:ph type="title"/>
+          </p:nvPr>
+        </p:nvSpPr>
+        <p:spPr/>
+        <p:txBody>
+          <a:bodyPr/>
+          <a:lstStyle/>
+          <a:p>
+            <a:r>
+              <a:rPr lang="en-US" dirty="0"/>
+              <a:t>Compiler</a:t>
+            </a:r>
+          </a:p>
+        </p:txBody>
+      </p:sp>
+      <p:sp>
+        <p:nvSpPr>
+          <p:cNvPr id="4" name="TextBox 3">
+            <a:extLst>
+              <a:ext uri="{FF2B5EF4-FFF2-40B4-BE49-F238E27FC236}">
+                <a16:creationId xmlns:a16="http://schemas.microsoft.com/office/drawing/2014/main" id="{25AC2656-816A-4298-84F5-DEF7478425E7}"/>
+              </a:ext>
+            </a:extLst>
+          </p:cNvPr>
+          <p:cNvSpPr txBox="1"/>
+          <p:nvPr/>
+        </p:nvSpPr>
+        <p:spPr>
+          <a:xfrm>
+            <a:off x="426135" y="3049729"/>
+            <a:ext cx="667170" cy="369332"/>
+          </a:xfrm>
+          <a:prstGeom prst="rect">
+            <a:avLst/>
+          </a:prstGeom>
+          <a:noFill/>
+        </p:spPr>
+        <p:txBody>
+          <a:bodyPr wrap="none" rtlCol="0">
+            <a:spAutoFit/>
+          </a:bodyPr>
+          <a:lstStyle/>
+          <a:p>
+            <a:r>
+              <a:rPr lang="en-US" dirty="0"/>
+              <a:t>Code</a:t>
+            </a:r>
+          </a:p>
+        </p:txBody>
+      </p:sp>
+      <p:sp>
+        <p:nvSpPr>
+          <p:cNvPr id="5" name="Rectangle 4">
+            <a:extLst>
+              <a:ext uri="{FF2B5EF4-FFF2-40B4-BE49-F238E27FC236}">
+                <a16:creationId xmlns:a16="http://schemas.microsoft.com/office/drawing/2014/main" id="{075ADF8B-F8BA-468A-81B2-4EC87135C52D}"/>
+              </a:ext>
+            </a:extLst>
+          </p:cNvPr>
+          <p:cNvSpPr/>
+          <p:nvPr/>
+        </p:nvSpPr>
+        <p:spPr>
+          <a:xfrm>
+            <a:off x="1868557" y="2892287"/>
+            <a:ext cx="1192695" cy="884583"/>
+          </a:xfrm>
+          <a:prstGeom prst="rect">
+            <a:avLst/>
           </a:prstGeom>
         </p:spPr>
         <p:style>
@@ -4751,7 +7964,196 @@
             <a:pPr algn="ctr"/>
             <a:r>
               <a:rPr lang="en-US" dirty="0"/>
-              <a:t>Interpreter</a:t>
+              <a:t>Syntax</a:t>
+            </a:r>
+          </a:p>
+          <a:p>
+            <a:pPr algn="ctr"/>
+            <a:r>
+              <a:rPr lang="en-US" dirty="0"/>
+              <a:t>Analysis</a:t>
+            </a:r>
+          </a:p>
+        </p:txBody>
+      </p:sp>
+      <p:sp>
+        <p:nvSpPr>
+          <p:cNvPr id="6" name="Rectangle 5">
+            <a:extLst>
+              <a:ext uri="{FF2B5EF4-FFF2-40B4-BE49-F238E27FC236}">
+                <a16:creationId xmlns:a16="http://schemas.microsoft.com/office/drawing/2014/main" id="{5E970919-6090-4951-8A52-40E4B9BA7760}"/>
+              </a:ext>
+            </a:extLst>
+          </p:cNvPr>
+          <p:cNvSpPr/>
+          <p:nvPr/>
+        </p:nvSpPr>
+        <p:spPr>
+          <a:xfrm>
+            <a:off x="3482009" y="2892286"/>
+            <a:ext cx="1192695" cy="884583"/>
+          </a:xfrm>
+          <a:prstGeom prst="rect">
+            <a:avLst/>
+          </a:prstGeom>
+        </p:spPr>
+        <p:style>
+          <a:lnRef idx="2">
+            <a:schemeClr val="accent1">
+              <a:shade val="50000"/>
+            </a:schemeClr>
+          </a:lnRef>
+          <a:fillRef idx="1">
+            <a:schemeClr val="accent1"/>
+          </a:fillRef>
+          <a:effectRef idx="0">
+            <a:schemeClr val="accent1"/>
+          </a:effectRef>
+          <a:fontRef idx="minor">
+            <a:schemeClr val="lt1"/>
+          </a:fontRef>
+        </p:style>
+        <p:txBody>
+          <a:bodyPr rtlCol="0" anchor="ctr"/>
+          <a:lstStyle/>
+          <a:p>
+            <a:pPr algn="ctr"/>
+            <a:r>
+              <a:rPr lang="en-US" dirty="0"/>
+              <a:t>Semantic Analysis</a:t>
+            </a:r>
+          </a:p>
+        </p:txBody>
+      </p:sp>
+      <p:sp>
+        <p:nvSpPr>
+          <p:cNvPr id="7" name="Rectangle 6">
+            <a:extLst>
+              <a:ext uri="{FF2B5EF4-FFF2-40B4-BE49-F238E27FC236}">
+                <a16:creationId xmlns:a16="http://schemas.microsoft.com/office/drawing/2014/main" id="{0B762734-2974-498D-B943-AD02091F3979}"/>
+              </a:ext>
+            </a:extLst>
+          </p:cNvPr>
+          <p:cNvSpPr/>
+          <p:nvPr/>
+        </p:nvSpPr>
+        <p:spPr>
+          <a:xfrm>
+            <a:off x="5015948" y="2892285"/>
+            <a:ext cx="1192695" cy="884583"/>
+          </a:xfrm>
+          <a:prstGeom prst="rect">
+            <a:avLst/>
+          </a:prstGeom>
+        </p:spPr>
+        <p:style>
+          <a:lnRef idx="2">
+            <a:schemeClr val="accent1">
+              <a:shade val="50000"/>
+            </a:schemeClr>
+          </a:lnRef>
+          <a:fillRef idx="1">
+            <a:schemeClr val="accent1"/>
+          </a:fillRef>
+          <a:effectRef idx="0">
+            <a:schemeClr val="accent1"/>
+          </a:effectRef>
+          <a:fontRef idx="minor">
+            <a:schemeClr val="lt1"/>
+          </a:fontRef>
+        </p:style>
+        <p:txBody>
+          <a:bodyPr rtlCol="0" anchor="ctr"/>
+          <a:lstStyle/>
+          <a:p>
+            <a:pPr algn="ctr"/>
+            <a:r>
+              <a:rPr lang="en-US" dirty="0"/>
+              <a:t>Optimization</a:t>
+            </a:r>
+          </a:p>
+        </p:txBody>
+      </p:sp>
+      <p:sp>
+        <p:nvSpPr>
+          <p:cNvPr id="8" name="Rectangle 7">
+            <a:extLst>
+              <a:ext uri="{FF2B5EF4-FFF2-40B4-BE49-F238E27FC236}">
+                <a16:creationId xmlns:a16="http://schemas.microsoft.com/office/drawing/2014/main" id="{49641460-22C7-4CBE-9DFE-A7B662217C3D}"/>
+              </a:ext>
+            </a:extLst>
+          </p:cNvPr>
+          <p:cNvSpPr/>
+          <p:nvPr/>
+        </p:nvSpPr>
+        <p:spPr>
+          <a:xfrm>
+            <a:off x="6549887" y="2910579"/>
+            <a:ext cx="1411356" cy="884583"/>
+          </a:xfrm>
+          <a:prstGeom prst="rect">
+            <a:avLst/>
+          </a:prstGeom>
+        </p:spPr>
+        <p:style>
+          <a:lnRef idx="2">
+            <a:schemeClr val="accent1">
+              <a:shade val="50000"/>
+            </a:schemeClr>
+          </a:lnRef>
+          <a:fillRef idx="1">
+            <a:schemeClr val="accent1"/>
+          </a:fillRef>
+          <a:effectRef idx="0">
+            <a:schemeClr val="accent1"/>
+          </a:effectRef>
+          <a:fontRef idx="minor">
+            <a:schemeClr val="lt1"/>
+          </a:fontRef>
+        </p:style>
+        <p:txBody>
+          <a:bodyPr rtlCol="0" anchor="ctr"/>
+          <a:lstStyle/>
+          <a:p>
+            <a:pPr algn="ctr"/>
+            <a:r>
+              <a:rPr lang="en-US" dirty="0"/>
+              <a:t>Code Generation</a:t>
+            </a:r>
+          </a:p>
+        </p:txBody>
+      </p:sp>
+      <p:sp>
+        <p:nvSpPr>
+          <p:cNvPr id="9" name="TextBox 8">
+            <a:extLst>
+              <a:ext uri="{FF2B5EF4-FFF2-40B4-BE49-F238E27FC236}">
+                <a16:creationId xmlns:a16="http://schemas.microsoft.com/office/drawing/2014/main" id="{461FDB6C-EC2A-4EB5-8C01-9596A7214CF4}"/>
+              </a:ext>
+            </a:extLst>
+          </p:cNvPr>
+          <p:cNvSpPr txBox="1"/>
+          <p:nvPr/>
+        </p:nvSpPr>
+        <p:spPr>
+          <a:xfrm>
+            <a:off x="8718683" y="3049729"/>
+            <a:ext cx="1200072" cy="369332"/>
+          </a:xfrm>
+          <a:prstGeom prst="rect">
+            <a:avLst/>
+          </a:prstGeom>
+          <a:noFill/>
+        </p:spPr>
+        <p:txBody>
+          <a:bodyPr wrap="none" rtlCol="0">
+            <a:spAutoFit/>
+          </a:bodyPr>
+          <a:lstStyle/>
+          <a:p>
+            <a:r>
+              <a:rPr lang="en-US" dirty="0"/>
+              <a:t>Executable</a:t>
             </a:r>
           </a:p>
         </p:txBody>
@@ -4759,7 +8161,7 @@
     </p:spTree>
     <p:extLst>
       <p:ext uri="{BB962C8B-B14F-4D97-AF65-F5344CB8AC3E}">
-        <p14:creationId xmlns:p14="http://schemas.microsoft.com/office/powerpoint/2010/main" val="796765275"/>
+        <p14:creationId xmlns:p14="http://schemas.microsoft.com/office/powerpoint/2010/main" val="1825236068"/>
       </p:ext>
     </p:extLst>
   </p:cSld>
@@ -4769,8 +8171,866 @@
 </p:sld>
 </file>
 
-<file path=ppt/slides/slide12.xml><?xml version="1.0" encoding="utf-8"?>
+<file path=ppt/slides/slide27.xml><?xml version="1.0" encoding="utf-8"?>
 <p:sld xmlns:a="http://schemas.openxmlformats.org/drawingml/2006/main" xmlns:r="http://schemas.openxmlformats.org/officeDocument/2006/relationships" xmlns:p="http://schemas.openxmlformats.org/presentationml/2006/main">
+  <p:cSld>
+    <p:spTree>
+      <p:nvGrpSpPr>
+        <p:cNvPr id="1" name=""/>
+        <p:cNvGrpSpPr/>
+        <p:nvPr/>
+      </p:nvGrpSpPr>
+      <p:grpSpPr>
+        <a:xfrm>
+          <a:off x="0" y="0"/>
+          <a:ext cx="0" cy="0"/>
+          <a:chOff x="0" y="0"/>
+          <a:chExt cx="0" cy="0"/>
+        </a:xfrm>
+      </p:grpSpPr>
+      <p:sp>
+        <p:nvSpPr>
+          <p:cNvPr id="2" name="Title 1">
+            <a:extLst>
+              <a:ext uri="{FF2B5EF4-FFF2-40B4-BE49-F238E27FC236}">
+                <a16:creationId xmlns:a16="http://schemas.microsoft.com/office/drawing/2014/main" id="{361D3567-CA43-45AE-B972-E480C5F06E62}"/>
+              </a:ext>
+            </a:extLst>
+          </p:cNvPr>
+          <p:cNvSpPr>
+            <a:spLocks noGrp="1"/>
+          </p:cNvSpPr>
+          <p:nvPr>
+            <p:ph type="title"/>
+          </p:nvPr>
+        </p:nvSpPr>
+        <p:spPr/>
+        <p:txBody>
+          <a:bodyPr/>
+          <a:lstStyle/>
+          <a:p>
+            <a:r>
+              <a:rPr lang="en-US" dirty="0"/>
+              <a:t>Compiler</a:t>
+            </a:r>
+          </a:p>
+        </p:txBody>
+      </p:sp>
+      <p:sp>
+        <p:nvSpPr>
+          <p:cNvPr id="4" name="TextBox 3">
+            <a:extLst>
+              <a:ext uri="{FF2B5EF4-FFF2-40B4-BE49-F238E27FC236}">
+                <a16:creationId xmlns:a16="http://schemas.microsoft.com/office/drawing/2014/main" id="{25AC2656-816A-4298-84F5-DEF7478425E7}"/>
+              </a:ext>
+            </a:extLst>
+          </p:cNvPr>
+          <p:cNvSpPr txBox="1"/>
+          <p:nvPr/>
+        </p:nvSpPr>
+        <p:spPr>
+          <a:xfrm>
+            <a:off x="426135" y="3049729"/>
+            <a:ext cx="667170" cy="369332"/>
+          </a:xfrm>
+          <a:prstGeom prst="rect">
+            <a:avLst/>
+          </a:prstGeom>
+          <a:noFill/>
+        </p:spPr>
+        <p:txBody>
+          <a:bodyPr wrap="none" rtlCol="0">
+            <a:spAutoFit/>
+          </a:bodyPr>
+          <a:lstStyle/>
+          <a:p>
+            <a:r>
+              <a:rPr lang="en-US" dirty="0"/>
+              <a:t>Code</a:t>
+            </a:r>
+          </a:p>
+        </p:txBody>
+      </p:sp>
+      <p:sp>
+        <p:nvSpPr>
+          <p:cNvPr id="5" name="Rectangle 4">
+            <a:extLst>
+              <a:ext uri="{FF2B5EF4-FFF2-40B4-BE49-F238E27FC236}">
+                <a16:creationId xmlns:a16="http://schemas.microsoft.com/office/drawing/2014/main" id="{075ADF8B-F8BA-468A-81B2-4EC87135C52D}"/>
+              </a:ext>
+            </a:extLst>
+          </p:cNvPr>
+          <p:cNvSpPr/>
+          <p:nvPr/>
+        </p:nvSpPr>
+        <p:spPr>
+          <a:xfrm>
+            <a:off x="1868557" y="2892287"/>
+            <a:ext cx="1192695" cy="884583"/>
+          </a:xfrm>
+          <a:prstGeom prst="rect">
+            <a:avLst/>
+          </a:prstGeom>
+        </p:spPr>
+        <p:style>
+          <a:lnRef idx="2">
+            <a:schemeClr val="accent1">
+              <a:shade val="50000"/>
+            </a:schemeClr>
+          </a:lnRef>
+          <a:fillRef idx="1">
+            <a:schemeClr val="accent1"/>
+          </a:fillRef>
+          <a:effectRef idx="0">
+            <a:schemeClr val="accent1"/>
+          </a:effectRef>
+          <a:fontRef idx="minor">
+            <a:schemeClr val="lt1"/>
+          </a:fontRef>
+        </p:style>
+        <p:txBody>
+          <a:bodyPr rtlCol="0" anchor="ctr"/>
+          <a:lstStyle/>
+          <a:p>
+            <a:pPr algn="ctr"/>
+            <a:r>
+              <a:rPr lang="en-US" dirty="0"/>
+              <a:t>Lexical Analysis</a:t>
+            </a:r>
+          </a:p>
+        </p:txBody>
+      </p:sp>
+      <p:sp>
+        <p:nvSpPr>
+          <p:cNvPr id="6" name="Rectangle 5">
+            <a:extLst>
+              <a:ext uri="{FF2B5EF4-FFF2-40B4-BE49-F238E27FC236}">
+                <a16:creationId xmlns:a16="http://schemas.microsoft.com/office/drawing/2014/main" id="{5E970919-6090-4951-8A52-40E4B9BA7760}"/>
+              </a:ext>
+            </a:extLst>
+          </p:cNvPr>
+          <p:cNvSpPr/>
+          <p:nvPr/>
+        </p:nvSpPr>
+        <p:spPr>
+          <a:xfrm>
+            <a:off x="5012635" y="2892288"/>
+            <a:ext cx="1192695" cy="884583"/>
+          </a:xfrm>
+          <a:prstGeom prst="rect">
+            <a:avLst/>
+          </a:prstGeom>
+        </p:spPr>
+        <p:style>
+          <a:lnRef idx="2">
+            <a:schemeClr val="accent1">
+              <a:shade val="50000"/>
+            </a:schemeClr>
+          </a:lnRef>
+          <a:fillRef idx="1">
+            <a:schemeClr val="accent1"/>
+          </a:fillRef>
+          <a:effectRef idx="0">
+            <a:schemeClr val="accent1"/>
+          </a:effectRef>
+          <a:fontRef idx="minor">
+            <a:schemeClr val="lt1"/>
+          </a:fontRef>
+        </p:style>
+        <p:txBody>
+          <a:bodyPr rtlCol="0" anchor="ctr"/>
+          <a:lstStyle/>
+          <a:p>
+            <a:pPr algn="ctr"/>
+            <a:r>
+              <a:rPr lang="en-US" dirty="0"/>
+              <a:t>Semantic Analysis</a:t>
+            </a:r>
+          </a:p>
+        </p:txBody>
+      </p:sp>
+      <p:sp>
+        <p:nvSpPr>
+          <p:cNvPr id="7" name="Rectangle 6">
+            <a:extLst>
+              <a:ext uri="{FF2B5EF4-FFF2-40B4-BE49-F238E27FC236}">
+                <a16:creationId xmlns:a16="http://schemas.microsoft.com/office/drawing/2014/main" id="{0B762734-2974-498D-B943-AD02091F3979}"/>
+              </a:ext>
+            </a:extLst>
+          </p:cNvPr>
+          <p:cNvSpPr/>
+          <p:nvPr/>
+        </p:nvSpPr>
+        <p:spPr>
+          <a:xfrm>
+            <a:off x="6546574" y="2892287"/>
+            <a:ext cx="1192695" cy="884583"/>
+          </a:xfrm>
+          <a:prstGeom prst="rect">
+            <a:avLst/>
+          </a:prstGeom>
+        </p:spPr>
+        <p:style>
+          <a:lnRef idx="2">
+            <a:schemeClr val="accent1">
+              <a:shade val="50000"/>
+            </a:schemeClr>
+          </a:lnRef>
+          <a:fillRef idx="1">
+            <a:schemeClr val="accent1"/>
+          </a:fillRef>
+          <a:effectRef idx="0">
+            <a:schemeClr val="accent1"/>
+          </a:effectRef>
+          <a:fontRef idx="minor">
+            <a:schemeClr val="lt1"/>
+          </a:fontRef>
+        </p:style>
+        <p:txBody>
+          <a:bodyPr rtlCol="0" anchor="ctr"/>
+          <a:lstStyle/>
+          <a:p>
+            <a:pPr algn="ctr"/>
+            <a:r>
+              <a:rPr lang="en-US" dirty="0"/>
+              <a:t>Optimization</a:t>
+            </a:r>
+          </a:p>
+        </p:txBody>
+      </p:sp>
+      <p:sp>
+        <p:nvSpPr>
+          <p:cNvPr id="8" name="Rectangle 7">
+            <a:extLst>
+              <a:ext uri="{FF2B5EF4-FFF2-40B4-BE49-F238E27FC236}">
+                <a16:creationId xmlns:a16="http://schemas.microsoft.com/office/drawing/2014/main" id="{49641460-22C7-4CBE-9DFE-A7B662217C3D}"/>
+              </a:ext>
+            </a:extLst>
+          </p:cNvPr>
+          <p:cNvSpPr/>
+          <p:nvPr/>
+        </p:nvSpPr>
+        <p:spPr>
+          <a:xfrm>
+            <a:off x="8080513" y="2910581"/>
+            <a:ext cx="1411356" cy="884583"/>
+          </a:xfrm>
+          <a:prstGeom prst="rect">
+            <a:avLst/>
+          </a:prstGeom>
+        </p:spPr>
+        <p:style>
+          <a:lnRef idx="2">
+            <a:schemeClr val="accent1">
+              <a:shade val="50000"/>
+            </a:schemeClr>
+          </a:lnRef>
+          <a:fillRef idx="1">
+            <a:schemeClr val="accent1"/>
+          </a:fillRef>
+          <a:effectRef idx="0">
+            <a:schemeClr val="accent1"/>
+          </a:effectRef>
+          <a:fontRef idx="minor">
+            <a:schemeClr val="lt1"/>
+          </a:fontRef>
+        </p:style>
+        <p:txBody>
+          <a:bodyPr rtlCol="0" anchor="ctr"/>
+          <a:lstStyle/>
+          <a:p>
+            <a:pPr algn="ctr"/>
+            <a:r>
+              <a:rPr lang="en-US" dirty="0"/>
+              <a:t>Code Generation</a:t>
+            </a:r>
+          </a:p>
+        </p:txBody>
+      </p:sp>
+      <p:sp>
+        <p:nvSpPr>
+          <p:cNvPr id="9" name="TextBox 8">
+            <a:extLst>
+              <a:ext uri="{FF2B5EF4-FFF2-40B4-BE49-F238E27FC236}">
+                <a16:creationId xmlns:a16="http://schemas.microsoft.com/office/drawing/2014/main" id="{461FDB6C-EC2A-4EB5-8C01-9596A7214CF4}"/>
+              </a:ext>
+            </a:extLst>
+          </p:cNvPr>
+          <p:cNvSpPr txBox="1"/>
+          <p:nvPr/>
+        </p:nvSpPr>
+        <p:spPr>
+          <a:xfrm>
+            <a:off x="10249309" y="3049731"/>
+            <a:ext cx="1200072" cy="369332"/>
+          </a:xfrm>
+          <a:prstGeom prst="rect">
+            <a:avLst/>
+          </a:prstGeom>
+          <a:noFill/>
+        </p:spPr>
+        <p:txBody>
+          <a:bodyPr wrap="none" rtlCol="0">
+            <a:spAutoFit/>
+          </a:bodyPr>
+          <a:lstStyle/>
+          <a:p>
+            <a:r>
+              <a:rPr lang="en-US" dirty="0"/>
+              <a:t>Executable</a:t>
+            </a:r>
+          </a:p>
+        </p:txBody>
+      </p:sp>
+      <p:sp>
+        <p:nvSpPr>
+          <p:cNvPr id="10" name="Rectangle 9">
+            <a:extLst>
+              <a:ext uri="{FF2B5EF4-FFF2-40B4-BE49-F238E27FC236}">
+                <a16:creationId xmlns:a16="http://schemas.microsoft.com/office/drawing/2014/main" id="{8CFF03A8-6D83-410B-8295-84FCAD3068FC}"/>
+              </a:ext>
+            </a:extLst>
+          </p:cNvPr>
+          <p:cNvSpPr/>
+          <p:nvPr/>
+        </p:nvSpPr>
+        <p:spPr>
+          <a:xfrm>
+            <a:off x="3442253" y="2890703"/>
+            <a:ext cx="1192695" cy="884583"/>
+          </a:xfrm>
+          <a:prstGeom prst="rect">
+            <a:avLst/>
+          </a:prstGeom>
+        </p:spPr>
+        <p:style>
+          <a:lnRef idx="2">
+            <a:schemeClr val="accent1">
+              <a:shade val="50000"/>
+            </a:schemeClr>
+          </a:lnRef>
+          <a:fillRef idx="1">
+            <a:schemeClr val="accent1"/>
+          </a:fillRef>
+          <a:effectRef idx="0">
+            <a:schemeClr val="accent1"/>
+          </a:effectRef>
+          <a:fontRef idx="minor">
+            <a:schemeClr val="lt1"/>
+          </a:fontRef>
+        </p:style>
+        <p:txBody>
+          <a:bodyPr rtlCol="0" anchor="ctr"/>
+          <a:lstStyle/>
+          <a:p>
+            <a:pPr algn="ctr"/>
+            <a:r>
+              <a:rPr lang="en-US" dirty="0"/>
+              <a:t>Parsing</a:t>
+            </a:r>
+          </a:p>
+        </p:txBody>
+      </p:sp>
+    </p:spTree>
+    <p:extLst>
+      <p:ext uri="{BB962C8B-B14F-4D97-AF65-F5344CB8AC3E}">
+        <p14:creationId xmlns:p14="http://schemas.microsoft.com/office/powerpoint/2010/main" val="1147753440"/>
+      </p:ext>
+    </p:extLst>
+  </p:cSld>
+  <p:clrMapOvr>
+    <a:masterClrMapping/>
+  </p:clrMapOvr>
+</p:sld>
+</file>
+
+<file path=ppt/slides/slide28.xml><?xml version="1.0" encoding="utf-8"?>
+<p:sld xmlns:a="http://schemas.openxmlformats.org/drawingml/2006/main" xmlns:r="http://schemas.openxmlformats.org/officeDocument/2006/relationships" xmlns:p="http://schemas.openxmlformats.org/presentationml/2006/main">
+  <p:cSld>
+    <p:spTree>
+      <p:nvGrpSpPr>
+        <p:cNvPr id="1" name=""/>
+        <p:cNvGrpSpPr/>
+        <p:nvPr/>
+      </p:nvGrpSpPr>
+      <p:grpSpPr>
+        <a:xfrm>
+          <a:off x="0" y="0"/>
+          <a:ext cx="0" cy="0"/>
+          <a:chOff x="0" y="0"/>
+          <a:chExt cx="0" cy="0"/>
+        </a:xfrm>
+      </p:grpSpPr>
+      <p:sp>
+        <p:nvSpPr>
+          <p:cNvPr id="2" name="Title 1">
+            <a:extLst>
+              <a:ext uri="{FF2B5EF4-FFF2-40B4-BE49-F238E27FC236}">
+                <a16:creationId xmlns:a16="http://schemas.microsoft.com/office/drawing/2014/main" id="{C4D7A734-CF65-418A-840F-34B502BA424F}"/>
+              </a:ext>
+            </a:extLst>
+          </p:cNvPr>
+          <p:cNvSpPr>
+            <a:spLocks noGrp="1"/>
+          </p:cNvSpPr>
+          <p:nvPr>
+            <p:ph type="title"/>
+          </p:nvPr>
+        </p:nvSpPr>
+        <p:spPr/>
+        <p:txBody>
+          <a:bodyPr/>
+          <a:lstStyle/>
+          <a:p>
+            <a:endParaRPr lang="en-US" dirty="0"/>
+          </a:p>
+        </p:txBody>
+      </p:sp>
+      <p:sp>
+        <p:nvSpPr>
+          <p:cNvPr id="3" name="Content Placeholder 2">
+            <a:extLst>
+              <a:ext uri="{FF2B5EF4-FFF2-40B4-BE49-F238E27FC236}">
+                <a16:creationId xmlns:a16="http://schemas.microsoft.com/office/drawing/2014/main" id="{7E6858FA-CD58-41F9-9CF4-34F9C12FAAF8}"/>
+              </a:ext>
+            </a:extLst>
+          </p:cNvPr>
+          <p:cNvSpPr>
+            <a:spLocks noGrp="1"/>
+          </p:cNvSpPr>
+          <p:nvPr>
+            <p:ph idx="1"/>
+          </p:nvPr>
+        </p:nvSpPr>
+        <p:spPr/>
+        <p:txBody>
+          <a:bodyPr/>
+          <a:lstStyle/>
+          <a:p>
+            <a:endParaRPr lang="en-US"/>
+          </a:p>
+        </p:txBody>
+      </p:sp>
+    </p:spTree>
+    <p:extLst>
+      <p:ext uri="{BB962C8B-B14F-4D97-AF65-F5344CB8AC3E}">
+        <p14:creationId xmlns:p14="http://schemas.microsoft.com/office/powerpoint/2010/main" val="4199803450"/>
+      </p:ext>
+    </p:extLst>
+  </p:cSld>
+  <p:clrMapOvr>
+    <a:masterClrMapping/>
+  </p:clrMapOvr>
+</p:sld>
+</file>
+
+<file path=ppt/slides/slide29.xml><?xml version="1.0" encoding="utf-8"?>
+<p:sld xmlns:a="http://schemas.openxmlformats.org/drawingml/2006/main" xmlns:r="http://schemas.openxmlformats.org/officeDocument/2006/relationships" xmlns:p="http://schemas.openxmlformats.org/presentationml/2006/main">
+  <p:cSld>
+    <p:spTree>
+      <p:nvGrpSpPr>
+        <p:cNvPr id="1" name=""/>
+        <p:cNvGrpSpPr/>
+        <p:nvPr/>
+      </p:nvGrpSpPr>
+      <p:grpSpPr>
+        <a:xfrm>
+          <a:off x="0" y="0"/>
+          <a:ext cx="0" cy="0"/>
+          <a:chOff x="0" y="0"/>
+          <a:chExt cx="0" cy="0"/>
+        </a:xfrm>
+      </p:grpSpPr>
+      <p:sp>
+        <p:nvSpPr>
+          <p:cNvPr id="2" name="Title 1">
+            <a:extLst>
+              <a:ext uri="{FF2B5EF4-FFF2-40B4-BE49-F238E27FC236}">
+                <a16:creationId xmlns:a16="http://schemas.microsoft.com/office/drawing/2014/main" id="{3FC5267C-FE28-49B0-A58D-A0BA50D4CE62}"/>
+              </a:ext>
+            </a:extLst>
+          </p:cNvPr>
+          <p:cNvSpPr>
+            <a:spLocks noGrp="1"/>
+          </p:cNvSpPr>
+          <p:nvPr>
+            <p:ph type="title"/>
+          </p:nvPr>
+        </p:nvSpPr>
+        <p:spPr/>
+        <p:txBody>
+          <a:bodyPr/>
+          <a:lstStyle/>
+          <a:p>
+            <a:endParaRPr lang="en-US"/>
+          </a:p>
+        </p:txBody>
+      </p:sp>
+      <p:sp>
+        <p:nvSpPr>
+          <p:cNvPr id="3" name="Content Placeholder 2">
+            <a:extLst>
+              <a:ext uri="{FF2B5EF4-FFF2-40B4-BE49-F238E27FC236}">
+                <a16:creationId xmlns:a16="http://schemas.microsoft.com/office/drawing/2014/main" id="{7D41BA3E-7DEF-4018-958F-3B5A2EEA8C2E}"/>
+              </a:ext>
+            </a:extLst>
+          </p:cNvPr>
+          <p:cNvSpPr>
+            <a:spLocks noGrp="1"/>
+          </p:cNvSpPr>
+          <p:nvPr>
+            <p:ph idx="1"/>
+          </p:nvPr>
+        </p:nvSpPr>
+        <p:spPr/>
+        <p:txBody>
+          <a:bodyPr/>
+          <a:lstStyle/>
+          <a:p>
+            <a:endParaRPr lang="en-US"/>
+          </a:p>
+        </p:txBody>
+      </p:sp>
+    </p:spTree>
+    <p:extLst>
+      <p:ext uri="{BB962C8B-B14F-4D97-AF65-F5344CB8AC3E}">
+        <p14:creationId xmlns:p14="http://schemas.microsoft.com/office/powerpoint/2010/main" val="2416181747"/>
+      </p:ext>
+    </p:extLst>
+  </p:cSld>
+  <p:clrMapOvr>
+    <a:masterClrMapping/>
+  </p:clrMapOvr>
+</p:sld>
+</file>
+
+<file path=ppt/slides/slide3.xml><?xml version="1.0" encoding="utf-8"?>
+<p:sld xmlns:a="http://schemas.openxmlformats.org/drawingml/2006/main" xmlns:r="http://schemas.openxmlformats.org/officeDocument/2006/relationships" xmlns:p="http://schemas.openxmlformats.org/presentationml/2006/main">
+  <p:cSld>
+    <p:spTree>
+      <p:nvGrpSpPr>
+        <p:cNvPr id="1" name=""/>
+        <p:cNvGrpSpPr/>
+        <p:nvPr/>
+      </p:nvGrpSpPr>
+      <p:grpSpPr>
+        <a:xfrm>
+          <a:off x="0" y="0"/>
+          <a:ext cx="0" cy="0"/>
+          <a:chOff x="0" y="0"/>
+          <a:chExt cx="0" cy="0"/>
+        </a:xfrm>
+      </p:grpSpPr>
+      <p:sp>
+        <p:nvSpPr>
+          <p:cNvPr id="2" name="Title 1">
+            <a:extLst>
+              <a:ext uri="{FF2B5EF4-FFF2-40B4-BE49-F238E27FC236}">
+                <a16:creationId xmlns:a16="http://schemas.microsoft.com/office/drawing/2014/main" id="{6A481F4F-5114-4D51-893F-0D9C7F11E080}"/>
+              </a:ext>
+            </a:extLst>
+          </p:cNvPr>
+          <p:cNvSpPr>
+            <a:spLocks noGrp="1"/>
+          </p:cNvSpPr>
+          <p:nvPr>
+            <p:ph type="title"/>
+          </p:nvPr>
+        </p:nvSpPr>
+        <p:spPr/>
+        <p:txBody>
+          <a:bodyPr/>
+          <a:lstStyle/>
+          <a:p>
+            <a:r>
+              <a:rPr lang="en-US" dirty="0"/>
+              <a:t>What to expect?</a:t>
+            </a:r>
+          </a:p>
+        </p:txBody>
+      </p:sp>
+      <p:sp>
+        <p:nvSpPr>
+          <p:cNvPr id="3" name="Content Placeholder 2">
+            <a:extLst>
+              <a:ext uri="{FF2B5EF4-FFF2-40B4-BE49-F238E27FC236}">
+                <a16:creationId xmlns:a16="http://schemas.microsoft.com/office/drawing/2014/main" id="{4F2D68A5-9F77-40B0-99C6-1BB9F2D7E50B}"/>
+              </a:ext>
+            </a:extLst>
+          </p:cNvPr>
+          <p:cNvSpPr>
+            <a:spLocks noGrp="1"/>
+          </p:cNvSpPr>
+          <p:nvPr>
+            <p:ph idx="1"/>
+          </p:nvPr>
+        </p:nvSpPr>
+        <p:spPr/>
+        <p:txBody>
+          <a:bodyPr/>
+          <a:lstStyle/>
+          <a:p>
+            <a:endParaRPr lang="en-US" dirty="0"/>
+          </a:p>
+          <a:p>
+            <a:endParaRPr lang="en-US" dirty="0"/>
+          </a:p>
+          <a:p>
+            <a:r>
+              <a:rPr lang="en-US" dirty="0"/>
+              <a:t>some theory and science</a:t>
+            </a:r>
+          </a:p>
+          <a:p>
+            <a:endParaRPr lang="en-US" dirty="0"/>
+          </a:p>
+          <a:p>
+            <a:endParaRPr lang="en-US" dirty="0"/>
+          </a:p>
+          <a:p>
+            <a:r>
+              <a:rPr lang="en-US" dirty="0"/>
+              <a:t>a lot of practice and engineering</a:t>
+            </a:r>
+          </a:p>
+        </p:txBody>
+      </p:sp>
+    </p:spTree>
+    <p:extLst>
+      <p:ext uri="{BB962C8B-B14F-4D97-AF65-F5344CB8AC3E}">
+        <p14:creationId xmlns:p14="http://schemas.microsoft.com/office/powerpoint/2010/main" val="2796880347"/>
+      </p:ext>
+    </p:extLst>
+  </p:cSld>
+  <p:clrMapOvr>
+    <a:masterClrMapping/>
+  </p:clrMapOvr>
+</p:sld>
+</file>
+
+<file path=ppt/slides/slide30.xml><?xml version="1.0" encoding="utf-8"?>
+<p:sld xmlns:a="http://schemas.openxmlformats.org/drawingml/2006/main" xmlns:r="http://schemas.openxmlformats.org/officeDocument/2006/relationships" xmlns:p="http://schemas.openxmlformats.org/presentationml/2006/main">
+  <p:cSld>
+    <p:spTree>
+      <p:nvGrpSpPr>
+        <p:cNvPr id="1" name=""/>
+        <p:cNvGrpSpPr/>
+        <p:nvPr/>
+      </p:nvGrpSpPr>
+      <p:grpSpPr>
+        <a:xfrm>
+          <a:off x="0" y="0"/>
+          <a:ext cx="0" cy="0"/>
+          <a:chOff x="0" y="0"/>
+          <a:chExt cx="0" cy="0"/>
+        </a:xfrm>
+      </p:grpSpPr>
+      <p:sp>
+        <p:nvSpPr>
+          <p:cNvPr id="2" name="Title 1">
+            <a:extLst>
+              <a:ext uri="{FF2B5EF4-FFF2-40B4-BE49-F238E27FC236}">
+                <a16:creationId xmlns:a16="http://schemas.microsoft.com/office/drawing/2014/main" id="{86123E1B-A4A9-4784-A918-7BDA6F59DE8E}"/>
+              </a:ext>
+            </a:extLst>
+          </p:cNvPr>
+          <p:cNvSpPr>
+            <a:spLocks noGrp="1"/>
+          </p:cNvSpPr>
+          <p:nvPr>
+            <p:ph type="title"/>
+          </p:nvPr>
+        </p:nvSpPr>
+        <p:spPr/>
+        <p:txBody>
+          <a:bodyPr/>
+          <a:lstStyle/>
+          <a:p>
+            <a:r>
+              <a:rPr lang="en-US" dirty="0"/>
+              <a:t>The Big Picture</a:t>
+            </a:r>
+          </a:p>
+        </p:txBody>
+      </p:sp>
+      <p:sp>
+        <p:nvSpPr>
+          <p:cNvPr id="3" name="Content Placeholder 2">
+            <a:extLst>
+              <a:ext uri="{FF2B5EF4-FFF2-40B4-BE49-F238E27FC236}">
+                <a16:creationId xmlns:a16="http://schemas.microsoft.com/office/drawing/2014/main" id="{601688F2-D70D-40BB-A62B-23AD499FF478}"/>
+              </a:ext>
+            </a:extLst>
+          </p:cNvPr>
+          <p:cNvSpPr>
+            <a:spLocks noGrp="1"/>
+          </p:cNvSpPr>
+          <p:nvPr>
+            <p:ph idx="1"/>
+          </p:nvPr>
+        </p:nvSpPr>
+        <p:spPr/>
+        <p:txBody>
+          <a:bodyPr/>
+          <a:lstStyle/>
+          <a:p>
+            <a:r>
+              <a:rPr lang="en-US" dirty="0"/>
+              <a:t>Talk bout linker,</a:t>
+            </a:r>
+          </a:p>
+        </p:txBody>
+      </p:sp>
+    </p:spTree>
+    <p:extLst>
+      <p:ext uri="{BB962C8B-B14F-4D97-AF65-F5344CB8AC3E}">
+        <p14:creationId xmlns:p14="http://schemas.microsoft.com/office/powerpoint/2010/main" val="1888052604"/>
+      </p:ext>
+    </p:extLst>
+  </p:cSld>
+  <p:clrMapOvr>
+    <a:masterClrMapping/>
+  </p:clrMapOvr>
+</p:sld>
+</file>
+
+<file path=ppt/slides/slide31.xml><?xml version="1.0" encoding="utf-8"?>
+<p:sld xmlns:a="http://schemas.openxmlformats.org/drawingml/2006/main" xmlns:r="http://schemas.openxmlformats.org/officeDocument/2006/relationships" xmlns:p="http://schemas.openxmlformats.org/presentationml/2006/main">
+  <p:cSld>
+    <p:spTree>
+      <p:nvGrpSpPr>
+        <p:cNvPr id="1" name=""/>
+        <p:cNvGrpSpPr/>
+        <p:nvPr/>
+      </p:nvGrpSpPr>
+      <p:grpSpPr>
+        <a:xfrm>
+          <a:off x="0" y="0"/>
+          <a:ext cx="0" cy="0"/>
+          <a:chOff x="0" y="0"/>
+          <a:chExt cx="0" cy="0"/>
+        </a:xfrm>
+      </p:grpSpPr>
+      <p:sp>
+        <p:nvSpPr>
+          <p:cNvPr id="4" name="Title 3">
+            <a:extLst>
+              <a:ext uri="{FF2B5EF4-FFF2-40B4-BE49-F238E27FC236}">
+                <a16:creationId xmlns:a16="http://schemas.microsoft.com/office/drawing/2014/main" id="{0BA70E00-2843-40F5-A959-6FB599EC43C6}"/>
+              </a:ext>
+            </a:extLst>
+          </p:cNvPr>
+          <p:cNvSpPr>
+            <a:spLocks noGrp="1"/>
+          </p:cNvSpPr>
+          <p:nvPr>
+            <p:ph type="title"/>
+          </p:nvPr>
+        </p:nvSpPr>
+        <p:spPr/>
+        <p:txBody>
+          <a:bodyPr/>
+          <a:lstStyle/>
+          <a:p>
+            <a:r>
+              <a:rPr lang="en-US" dirty="0"/>
+              <a:t>Further Reading</a:t>
+            </a:r>
+            <a:endParaRPr lang="en-GB" dirty="0"/>
+          </a:p>
+        </p:txBody>
+      </p:sp>
+      <p:sp>
+        <p:nvSpPr>
+          <p:cNvPr id="5" name="Text Placeholder 4">
+            <a:extLst>
+              <a:ext uri="{FF2B5EF4-FFF2-40B4-BE49-F238E27FC236}">
+                <a16:creationId xmlns:a16="http://schemas.microsoft.com/office/drawing/2014/main" id="{CD455F6B-BA4A-493B-B95C-C05C461E3E4E}"/>
+              </a:ext>
+            </a:extLst>
+          </p:cNvPr>
+          <p:cNvSpPr>
+            <a:spLocks noGrp="1"/>
+          </p:cNvSpPr>
+          <p:nvPr>
+            <p:ph type="body" idx="1"/>
+          </p:nvPr>
+        </p:nvSpPr>
+        <p:spPr>
+          <a:xfrm>
+            <a:off x="831850" y="4589463"/>
+            <a:ext cx="11360150" cy="1500187"/>
+          </a:xfrm>
+        </p:spPr>
+        <p:txBody>
+          <a:bodyPr>
+            <a:normAutofit/>
+          </a:bodyPr>
+          <a:lstStyle/>
+          <a:p>
+            <a:r>
+              <a:rPr lang="en-GB" dirty="0">
+                <a:hlinkClick r:id="rId3"/>
+              </a:rPr>
+              <a:t>https://www.cs.rit.edu/~ats/books/ooc.pdf</a:t>
+            </a:r>
+            <a:r>
+              <a:rPr lang="en-GB" dirty="0"/>
+              <a:t> - C with Objects on 226 pages</a:t>
+            </a:r>
+          </a:p>
+          <a:p>
+            <a:r>
+              <a:rPr lang="en-GB" dirty="0">
+                <a:hlinkClick r:id="rId4"/>
+              </a:rPr>
+              <a:t>http://www.stroustrup.com/hopl2.pdf</a:t>
+            </a:r>
+            <a:r>
+              <a:rPr lang="en-GB" dirty="0"/>
+              <a:t> - </a:t>
+            </a:r>
+            <a:r>
+              <a:rPr lang="en-GB" dirty="0" err="1"/>
+              <a:t>Stroustrup’s</a:t>
+            </a:r>
+            <a:r>
+              <a:rPr lang="en-GB" dirty="0"/>
+              <a:t> account of the beginnings of C++</a:t>
+            </a:r>
+          </a:p>
+          <a:p>
+            <a:endParaRPr lang="en-GB" dirty="0"/>
+          </a:p>
+        </p:txBody>
+      </p:sp>
+    </p:spTree>
+    <p:extLst>
+      <p:ext uri="{BB962C8B-B14F-4D97-AF65-F5344CB8AC3E}">
+        <p14:creationId xmlns:p14="http://schemas.microsoft.com/office/powerpoint/2010/main" val="969806386"/>
+      </p:ext>
+    </p:extLst>
+  </p:cSld>
+  <p:clrMapOvr>
+    <a:masterClrMapping/>
+  </p:clrMapOvr>
+  <mc:AlternateContent xmlns:mc="http://schemas.openxmlformats.org/markup-compatibility/2006" xmlns:p159="http://schemas.microsoft.com/office/powerpoint/2015/09/main">
+    <mc:Choice Requires="p159">
+      <p:transition xmlns:p14="http://schemas.microsoft.com/office/powerpoint/2010/main" spd="slow" p14:dur="2000">
+        <p159:morph option="byObject"/>
+      </p:transition>
+    </mc:Choice>
+    <mc:Fallback xmlns="">
+      <p:transition spd="slow">
+        <p:fade/>
+      </p:transition>
+    </mc:Fallback>
+  </mc:AlternateContent>
+</p:sld>
+</file>
+
+<file path=ppt/slides/slide32.xml><?xml version="1.0" encoding="utf-8"?>
+<p:sld xmlns:a="http://schemas.openxmlformats.org/drawingml/2006/main" xmlns:r="http://schemas.openxmlformats.org/officeDocument/2006/relationships" xmlns:p="http://schemas.openxmlformats.org/presentationml/2006/main" show="0">
   <p:cSld>
     <p:spTree>
       <p:nvGrpSpPr>
@@ -4896,8 +9156,8 @@
 </p:sld>
 </file>
 
-<file path=ppt/slides/slide13.xml><?xml version="1.0" encoding="utf-8"?>
-<p:sld xmlns:a="http://schemas.openxmlformats.org/drawingml/2006/main" xmlns:r="http://schemas.openxmlformats.org/officeDocument/2006/relationships" xmlns:p="http://schemas.openxmlformats.org/presentationml/2006/main">
+<file path=ppt/slides/slide33.xml><?xml version="1.0" encoding="utf-8"?>
+<p:sld xmlns:a="http://schemas.openxmlformats.org/drawingml/2006/main" xmlns:r="http://schemas.openxmlformats.org/officeDocument/2006/relationships" xmlns:p="http://schemas.openxmlformats.org/presentationml/2006/main" show="0">
   <p:cSld>
     <p:spTree>
       <p:nvGrpSpPr>
@@ -4973,806 +9233,6 @@
 </p:sld>
 </file>
 
-<file path=ppt/slides/slide14.xml><?xml version="1.0" encoding="utf-8"?>
-<p:sld xmlns:a="http://schemas.openxmlformats.org/drawingml/2006/main" xmlns:r="http://schemas.openxmlformats.org/officeDocument/2006/relationships" xmlns:p="http://schemas.openxmlformats.org/presentationml/2006/main">
-  <p:cSld>
-    <p:spTree>
-      <p:nvGrpSpPr>
-        <p:cNvPr id="1" name=""/>
-        <p:cNvGrpSpPr/>
-        <p:nvPr/>
-      </p:nvGrpSpPr>
-      <p:grpSpPr>
-        <a:xfrm>
-          <a:off x="0" y="0"/>
-          <a:ext cx="0" cy="0"/>
-          <a:chOff x="0" y="0"/>
-          <a:chExt cx="0" cy="0"/>
-        </a:xfrm>
-      </p:grpSpPr>
-      <p:sp>
-        <p:nvSpPr>
-          <p:cNvPr id="2" name="Title 1">
-            <a:extLst>
-              <a:ext uri="{FF2B5EF4-FFF2-40B4-BE49-F238E27FC236}">
-                <a16:creationId xmlns:a16="http://schemas.microsoft.com/office/drawing/2014/main" id="{91630A14-19E2-45EF-A506-DD9B32D8F9F2}"/>
-              </a:ext>
-            </a:extLst>
-          </p:cNvPr>
-          <p:cNvSpPr>
-            <a:spLocks noGrp="1"/>
-          </p:cNvSpPr>
-          <p:nvPr>
-            <p:ph type="title"/>
-          </p:nvPr>
-        </p:nvSpPr>
-        <p:spPr/>
-        <p:txBody>
-          <a:bodyPr/>
-          <a:lstStyle/>
-          <a:p>
-            <a:r>
-              <a:rPr lang="en-US" dirty="0"/>
-              <a:t>Compiler</a:t>
-            </a:r>
-          </a:p>
-        </p:txBody>
-      </p:sp>
-      <p:sp>
-        <p:nvSpPr>
-          <p:cNvPr id="3" name="Content Placeholder 2">
-            <a:extLst>
-              <a:ext uri="{FF2B5EF4-FFF2-40B4-BE49-F238E27FC236}">
-                <a16:creationId xmlns:a16="http://schemas.microsoft.com/office/drawing/2014/main" id="{52C071BC-7D1D-4366-9AF8-4F72E617E98C}"/>
-              </a:ext>
-            </a:extLst>
-          </p:cNvPr>
-          <p:cNvSpPr>
-            <a:spLocks noGrp="1"/>
-          </p:cNvSpPr>
-          <p:nvPr>
-            <p:ph idx="1"/>
-          </p:nvPr>
-        </p:nvSpPr>
-        <p:spPr/>
-        <p:txBody>
-          <a:bodyPr/>
-          <a:lstStyle/>
-          <a:p>
-            <a:r>
-              <a:rPr lang="en-US" dirty="0"/>
-              <a:t>a program that translates source code in human readable language to machine code </a:t>
-            </a:r>
-          </a:p>
-          <a:p>
-            <a:endParaRPr lang="en-US" dirty="0"/>
-          </a:p>
-          <a:p>
-            <a:r>
-              <a:rPr lang="en-US" dirty="0"/>
-              <a:t>often, improves on the performance in the process</a:t>
-            </a:r>
-          </a:p>
-        </p:txBody>
-      </p:sp>
-    </p:spTree>
-    <p:extLst>
-      <p:ext uri="{BB962C8B-B14F-4D97-AF65-F5344CB8AC3E}">
-        <p14:creationId xmlns:p14="http://schemas.microsoft.com/office/powerpoint/2010/main" val="2577879016"/>
-      </p:ext>
-    </p:extLst>
-  </p:cSld>
-  <p:clrMapOvr>
-    <a:masterClrMapping/>
-  </p:clrMapOvr>
-</p:sld>
-</file>
-
-<file path=ppt/slides/slide15.xml><?xml version="1.0" encoding="utf-8"?>
-<p:sld xmlns:a="http://schemas.openxmlformats.org/drawingml/2006/main" xmlns:r="http://schemas.openxmlformats.org/officeDocument/2006/relationships" xmlns:p="http://schemas.openxmlformats.org/presentationml/2006/main">
-  <p:cSld>
-    <p:spTree>
-      <p:nvGrpSpPr>
-        <p:cNvPr id="1" name=""/>
-        <p:cNvGrpSpPr/>
-        <p:nvPr/>
-      </p:nvGrpSpPr>
-      <p:grpSpPr>
-        <a:xfrm>
-          <a:off x="0" y="0"/>
-          <a:ext cx="0" cy="0"/>
-          <a:chOff x="0" y="0"/>
-          <a:chExt cx="0" cy="0"/>
-        </a:xfrm>
-      </p:grpSpPr>
-      <p:sp>
-        <p:nvSpPr>
-          <p:cNvPr id="2" name="Title 1">
-            <a:extLst>
-              <a:ext uri="{FF2B5EF4-FFF2-40B4-BE49-F238E27FC236}">
-                <a16:creationId xmlns:a16="http://schemas.microsoft.com/office/drawing/2014/main" id="{83E75BB8-FACB-48E5-B4C6-C64FD72C9F3B}"/>
-              </a:ext>
-            </a:extLst>
-          </p:cNvPr>
-          <p:cNvSpPr>
-            <a:spLocks noGrp="1"/>
-          </p:cNvSpPr>
-          <p:nvPr>
-            <p:ph type="title"/>
-          </p:nvPr>
-        </p:nvSpPr>
-        <p:spPr/>
-        <p:txBody>
-          <a:bodyPr/>
-          <a:lstStyle/>
-          <a:p>
-            <a:r>
-              <a:rPr lang="en-US" dirty="0"/>
-              <a:t>Compiler Architecture</a:t>
-            </a:r>
-          </a:p>
-        </p:txBody>
-      </p:sp>
-      <p:sp>
-        <p:nvSpPr>
-          <p:cNvPr id="7" name="Scroll: Vertical 6">
-            <a:extLst>
-              <a:ext uri="{FF2B5EF4-FFF2-40B4-BE49-F238E27FC236}">
-                <a16:creationId xmlns:a16="http://schemas.microsoft.com/office/drawing/2014/main" id="{ECF856A6-BDD7-4524-B1B5-2D9F4C785EB8}"/>
-              </a:ext>
-            </a:extLst>
-          </p:cNvPr>
-          <p:cNvSpPr/>
-          <p:nvPr/>
-        </p:nvSpPr>
-        <p:spPr>
-          <a:xfrm>
-            <a:off x="447261" y="2256183"/>
-            <a:ext cx="1550504" cy="2017643"/>
-          </a:xfrm>
-          <a:prstGeom prst="verticalScroll">
-            <a:avLst/>
-          </a:prstGeom>
-        </p:spPr>
-        <p:style>
-          <a:lnRef idx="2">
-            <a:schemeClr val="accent1">
-              <a:shade val="50000"/>
-            </a:schemeClr>
-          </a:lnRef>
-          <a:fillRef idx="1">
-            <a:schemeClr val="accent1"/>
-          </a:fillRef>
-          <a:effectRef idx="0">
-            <a:schemeClr val="accent1"/>
-          </a:effectRef>
-          <a:fontRef idx="minor">
-            <a:schemeClr val="lt1"/>
-          </a:fontRef>
-        </p:style>
-        <p:txBody>
-          <a:bodyPr rtlCol="0" anchor="ctr"/>
-          <a:lstStyle/>
-          <a:p>
-            <a:pPr algn="ctr"/>
-            <a:endParaRPr lang="en-US"/>
-          </a:p>
-        </p:txBody>
-      </p:sp>
-    </p:spTree>
-    <p:extLst>
-      <p:ext uri="{BB962C8B-B14F-4D97-AF65-F5344CB8AC3E}">
-        <p14:creationId xmlns:p14="http://schemas.microsoft.com/office/powerpoint/2010/main" val="1024080475"/>
-      </p:ext>
-    </p:extLst>
-  </p:cSld>
-  <p:clrMapOvr>
-    <a:masterClrMapping/>
-  </p:clrMapOvr>
-</p:sld>
-</file>
-
-<file path=ppt/slides/slide16.xml><?xml version="1.0" encoding="utf-8"?>
-<p:sld xmlns:a="http://schemas.openxmlformats.org/drawingml/2006/main" xmlns:r="http://schemas.openxmlformats.org/officeDocument/2006/relationships" xmlns:p="http://schemas.openxmlformats.org/presentationml/2006/main">
-  <p:cSld>
-    <p:spTree>
-      <p:nvGrpSpPr>
-        <p:cNvPr id="1" name=""/>
-        <p:cNvGrpSpPr/>
-        <p:nvPr/>
-      </p:nvGrpSpPr>
-      <p:grpSpPr>
-        <a:xfrm>
-          <a:off x="0" y="0"/>
-          <a:ext cx="0" cy="0"/>
-          <a:chOff x="0" y="0"/>
-          <a:chExt cx="0" cy="0"/>
-        </a:xfrm>
-      </p:grpSpPr>
-      <p:sp>
-        <p:nvSpPr>
-          <p:cNvPr id="4" name="Title 3">
-            <a:extLst>
-              <a:ext uri="{FF2B5EF4-FFF2-40B4-BE49-F238E27FC236}">
-                <a16:creationId xmlns:a16="http://schemas.microsoft.com/office/drawing/2014/main" id="{F8F07DF0-B055-4967-907E-00536429F180}"/>
-              </a:ext>
-            </a:extLst>
-          </p:cNvPr>
-          <p:cNvSpPr>
-            <a:spLocks noGrp="1"/>
-          </p:cNvSpPr>
-          <p:nvPr>
-            <p:ph type="ctrTitle"/>
-          </p:nvPr>
-        </p:nvSpPr>
-        <p:spPr/>
-        <p:txBody>
-          <a:bodyPr/>
-          <a:lstStyle/>
-          <a:p>
-            <a:r>
-              <a:rPr lang="en-US" dirty="0"/>
-              <a:t>Course Project</a:t>
-            </a:r>
-          </a:p>
-        </p:txBody>
-      </p:sp>
-      <p:sp>
-        <p:nvSpPr>
-          <p:cNvPr id="5" name="Subtitle 4">
-            <a:extLst>
-              <a:ext uri="{FF2B5EF4-FFF2-40B4-BE49-F238E27FC236}">
-                <a16:creationId xmlns:a16="http://schemas.microsoft.com/office/drawing/2014/main" id="{7375CFDF-CC1D-4694-8800-2B58F9CD932C}"/>
-              </a:ext>
-            </a:extLst>
-          </p:cNvPr>
-          <p:cNvSpPr>
-            <a:spLocks noGrp="1"/>
-          </p:cNvSpPr>
-          <p:nvPr>
-            <p:ph type="subTitle" idx="1"/>
-          </p:nvPr>
-        </p:nvSpPr>
-        <p:spPr/>
-        <p:txBody>
-          <a:bodyPr/>
-          <a:lstStyle/>
-          <a:p>
-            <a:endParaRPr lang="en-US" dirty="0"/>
-          </a:p>
-        </p:txBody>
-      </p:sp>
-    </p:spTree>
-    <p:extLst>
-      <p:ext uri="{BB962C8B-B14F-4D97-AF65-F5344CB8AC3E}">
-        <p14:creationId xmlns:p14="http://schemas.microsoft.com/office/powerpoint/2010/main" val="2056383510"/>
-      </p:ext>
-    </p:extLst>
-  </p:cSld>
-  <p:clrMapOvr>
-    <a:masterClrMapping/>
-  </p:clrMapOvr>
-</p:sld>
-</file>
-
-<file path=ppt/slides/slide17.xml><?xml version="1.0" encoding="utf-8"?>
-<p:sld xmlns:a="http://schemas.openxmlformats.org/drawingml/2006/main" xmlns:r="http://schemas.openxmlformats.org/officeDocument/2006/relationships" xmlns:p="http://schemas.openxmlformats.org/presentationml/2006/main">
-  <p:cSld>
-    <p:spTree>
-      <p:nvGrpSpPr>
-        <p:cNvPr id="1" name=""/>
-        <p:cNvGrpSpPr/>
-        <p:nvPr/>
-      </p:nvGrpSpPr>
-      <p:grpSpPr>
-        <a:xfrm>
-          <a:off x="0" y="0"/>
-          <a:ext cx="0" cy="0"/>
-          <a:chOff x="0" y="0"/>
-          <a:chExt cx="0" cy="0"/>
-        </a:xfrm>
-      </p:grpSpPr>
-      <p:sp>
-        <p:nvSpPr>
-          <p:cNvPr id="2" name="Title 1">
-            <a:extLst>
-              <a:ext uri="{FF2B5EF4-FFF2-40B4-BE49-F238E27FC236}">
-                <a16:creationId xmlns:a16="http://schemas.microsoft.com/office/drawing/2014/main" id="{4EA816AC-D664-4D4F-8BA3-CE755C2B598B}"/>
-              </a:ext>
-            </a:extLst>
-          </p:cNvPr>
-          <p:cNvSpPr>
-            <a:spLocks noGrp="1"/>
-          </p:cNvSpPr>
-          <p:nvPr>
-            <p:ph type="title"/>
-          </p:nvPr>
-        </p:nvSpPr>
-        <p:spPr/>
-        <p:txBody>
-          <a:bodyPr/>
-          <a:lstStyle/>
-          <a:p>
-            <a:r>
-              <a:rPr lang="en-US" dirty="0" err="1"/>
-              <a:t>tinyC</a:t>
-            </a:r>
-            <a:endParaRPr lang="en-US" dirty="0"/>
-          </a:p>
-        </p:txBody>
-      </p:sp>
-      <p:sp>
-        <p:nvSpPr>
-          <p:cNvPr id="3" name="Content Placeholder 2">
-            <a:extLst>
-              <a:ext uri="{FF2B5EF4-FFF2-40B4-BE49-F238E27FC236}">
-                <a16:creationId xmlns:a16="http://schemas.microsoft.com/office/drawing/2014/main" id="{345F6D56-75C7-4754-A00A-C0AAC2E91AB6}"/>
-              </a:ext>
-            </a:extLst>
-          </p:cNvPr>
-          <p:cNvSpPr>
-            <a:spLocks noGrp="1"/>
-          </p:cNvSpPr>
-          <p:nvPr>
-            <p:ph idx="1"/>
-          </p:nvPr>
-        </p:nvSpPr>
-        <p:spPr/>
-        <p:txBody>
-          <a:bodyPr/>
-          <a:lstStyle/>
-          <a:p>
-            <a:r>
-              <a:rPr lang="en-US" dirty="0"/>
-              <a:t>simple c-like language </a:t>
-            </a:r>
-          </a:p>
-          <a:p>
-            <a:r>
-              <a:rPr lang="en-US" dirty="0"/>
-              <a:t>pointers, integers, doubles, characters</a:t>
-            </a:r>
-          </a:p>
-          <a:p>
-            <a:r>
-              <a:rPr lang="en-US" dirty="0"/>
-              <a:t>loops, conditions</a:t>
-            </a:r>
-          </a:p>
-          <a:p>
-            <a:r>
-              <a:rPr lang="en-US" dirty="0"/>
-              <a:t>structs</a:t>
-            </a:r>
-          </a:p>
-          <a:p>
-            <a:r>
-              <a:rPr lang="en-US" dirty="0"/>
-              <a:t>functions</a:t>
-            </a:r>
-          </a:p>
-          <a:p>
-            <a:r>
-              <a:rPr lang="en-US" dirty="0"/>
-              <a:t>pointer </a:t>
-            </a:r>
-            <a:r>
-              <a:rPr lang="en-US" dirty="0" err="1"/>
-              <a:t>arithmetics</a:t>
-            </a:r>
-            <a:endParaRPr lang="en-US" dirty="0"/>
-          </a:p>
-        </p:txBody>
-      </p:sp>
-    </p:spTree>
-    <p:extLst>
-      <p:ext uri="{BB962C8B-B14F-4D97-AF65-F5344CB8AC3E}">
-        <p14:creationId xmlns:p14="http://schemas.microsoft.com/office/powerpoint/2010/main" val="911621218"/>
-      </p:ext>
-    </p:extLst>
-  </p:cSld>
-  <p:clrMapOvr>
-    <a:masterClrMapping/>
-  </p:clrMapOvr>
-</p:sld>
-</file>
-
-<file path=ppt/slides/slide18.xml><?xml version="1.0" encoding="utf-8"?>
-<p:sld xmlns:a="http://schemas.openxmlformats.org/drawingml/2006/main" xmlns:r="http://schemas.openxmlformats.org/officeDocument/2006/relationships" xmlns:p="http://schemas.openxmlformats.org/presentationml/2006/main">
-  <p:cSld>
-    <p:spTree>
-      <p:nvGrpSpPr>
-        <p:cNvPr id="1" name=""/>
-        <p:cNvGrpSpPr/>
-        <p:nvPr/>
-      </p:nvGrpSpPr>
-      <p:grpSpPr>
-        <a:xfrm>
-          <a:off x="0" y="0"/>
-          <a:ext cx="0" cy="0"/>
-          <a:chOff x="0" y="0"/>
-          <a:chExt cx="0" cy="0"/>
-        </a:xfrm>
-      </p:grpSpPr>
-      <p:sp>
-        <p:nvSpPr>
-          <p:cNvPr id="2" name="Title 1">
-            <a:extLst>
-              <a:ext uri="{FF2B5EF4-FFF2-40B4-BE49-F238E27FC236}">
-                <a16:creationId xmlns:a16="http://schemas.microsoft.com/office/drawing/2014/main" id="{B34C6B5D-3E48-4B35-8214-221218DBB2F2}"/>
-              </a:ext>
-            </a:extLst>
-          </p:cNvPr>
-          <p:cNvSpPr>
-            <a:spLocks noGrp="1"/>
-          </p:cNvSpPr>
-          <p:nvPr>
-            <p:ph type="title"/>
-          </p:nvPr>
-        </p:nvSpPr>
-        <p:spPr/>
-        <p:txBody>
-          <a:bodyPr/>
-          <a:lstStyle/>
-          <a:p>
-            <a:endParaRPr lang="en-US"/>
-          </a:p>
-        </p:txBody>
-      </p:sp>
-      <p:sp>
-        <p:nvSpPr>
-          <p:cNvPr id="3" name="Content Placeholder 2">
-            <a:extLst>
-              <a:ext uri="{FF2B5EF4-FFF2-40B4-BE49-F238E27FC236}">
-                <a16:creationId xmlns:a16="http://schemas.microsoft.com/office/drawing/2014/main" id="{A4D3BE16-C577-4231-B849-BC6D8E1E9A9E}"/>
-              </a:ext>
-            </a:extLst>
-          </p:cNvPr>
-          <p:cNvSpPr>
-            <a:spLocks noGrp="1"/>
-          </p:cNvSpPr>
-          <p:nvPr>
-            <p:ph idx="1"/>
-          </p:nvPr>
-        </p:nvSpPr>
-        <p:spPr/>
-        <p:txBody>
-          <a:bodyPr/>
-          <a:lstStyle/>
-          <a:p>
-            <a:endParaRPr lang="en-US"/>
-          </a:p>
-        </p:txBody>
-      </p:sp>
-    </p:spTree>
-    <p:extLst>
-      <p:ext uri="{BB962C8B-B14F-4D97-AF65-F5344CB8AC3E}">
-        <p14:creationId xmlns:p14="http://schemas.microsoft.com/office/powerpoint/2010/main" val="865904619"/>
-      </p:ext>
-    </p:extLst>
-  </p:cSld>
-  <p:clrMapOvr>
-    <a:masterClrMapping/>
-  </p:clrMapOvr>
-</p:sld>
-</file>
-
-<file path=ppt/slides/slide19.xml><?xml version="1.0" encoding="utf-8"?>
-<p:sld xmlns:a="http://schemas.openxmlformats.org/drawingml/2006/main" xmlns:r="http://schemas.openxmlformats.org/officeDocument/2006/relationships" xmlns:p="http://schemas.openxmlformats.org/presentationml/2006/main">
-  <p:cSld>
-    <p:spTree>
-      <p:nvGrpSpPr>
-        <p:cNvPr id="1" name=""/>
-        <p:cNvGrpSpPr/>
-        <p:nvPr/>
-      </p:nvGrpSpPr>
-      <p:grpSpPr>
-        <a:xfrm>
-          <a:off x="0" y="0"/>
-          <a:ext cx="0" cy="0"/>
-          <a:chOff x="0" y="0"/>
-          <a:chExt cx="0" cy="0"/>
-        </a:xfrm>
-      </p:grpSpPr>
-      <p:sp>
-        <p:nvSpPr>
-          <p:cNvPr id="4" name="Title 3">
-            <a:extLst>
-              <a:ext uri="{FF2B5EF4-FFF2-40B4-BE49-F238E27FC236}">
-                <a16:creationId xmlns:a16="http://schemas.microsoft.com/office/drawing/2014/main" id="{0BA70E00-2843-40F5-A959-6FB599EC43C6}"/>
-              </a:ext>
-            </a:extLst>
-          </p:cNvPr>
-          <p:cNvSpPr>
-            <a:spLocks noGrp="1"/>
-          </p:cNvSpPr>
-          <p:nvPr>
-            <p:ph type="title"/>
-          </p:nvPr>
-        </p:nvSpPr>
-        <p:spPr/>
-        <p:txBody>
-          <a:bodyPr/>
-          <a:lstStyle/>
-          <a:p>
-            <a:r>
-              <a:rPr lang="en-US" dirty="0"/>
-              <a:t>Further Reading</a:t>
-            </a:r>
-            <a:endParaRPr lang="en-GB" dirty="0"/>
-          </a:p>
-        </p:txBody>
-      </p:sp>
-      <p:sp>
-        <p:nvSpPr>
-          <p:cNvPr id="5" name="Text Placeholder 4">
-            <a:extLst>
-              <a:ext uri="{FF2B5EF4-FFF2-40B4-BE49-F238E27FC236}">
-                <a16:creationId xmlns:a16="http://schemas.microsoft.com/office/drawing/2014/main" id="{CD455F6B-BA4A-493B-B95C-C05C461E3E4E}"/>
-              </a:ext>
-            </a:extLst>
-          </p:cNvPr>
-          <p:cNvSpPr>
-            <a:spLocks noGrp="1"/>
-          </p:cNvSpPr>
-          <p:nvPr>
-            <p:ph type="body" idx="1"/>
-          </p:nvPr>
-        </p:nvSpPr>
-        <p:spPr>
-          <a:xfrm>
-            <a:off x="831850" y="4589463"/>
-            <a:ext cx="11360150" cy="1500187"/>
-          </a:xfrm>
-        </p:spPr>
-        <p:txBody>
-          <a:bodyPr>
-            <a:normAutofit/>
-          </a:bodyPr>
-          <a:lstStyle/>
-          <a:p>
-            <a:r>
-              <a:rPr lang="en-GB" dirty="0">
-                <a:hlinkClick r:id="rId3"/>
-              </a:rPr>
-              <a:t>https://www.cs.rit.edu/~ats/books/ooc.pdf</a:t>
-            </a:r>
-            <a:r>
-              <a:rPr lang="en-GB" dirty="0"/>
-              <a:t> - C with Objects on 226 pages</a:t>
-            </a:r>
-          </a:p>
-          <a:p>
-            <a:r>
-              <a:rPr lang="en-GB" dirty="0">
-                <a:hlinkClick r:id="rId4"/>
-              </a:rPr>
-              <a:t>http://www.stroustrup.com/hopl2.pdf</a:t>
-            </a:r>
-            <a:r>
-              <a:rPr lang="en-GB" dirty="0"/>
-              <a:t> - </a:t>
-            </a:r>
-            <a:r>
-              <a:rPr lang="en-GB" dirty="0" err="1"/>
-              <a:t>Stroustrup’s</a:t>
-            </a:r>
-            <a:r>
-              <a:rPr lang="en-GB" dirty="0"/>
-              <a:t> account of the beginnings of C++</a:t>
-            </a:r>
-          </a:p>
-          <a:p>
-            <a:endParaRPr lang="en-GB" dirty="0"/>
-          </a:p>
-        </p:txBody>
-      </p:sp>
-    </p:spTree>
-    <p:extLst>
-      <p:ext uri="{BB962C8B-B14F-4D97-AF65-F5344CB8AC3E}">
-        <p14:creationId xmlns:p14="http://schemas.microsoft.com/office/powerpoint/2010/main" val="969806386"/>
-      </p:ext>
-    </p:extLst>
-  </p:cSld>
-  <p:clrMapOvr>
-    <a:masterClrMapping/>
-  </p:clrMapOvr>
-  <mc:AlternateContent xmlns:mc="http://schemas.openxmlformats.org/markup-compatibility/2006" xmlns:p159="http://schemas.microsoft.com/office/powerpoint/2015/09/main">
-    <mc:Choice Requires="p159">
-      <p:transition xmlns:p14="http://schemas.microsoft.com/office/powerpoint/2010/main" spd="slow" p14:dur="2000">
-        <p159:morph option="byObject"/>
-      </p:transition>
-    </mc:Choice>
-    <mc:Fallback xmlns="">
-      <p:transition spd="slow">
-        <p:fade/>
-      </p:transition>
-    </mc:Fallback>
-  </mc:AlternateContent>
-</p:sld>
-</file>
-
-<file path=ppt/slides/slide2.xml><?xml version="1.0" encoding="utf-8"?>
-<p:sld xmlns:a="http://schemas.openxmlformats.org/drawingml/2006/main" xmlns:r="http://schemas.openxmlformats.org/officeDocument/2006/relationships" xmlns:p="http://schemas.openxmlformats.org/presentationml/2006/main">
-  <p:cSld>
-    <p:spTree>
-      <p:nvGrpSpPr>
-        <p:cNvPr id="1" name=""/>
-        <p:cNvGrpSpPr/>
-        <p:nvPr/>
-      </p:nvGrpSpPr>
-      <p:grpSpPr>
-        <a:xfrm>
-          <a:off x="0" y="0"/>
-          <a:ext cx="0" cy="0"/>
-          <a:chOff x="0" y="0"/>
-          <a:chExt cx="0" cy="0"/>
-        </a:xfrm>
-      </p:grpSpPr>
-      <p:sp>
-        <p:nvSpPr>
-          <p:cNvPr id="2" name="Title 1">
-            <a:extLst>
-              <a:ext uri="{FF2B5EF4-FFF2-40B4-BE49-F238E27FC236}">
-                <a16:creationId xmlns:a16="http://schemas.microsoft.com/office/drawing/2014/main" id="{0423D8ED-E31E-4E62-8EF6-9AB6E4AF33AE}"/>
-              </a:ext>
-            </a:extLst>
-          </p:cNvPr>
-          <p:cNvSpPr>
-            <a:spLocks noGrp="1"/>
-          </p:cNvSpPr>
-          <p:nvPr>
-            <p:ph type="title"/>
-          </p:nvPr>
-        </p:nvSpPr>
-        <p:spPr/>
-        <p:txBody>
-          <a:bodyPr/>
-          <a:lstStyle/>
-          <a:p>
-            <a:r>
-              <a:rPr lang="en-US" dirty="0"/>
-              <a:t>Overview</a:t>
-            </a:r>
-          </a:p>
-        </p:txBody>
-      </p:sp>
-      <p:sp>
-        <p:nvSpPr>
-          <p:cNvPr id="3" name="Content Placeholder 2">
-            <a:extLst>
-              <a:ext uri="{FF2B5EF4-FFF2-40B4-BE49-F238E27FC236}">
-                <a16:creationId xmlns:a16="http://schemas.microsoft.com/office/drawing/2014/main" id="{8093EB1D-634F-4DA9-8035-49214AEC7DF1}"/>
-              </a:ext>
-            </a:extLst>
-          </p:cNvPr>
-          <p:cNvSpPr>
-            <a:spLocks noGrp="1"/>
-          </p:cNvSpPr>
-          <p:nvPr>
-            <p:ph idx="1"/>
-          </p:nvPr>
-        </p:nvSpPr>
-        <p:spPr/>
-        <p:txBody>
-          <a:bodyPr/>
-          <a:lstStyle/>
-          <a:p>
-            <a:r>
-              <a:rPr lang="en-US" dirty="0"/>
-              <a:t>What to expect from the course</a:t>
-            </a:r>
-          </a:p>
-          <a:p>
-            <a:r>
-              <a:rPr lang="en-US" dirty="0"/>
-              <a:t>Requirements </a:t>
-            </a:r>
-          </a:p>
-          <a:p>
-            <a:endParaRPr lang="en-US" dirty="0"/>
-          </a:p>
-        </p:txBody>
-      </p:sp>
-    </p:spTree>
-    <p:extLst>
-      <p:ext uri="{BB962C8B-B14F-4D97-AF65-F5344CB8AC3E}">
-        <p14:creationId xmlns:p14="http://schemas.microsoft.com/office/powerpoint/2010/main" val="3683091168"/>
-      </p:ext>
-    </p:extLst>
-  </p:cSld>
-  <p:clrMapOvr>
-    <a:masterClrMapping/>
-  </p:clrMapOvr>
-</p:sld>
-</file>
-
-<file path=ppt/slides/slide3.xml><?xml version="1.0" encoding="utf-8"?>
-<p:sld xmlns:a="http://schemas.openxmlformats.org/drawingml/2006/main" xmlns:r="http://schemas.openxmlformats.org/officeDocument/2006/relationships" xmlns:p="http://schemas.openxmlformats.org/presentationml/2006/main">
-  <p:cSld>
-    <p:spTree>
-      <p:nvGrpSpPr>
-        <p:cNvPr id="1" name=""/>
-        <p:cNvGrpSpPr/>
-        <p:nvPr/>
-      </p:nvGrpSpPr>
-      <p:grpSpPr>
-        <a:xfrm>
-          <a:off x="0" y="0"/>
-          <a:ext cx="0" cy="0"/>
-          <a:chOff x="0" y="0"/>
-          <a:chExt cx="0" cy="0"/>
-        </a:xfrm>
-      </p:grpSpPr>
-      <p:sp>
-        <p:nvSpPr>
-          <p:cNvPr id="2" name="Title 1">
-            <a:extLst>
-              <a:ext uri="{FF2B5EF4-FFF2-40B4-BE49-F238E27FC236}">
-                <a16:creationId xmlns:a16="http://schemas.microsoft.com/office/drawing/2014/main" id="{2A40E4D7-4CA9-4336-A04A-A0FF035ABD03}"/>
-              </a:ext>
-            </a:extLst>
-          </p:cNvPr>
-          <p:cNvSpPr>
-            <a:spLocks noGrp="1"/>
-          </p:cNvSpPr>
-          <p:nvPr>
-            <p:ph type="title"/>
-          </p:nvPr>
-        </p:nvSpPr>
-        <p:spPr/>
-        <p:txBody>
-          <a:bodyPr/>
-          <a:lstStyle/>
-          <a:p>
-            <a:r>
-              <a:rPr lang="en-US" dirty="0"/>
-              <a:t>Overview</a:t>
-            </a:r>
-          </a:p>
-        </p:txBody>
-      </p:sp>
-      <p:sp>
-        <p:nvSpPr>
-          <p:cNvPr id="3" name="Content Placeholder 2">
-            <a:extLst>
-              <a:ext uri="{FF2B5EF4-FFF2-40B4-BE49-F238E27FC236}">
-                <a16:creationId xmlns:a16="http://schemas.microsoft.com/office/drawing/2014/main" id="{0645E1FB-2DF2-4B02-9740-AC659322B9B2}"/>
-              </a:ext>
-            </a:extLst>
-          </p:cNvPr>
-          <p:cNvSpPr>
-            <a:spLocks noGrp="1"/>
-          </p:cNvSpPr>
-          <p:nvPr>
-            <p:ph idx="1"/>
-          </p:nvPr>
-        </p:nvSpPr>
-        <p:spPr/>
-        <p:txBody>
-          <a:bodyPr/>
-          <a:lstStyle/>
-          <a:p>
-            <a:r>
-              <a:rPr lang="en-US" dirty="0"/>
-              <a:t>there is a project</a:t>
-            </a:r>
-          </a:p>
-        </p:txBody>
-      </p:sp>
-    </p:spTree>
-    <p:extLst>
-      <p:ext uri="{BB962C8B-B14F-4D97-AF65-F5344CB8AC3E}">
-        <p14:creationId xmlns:p14="http://schemas.microsoft.com/office/powerpoint/2010/main" val="3536414155"/>
-      </p:ext>
-    </p:extLst>
-  </p:cSld>
-  <p:clrMapOvr>
-    <a:masterClrMapping/>
-  </p:clrMapOvr>
-</p:sld>
-</file>
-
 <file path=ppt/slides/slide4.xml><?xml version="1.0" encoding="utf-8"?>
 <p:sld xmlns:a="http://schemas.openxmlformats.org/drawingml/2006/main" xmlns:r="http://schemas.openxmlformats.org/officeDocument/2006/relationships" xmlns:p="http://schemas.openxmlformats.org/presentationml/2006/main">
   <p:cSld>
@@ -5795,15 +9255,15 @@
           <p:cNvPr id="4" name="Title 3">
             <a:extLst>
               <a:ext uri="{FF2B5EF4-FFF2-40B4-BE49-F238E27FC236}">
-                <a16:creationId xmlns:a16="http://schemas.microsoft.com/office/drawing/2014/main" id="{F8F07DF0-B055-4967-907E-00536429F180}"/>
-              </a:ext>
-            </a:extLst>
-          </p:cNvPr>
-          <p:cNvSpPr>
-            <a:spLocks noGrp="1"/>
-          </p:cNvSpPr>
-          <p:nvPr>
-            <p:ph type="ctrTitle"/>
+                <a16:creationId xmlns:a16="http://schemas.microsoft.com/office/drawing/2014/main" id="{DF0A5B48-8C79-448D-93BB-C882AE42AF35}"/>
+              </a:ext>
+            </a:extLst>
+          </p:cNvPr>
+          <p:cNvSpPr>
+            <a:spLocks noGrp="1"/>
+          </p:cNvSpPr>
+          <p:nvPr>
+            <p:ph type="title"/>
           </p:nvPr>
         </p:nvSpPr>
         <p:spPr/>
@@ -5813,31 +9273,67 @@
           <a:p>
             <a:r>
               <a:rPr lang="en-US" dirty="0"/>
-              <a:t>The Anatomy of a Compiler</a:t>
-            </a:r>
-          </a:p>
-        </p:txBody>
-      </p:sp>
-      <p:sp>
-        <p:nvSpPr>
-          <p:cNvPr id="5" name="Subtitle 4">
-            <a:extLst>
-              <a:ext uri="{FF2B5EF4-FFF2-40B4-BE49-F238E27FC236}">
-                <a16:creationId xmlns:a16="http://schemas.microsoft.com/office/drawing/2014/main" id="{7375CFDF-CC1D-4694-8800-2B58F9CD932C}"/>
-              </a:ext>
-            </a:extLst>
-          </p:cNvPr>
-          <p:cNvSpPr>
-            <a:spLocks noGrp="1"/>
-          </p:cNvSpPr>
-          <p:nvPr>
-            <p:ph type="subTitle" idx="1"/>
+              <a:t>What to expect?</a:t>
+            </a:r>
+          </a:p>
+        </p:txBody>
+      </p:sp>
+      <p:sp>
+        <p:nvSpPr>
+          <p:cNvPr id="5" name="Content Placeholder 4">
+            <a:extLst>
+              <a:ext uri="{FF2B5EF4-FFF2-40B4-BE49-F238E27FC236}">
+                <a16:creationId xmlns:a16="http://schemas.microsoft.com/office/drawing/2014/main" id="{FAEFD28D-CE04-42EC-9D5D-44A86F12D5F6}"/>
+              </a:ext>
+            </a:extLst>
+          </p:cNvPr>
+          <p:cNvSpPr>
+            <a:spLocks noGrp="1"/>
+          </p:cNvSpPr>
+          <p:nvPr>
+            <p:ph idx="1"/>
           </p:nvPr>
         </p:nvSpPr>
         <p:spPr/>
         <p:txBody>
           <a:bodyPr/>
           <a:lstStyle/>
+          <a:p>
+            <a:r>
+              <a:rPr lang="en-US" dirty="0"/>
+              <a:t>you will learn in reasonable detail what &amp; how compiler does</a:t>
+            </a:r>
+          </a:p>
+          <a:p>
+            <a:endParaRPr lang="en-US" dirty="0"/>
+          </a:p>
+          <a:p>
+            <a:r>
+              <a:rPr lang="en-US" dirty="0"/>
+              <a:t>you will write your own compiler for a non-trivial (but still rather simple) programming language</a:t>
+            </a:r>
+          </a:p>
+          <a:p>
+            <a:endParaRPr lang="en-US" dirty="0"/>
+          </a:p>
+          <a:p>
+            <a:r>
+              <a:rPr lang="en-US" dirty="0"/>
+              <a:t>all the way down to machine code (simplified)</a:t>
+            </a:r>
+          </a:p>
+          <a:p>
+            <a:endParaRPr lang="en-US" dirty="0"/>
+          </a:p>
+          <a:p>
+            <a:r>
+              <a:rPr lang="en-US" dirty="0"/>
+              <a:t>you will have to work a lot on your own (but we are here to help)</a:t>
+            </a:r>
+          </a:p>
+          <a:p>
+            <a:endParaRPr lang="en-US" dirty="0"/>
+          </a:p>
           <a:p>
             <a:endParaRPr lang="en-US" dirty="0"/>
           </a:p>
@@ -5846,7 +9342,7 @@
     </p:spTree>
     <p:extLst>
       <p:ext uri="{BB962C8B-B14F-4D97-AF65-F5344CB8AC3E}">
-        <p14:creationId xmlns:p14="http://schemas.microsoft.com/office/powerpoint/2010/main" val="1220871690"/>
+        <p14:creationId xmlns:p14="http://schemas.microsoft.com/office/powerpoint/2010/main" val="3589431077"/>
       </p:ext>
     </p:extLst>
   </p:cSld>
@@ -5875,38 +9371,10 @@
       </p:grpSpPr>
       <p:sp>
         <p:nvSpPr>
-          <p:cNvPr id="2" name="Title 1">
-            <a:extLst>
-              <a:ext uri="{FF2B5EF4-FFF2-40B4-BE49-F238E27FC236}">
-                <a16:creationId xmlns:a16="http://schemas.microsoft.com/office/drawing/2014/main" id="{98BB348F-F836-45E6-BABF-67023A7AB2AC}"/>
-              </a:ext>
-            </a:extLst>
-          </p:cNvPr>
-          <p:cNvSpPr>
-            <a:spLocks noGrp="1"/>
-          </p:cNvSpPr>
-          <p:nvPr>
-            <p:ph type="title"/>
-          </p:nvPr>
-        </p:nvSpPr>
-        <p:spPr/>
-        <p:txBody>
-          <a:bodyPr/>
-          <a:lstStyle/>
-          <a:p>
-            <a:r>
-              <a:rPr lang="en-US" dirty="0"/>
-              <a:t>In the beginning…</a:t>
-            </a:r>
-          </a:p>
-        </p:txBody>
-      </p:sp>
-      <p:sp>
-        <p:nvSpPr>
           <p:cNvPr id="3" name="Content Placeholder 2">
             <a:extLst>
               <a:ext uri="{FF2B5EF4-FFF2-40B4-BE49-F238E27FC236}">
-                <a16:creationId xmlns:a16="http://schemas.microsoft.com/office/drawing/2014/main" id="{6CA97901-8872-4F87-ABA4-7F41B46DDEFE}"/>
+                <a16:creationId xmlns:a16="http://schemas.microsoft.com/office/drawing/2014/main" id="{ADD68402-10AB-48A9-BB99-F7FFF4C44BB3}"/>
               </a:ext>
             </a:extLst>
           </p:cNvPr>
@@ -5917,47 +9385,220 @@
             <p:ph idx="1"/>
           </p:nvPr>
         </p:nvSpPr>
-        <p:spPr/>
-        <p:txBody>
-          <a:bodyPr/>
-          <a:lstStyle/>
-          <a:p>
-            <a:endParaRPr lang="en-US" dirty="0"/>
-          </a:p>
-          <a:p>
-            <a:r>
-              <a:rPr lang="en-US" dirty="0"/>
-              <a:t>there were very few very big computers</a:t>
-            </a:r>
-          </a:p>
-          <a:p>
-            <a:endParaRPr lang="en-US" dirty="0"/>
-          </a:p>
-          <a:p>
-            <a:r>
-              <a:rPr lang="en-US" dirty="0"/>
-              <a:t>there were no programming languages</a:t>
-            </a:r>
-          </a:p>
-          <a:p>
-            <a:endParaRPr lang="en-US" dirty="0"/>
-          </a:p>
-          <a:p>
-            <a:r>
-              <a:rPr lang="en-US" dirty="0"/>
-              <a:t>there were no compilers</a:t>
-            </a:r>
-          </a:p>
-          <a:p>
-            <a:endParaRPr lang="en-US" dirty="0"/>
-          </a:p>
-          <a:p>
-            <a:endParaRPr lang="en-US" dirty="0"/>
-          </a:p>
-          <a:p>
-            <a:endParaRPr lang="en-US" dirty="0"/>
-          </a:p>
-          <a:p>
+        <p:spPr>
+          <a:xfrm>
+            <a:off x="838199" y="0"/>
+            <a:ext cx="11009243" cy="6858000"/>
+          </a:xfrm>
+        </p:spPr>
+        <p:txBody>
+          <a:bodyPr>
+            <a:normAutofit/>
+          </a:bodyPr>
+          <a:lstStyle/>
+          <a:p>
+            <a:pPr marL="0" indent="0">
+              <a:buNone/>
+            </a:pPr>
+            <a:endParaRPr lang="en-GB" b="0" i="1" dirty="0">
+              <a:solidFill>
+                <a:srgbClr val="222222"/>
+              </a:solidFill>
+              <a:effectLst/>
+              <a:latin typeface="Programme"/>
+            </a:endParaRPr>
+          </a:p>
+          <a:p>
+            <a:pPr marL="0" indent="0">
+              <a:buNone/>
+            </a:pPr>
+            <a:r>
+              <a:rPr lang="en-GB" b="0" i="1" dirty="0">
+                <a:solidFill>
+                  <a:srgbClr val="222222"/>
+                </a:solidFill>
+                <a:effectLst/>
+                <a:latin typeface="Programme"/>
+              </a:rPr>
+              <a:t>And will you succeed?</a:t>
+            </a:r>
+            <a:br>
+              <a:rPr lang="en-GB" i="1" dirty="0"/>
+            </a:br>
+            <a:r>
+              <a:rPr lang="en-GB" b="0" i="1" dirty="0">
+                <a:solidFill>
+                  <a:srgbClr val="222222"/>
+                </a:solidFill>
+                <a:effectLst/>
+                <a:latin typeface="Programme"/>
+              </a:rPr>
+              <a:t>Yes! You will, indeed!</a:t>
+            </a:r>
+            <a:br>
+              <a:rPr lang="en-GB" i="1" dirty="0"/>
+            </a:br>
+            <a:r>
+              <a:rPr lang="en-GB" i="1" dirty="0">
+                <a:latin typeface="Programme"/>
+              </a:rPr>
+              <a:t>(98 and 3/4 percent guaranteed.)</a:t>
+            </a:r>
+            <a:br>
+              <a:rPr lang="en-GB" i="1" dirty="0"/>
+            </a:br>
+            <a:br>
+              <a:rPr lang="en-GB" i="1" dirty="0"/>
+            </a:br>
+            <a:r>
+              <a:rPr lang="en-GB" b="0" i="1" dirty="0">
+                <a:solidFill>
+                  <a:srgbClr val="222222"/>
+                </a:solidFill>
+                <a:effectLst/>
+                <a:latin typeface="Programme"/>
+              </a:rPr>
+              <a:t>KID, YOU'LL MOVE MOUNTAINS!</a:t>
+            </a:r>
+            <a:br>
+              <a:rPr lang="en-GB" i="1" dirty="0"/>
+            </a:br>
+            <a:br>
+              <a:rPr lang="en-GB" i="1" dirty="0"/>
+            </a:br>
+            <a:r>
+              <a:rPr lang="en-GB" b="0" i="1" dirty="0" err="1">
+                <a:solidFill>
+                  <a:srgbClr val="222222"/>
+                </a:solidFill>
+                <a:effectLst/>
+                <a:latin typeface="Programme"/>
+              </a:rPr>
+              <a:t>So.</a:t>
+            </a:r>
+            <a:r>
+              <a:rPr lang="en-GB" b="0" i="1" dirty="0">
+                <a:solidFill>
+                  <a:srgbClr val="222222"/>
+                </a:solidFill>
+                <a:effectLst/>
+                <a:latin typeface="Programme"/>
+              </a:rPr>
+              <a:t>..</a:t>
+            </a:r>
+            <a:br>
+              <a:rPr lang="en-GB" i="1" dirty="0"/>
+            </a:br>
+            <a:r>
+              <a:rPr lang="en-GB" b="0" i="1" dirty="0">
+                <a:solidFill>
+                  <a:srgbClr val="222222"/>
+                </a:solidFill>
+                <a:effectLst/>
+                <a:latin typeface="Programme"/>
+              </a:rPr>
+              <a:t>Be your name Buxbaum or Bixby or Bray</a:t>
+            </a:r>
+            <a:br>
+              <a:rPr lang="en-GB" i="1" dirty="0"/>
+            </a:br>
+            <a:r>
+              <a:rPr lang="en-GB" b="0" i="1" dirty="0">
+                <a:solidFill>
+                  <a:srgbClr val="222222"/>
+                </a:solidFill>
+                <a:effectLst/>
+                <a:latin typeface="Programme"/>
+              </a:rPr>
+              <a:t>Or Mordecai Ali Van Allen O'Shea,</a:t>
+            </a:r>
+            <a:br>
+              <a:rPr lang="en-GB" i="1" dirty="0"/>
+            </a:br>
+            <a:r>
+              <a:rPr lang="en-GB" b="0" i="1" dirty="0">
+                <a:solidFill>
+                  <a:srgbClr val="222222"/>
+                </a:solidFill>
+                <a:effectLst/>
+                <a:latin typeface="Programme"/>
+              </a:rPr>
+              <a:t>You're off to Great Places!</a:t>
+            </a:r>
+            <a:br>
+              <a:rPr lang="en-GB" i="1" dirty="0"/>
+            </a:br>
+            <a:r>
+              <a:rPr lang="en-GB" b="0" i="1" dirty="0">
+                <a:solidFill>
+                  <a:srgbClr val="222222"/>
+                </a:solidFill>
+                <a:effectLst/>
+                <a:latin typeface="Programme"/>
+              </a:rPr>
+              <a:t>Today is your day!</a:t>
+            </a:r>
+            <a:br>
+              <a:rPr lang="en-GB" i="1" dirty="0"/>
+            </a:br>
+            <a:r>
+              <a:rPr lang="en-GB" b="0" i="1" dirty="0">
+                <a:solidFill>
+                  <a:srgbClr val="222222"/>
+                </a:solidFill>
+                <a:effectLst/>
+                <a:latin typeface="Programme"/>
+              </a:rPr>
+              <a:t>Your mountain is waiting.</a:t>
+            </a:r>
+            <a:br>
+              <a:rPr lang="en-GB" i="1" dirty="0"/>
+            </a:br>
+            <a:r>
+              <a:rPr lang="en-GB" b="0" i="1" dirty="0" err="1">
+                <a:solidFill>
+                  <a:srgbClr val="222222"/>
+                </a:solidFill>
+                <a:effectLst/>
+                <a:latin typeface="Programme"/>
+              </a:rPr>
+              <a:t>So.</a:t>
+            </a:r>
+            <a:r>
+              <a:rPr lang="en-GB" b="0" i="1" dirty="0">
+                <a:solidFill>
+                  <a:srgbClr val="222222"/>
+                </a:solidFill>
+                <a:effectLst/>
+                <a:latin typeface="Programme"/>
+              </a:rPr>
+              <a:t>..get on your way!</a:t>
+            </a:r>
+          </a:p>
+          <a:p>
+            <a:pPr marL="0" indent="0">
+              <a:buNone/>
+            </a:pPr>
+            <a:endParaRPr lang="en-GB" dirty="0">
+              <a:solidFill>
+                <a:srgbClr val="222222"/>
+              </a:solidFill>
+              <a:latin typeface="Programme"/>
+            </a:endParaRPr>
+          </a:p>
+          <a:p>
+            <a:pPr marL="0" indent="0" algn="r">
+              <a:buNone/>
+            </a:pPr>
+            <a:r>
+              <a:rPr lang="en-GB" dirty="0">
+                <a:solidFill>
+                  <a:srgbClr val="222222"/>
+                </a:solidFill>
+                <a:latin typeface="Programme"/>
+              </a:rPr>
+              <a:t>by Dr Seuss, from Oh The Places You’ll Go</a:t>
+            </a:r>
             <a:endParaRPr lang="en-US" dirty="0"/>
           </a:p>
         </p:txBody>
@@ -5965,7 +9606,7 @@
     </p:spTree>
     <p:extLst>
       <p:ext uri="{BB962C8B-B14F-4D97-AF65-F5344CB8AC3E}">
-        <p14:creationId xmlns:p14="http://schemas.microsoft.com/office/powerpoint/2010/main" val="1679367636"/>
+        <p14:creationId xmlns:p14="http://schemas.microsoft.com/office/powerpoint/2010/main" val="3504615606"/>
       </p:ext>
     </p:extLst>
   </p:cSld>
@@ -5992,40 +9633,111 @@
           <a:chExt cx="0" cy="0"/>
         </a:xfrm>
       </p:grpSpPr>
-      <p:pic>
-        <p:nvPicPr>
-          <p:cNvPr id="4" name="Picture 3">
-            <a:extLst>
-              <a:ext uri="{FF2B5EF4-FFF2-40B4-BE49-F238E27FC236}">
-                <a16:creationId xmlns:a16="http://schemas.microsoft.com/office/drawing/2014/main" id="{31B416BD-03C1-435C-90D5-F2AE68A8495F}"/>
-              </a:ext>
-            </a:extLst>
-          </p:cNvPr>
-          <p:cNvPicPr>
-            <a:picLocks noChangeAspect="1"/>
-          </p:cNvPicPr>
-          <p:nvPr/>
-        </p:nvPicPr>
-        <p:blipFill>
-          <a:blip r:embed="rId3"/>
-          <a:stretch>
-            <a:fillRect/>
-          </a:stretch>
-        </p:blipFill>
-        <p:spPr>
-          <a:xfrm>
-            <a:off x="1530626" y="1909"/>
-            <a:ext cx="9134061" cy="6856667"/>
-          </a:xfrm>
-          <a:prstGeom prst="rect">
-            <a:avLst/>
-          </a:prstGeom>
-        </p:spPr>
-      </p:pic>
+      <p:sp>
+        <p:nvSpPr>
+          <p:cNvPr id="2" name="Title 1">
+            <a:extLst>
+              <a:ext uri="{FF2B5EF4-FFF2-40B4-BE49-F238E27FC236}">
+                <a16:creationId xmlns:a16="http://schemas.microsoft.com/office/drawing/2014/main" id="{2493C912-7FA7-4E38-9EE5-00C641E4FA1C}"/>
+              </a:ext>
+            </a:extLst>
+          </p:cNvPr>
+          <p:cNvSpPr>
+            <a:spLocks noGrp="1"/>
+          </p:cNvSpPr>
+          <p:nvPr>
+            <p:ph type="title"/>
+          </p:nvPr>
+        </p:nvSpPr>
+        <p:spPr/>
+        <p:txBody>
+          <a:bodyPr/>
+          <a:lstStyle/>
+          <a:p>
+            <a:r>
+              <a:rPr lang="en-US" dirty="0"/>
+              <a:t>Trivia</a:t>
+            </a:r>
+          </a:p>
+        </p:txBody>
+      </p:sp>
+      <p:sp>
+        <p:nvSpPr>
+          <p:cNvPr id="3" name="Content Placeholder 2">
+            <a:extLst>
+              <a:ext uri="{FF2B5EF4-FFF2-40B4-BE49-F238E27FC236}">
+                <a16:creationId xmlns:a16="http://schemas.microsoft.com/office/drawing/2014/main" id="{054BA8EC-84ED-46C6-BC9F-0FF61A37C16F}"/>
+              </a:ext>
+            </a:extLst>
+          </p:cNvPr>
+          <p:cNvSpPr>
+            <a:spLocks noGrp="1"/>
+          </p:cNvSpPr>
+          <p:nvPr>
+            <p:ph idx="1"/>
+          </p:nvPr>
+        </p:nvSpPr>
+        <p:spPr/>
+        <p:txBody>
+          <a:bodyPr/>
+          <a:lstStyle/>
+          <a:p>
+            <a:r>
+              <a:rPr lang="en-US" dirty="0"/>
+              <a:t>Petr Maj, </a:t>
+            </a:r>
+            <a:r>
+              <a:rPr lang="en-US" dirty="0">
+                <a:hlinkClick r:id="rId2"/>
+              </a:rPr>
+              <a:t>majpetr@fit.cvut.cz</a:t>
+            </a:r>
+            <a:endParaRPr lang="en-US" dirty="0"/>
+          </a:p>
+          <a:p>
+            <a:endParaRPr lang="en-US" dirty="0"/>
+          </a:p>
+          <a:p>
+            <a:r>
+              <a:rPr lang="en-US" dirty="0"/>
+              <a:t>Lectures, MON, on teams</a:t>
+            </a:r>
+          </a:p>
+          <a:p>
+            <a:r>
+              <a:rPr lang="en-US" dirty="0"/>
+              <a:t>Tutorials, TUE, on teams</a:t>
+            </a:r>
+          </a:p>
+          <a:p>
+            <a:endParaRPr lang="en-US" dirty="0"/>
+          </a:p>
+          <a:p>
+            <a:r>
+              <a:rPr lang="en-US" dirty="0"/>
+              <a:t>Course information on teams and </a:t>
+            </a:r>
+            <a:r>
+              <a:rPr lang="en-US" dirty="0" err="1"/>
+              <a:t>coursepages</a:t>
+            </a:r>
+            <a:endParaRPr lang="en-US" dirty="0"/>
+          </a:p>
+          <a:p>
+            <a:endParaRPr lang="en-US" dirty="0"/>
+          </a:p>
+          <a:p>
+            <a:r>
+              <a:rPr lang="en-US" dirty="0"/>
+              <a:t>Grades in grades (and KOS)</a:t>
+            </a:r>
+          </a:p>
+        </p:txBody>
+      </p:sp>
     </p:spTree>
     <p:extLst>
       <p:ext uri="{BB962C8B-B14F-4D97-AF65-F5344CB8AC3E}">
-        <p14:creationId xmlns:p14="http://schemas.microsoft.com/office/powerpoint/2010/main" val="416696143"/>
+        <p14:creationId xmlns:p14="http://schemas.microsoft.com/office/powerpoint/2010/main" val="2096158276"/>
       </p:ext>
     </p:extLst>
   </p:cSld>
@@ -6052,87 +9764,126 @@
           <a:chExt cx="0" cy="0"/>
         </a:xfrm>
       </p:grpSpPr>
-      <p:pic>
-        <p:nvPicPr>
-          <p:cNvPr id="1026" name="Picture 2">
-            <a:extLst>
-              <a:ext uri="{FF2B5EF4-FFF2-40B4-BE49-F238E27FC236}">
-                <a16:creationId xmlns:a16="http://schemas.microsoft.com/office/drawing/2014/main" id="{00303CCB-D3A7-4053-AB14-E8743E1954E7}"/>
-              </a:ext>
-            </a:extLst>
-          </p:cNvPr>
-          <p:cNvPicPr>
-            <a:picLocks noChangeAspect="1" noChangeArrowheads="1"/>
-          </p:cNvPicPr>
-          <p:nvPr/>
-        </p:nvPicPr>
-        <p:blipFill>
-          <a:blip r:embed="rId3">
-            <a:extLst>
-              <a:ext uri="{28A0092B-C50C-407E-A947-70E740481C1C}">
-                <a14:useLocalDpi xmlns:a14="http://schemas.microsoft.com/office/drawing/2010/main" val="0"/>
-              </a:ext>
-            </a:extLst>
-          </a:blip>
-          <a:srcRect/>
-          <a:stretch>
-            <a:fillRect/>
-          </a:stretch>
-        </p:blipFill>
-        <p:spPr bwMode="auto">
-          <a:xfrm>
-            <a:off x="1" y="-1413457"/>
-            <a:ext cx="12192000" cy="9684913"/>
-          </a:xfrm>
-          <a:prstGeom prst="rect">
-            <a:avLst/>
-          </a:prstGeom>
-          <a:noFill/>
-          <a:extLst>
-            <a:ext uri="{909E8E84-426E-40DD-AFC4-6F175D3DCCD1}">
-              <a14:hiddenFill xmlns:a14="http://schemas.microsoft.com/office/drawing/2010/main">
-                <a:solidFill>
-                  <a:srgbClr val="FFFFFF"/>
-                </a:solidFill>
-              </a14:hiddenFill>
-            </a:ext>
-          </a:extLst>
-        </p:spPr>
-      </p:pic>
-      <p:sp>
-        <p:nvSpPr>
-          <p:cNvPr id="4" name="Rectangle 3">
-            <a:extLst>
-              <a:ext uri="{FF2B5EF4-FFF2-40B4-BE49-F238E27FC236}">
-                <a16:creationId xmlns:a16="http://schemas.microsoft.com/office/drawing/2014/main" id="{0241EB86-9770-4E20-B0B0-0FED35DFB347}"/>
-              </a:ext>
-            </a:extLst>
-          </p:cNvPr>
-          <p:cNvSpPr/>
-          <p:nvPr/>
+      <p:sp>
+        <p:nvSpPr>
+          <p:cNvPr id="2" name="Title 1">
+            <a:extLst>
+              <a:ext uri="{FF2B5EF4-FFF2-40B4-BE49-F238E27FC236}">
+                <a16:creationId xmlns:a16="http://schemas.microsoft.com/office/drawing/2014/main" id="{C67D0BBB-8AB3-4C2B-9F6C-3CFCB90FF9F5}"/>
+              </a:ext>
+            </a:extLst>
+          </p:cNvPr>
+          <p:cNvSpPr>
+            <a:spLocks noGrp="1"/>
+          </p:cNvSpPr>
+          <p:nvPr>
+            <p:ph type="title"/>
+          </p:nvPr>
+        </p:nvSpPr>
+        <p:spPr/>
+        <p:txBody>
+          <a:bodyPr/>
+          <a:lstStyle/>
+          <a:p>
+            <a:r>
+              <a:rPr lang="en-US" dirty="0"/>
+              <a:t>Grades</a:t>
+            </a:r>
+          </a:p>
+        </p:txBody>
+      </p:sp>
+      <p:sp>
+        <p:nvSpPr>
+          <p:cNvPr id="3" name="Content Placeholder 2">
+            <a:extLst>
+              <a:ext uri="{FF2B5EF4-FFF2-40B4-BE49-F238E27FC236}">
+                <a16:creationId xmlns:a16="http://schemas.microsoft.com/office/drawing/2014/main" id="{81EA2ED9-9A47-4219-A6CD-6DEE04926A39}"/>
+              </a:ext>
+            </a:extLst>
+          </p:cNvPr>
+          <p:cNvSpPr>
+            <a:spLocks noGrp="1"/>
+          </p:cNvSpPr>
+          <p:nvPr>
+            <p:ph idx="1"/>
+          </p:nvPr>
         </p:nvSpPr>
         <p:spPr>
           <a:xfrm>
-            <a:off x="5158408" y="6488668"/>
-            <a:ext cx="7851913" cy="369332"/>
+            <a:off x="838200" y="1825624"/>
+            <a:ext cx="10515600" cy="5032375"/>
           </a:xfrm>
-          <a:prstGeom prst="rect">
-            <a:avLst/>
-          </a:prstGeom>
         </p:spPr>
         <p:txBody>
-          <a:bodyPr wrap="square">
-            <a:spAutoFit/>
+          <a:bodyPr>
+            <a:normAutofit/>
           </a:bodyPr>
           <a:lstStyle/>
           <a:p>
             <a:r>
-              <a:rPr lang="en-US" dirty="0">
-                <a:solidFill>
-                  <a:schemeClr val="bg1"/>
-                </a:solidFill>
-              </a:rPr>
-              <a:t>By Source, Fair use, https://en.wikipedia.org/w/index.php?curid=9975689</a:t>
+              <a:rPr lang="en-US" dirty="0"/>
+              <a:t>course project:</a:t>
+            </a:r>
+          </a:p>
+          <a:p>
+            <a:pPr lvl="1"/>
+            <a:r>
+              <a:rPr lang="en-US" dirty="0"/>
+              <a:t>compiler for a small C-like language</a:t>
+            </a:r>
+          </a:p>
+          <a:p>
+            <a:pPr lvl="1"/>
+            <a:r>
+              <a:rPr lang="en-US" dirty="0"/>
+              <a:t>reasonably large piece of work</a:t>
+            </a:r>
+          </a:p>
+          <a:p>
+            <a:pPr lvl="1"/>
+            <a:r>
+              <a:rPr lang="en-US" dirty="0"/>
+              <a:t>due at the last tutorial, extensions possible upon previous request</a:t>
+            </a:r>
+          </a:p>
+          <a:p>
+            <a:pPr lvl="1"/>
+            <a:r>
+              <a:rPr lang="en-US" dirty="0"/>
+              <a:t>60 points max</a:t>
+            </a:r>
+          </a:p>
+          <a:p>
+            <a:pPr lvl="1"/>
+            <a:endParaRPr lang="en-US" dirty="0"/>
+          </a:p>
+          <a:p>
+            <a:r>
+              <a:rPr lang="en-US" dirty="0"/>
+              <a:t>exam</a:t>
+            </a:r>
+          </a:p>
+          <a:p>
+            <a:pPr lvl="1"/>
+            <a:r>
+              <a:rPr lang="en-US" dirty="0"/>
+              <a:t>on paper, covered theory and algorithms</a:t>
+            </a:r>
+          </a:p>
+          <a:p>
+            <a:pPr lvl="1"/>
+            <a:r>
+              <a:rPr lang="en-US" dirty="0"/>
+              <a:t>40 points max</a:t>
+            </a:r>
+          </a:p>
+          <a:p>
+            <a:endParaRPr lang="en-US" dirty="0"/>
+          </a:p>
+          <a:p>
+            <a:r>
+              <a:rPr lang="en-US" dirty="0"/>
+              <a:t>grade: &gt; 90: A, 80..90 : B, 70..80: C, 60..70: D, 50..60: E, &lt;50: F </a:t>
             </a:r>
           </a:p>
         </p:txBody>
@@ -6140,7 +9891,7 @@
     </p:spTree>
     <p:extLst>
       <p:ext uri="{BB962C8B-B14F-4D97-AF65-F5344CB8AC3E}">
-        <p14:creationId xmlns:p14="http://schemas.microsoft.com/office/powerpoint/2010/main" val="2003430351"/>
+        <p14:creationId xmlns:p14="http://schemas.microsoft.com/office/powerpoint/2010/main" val="759932427"/>
       </p:ext>
     </p:extLst>
   </p:cSld>
@@ -6167,57 +9918,132 @@
           <a:chExt cx="0" cy="0"/>
         </a:xfrm>
       </p:grpSpPr>
-      <p:pic>
-        <p:nvPicPr>
-          <p:cNvPr id="2050" name="Picture 2" descr="See the source image">
-            <a:extLst>
-              <a:ext uri="{FF2B5EF4-FFF2-40B4-BE49-F238E27FC236}">
-                <a16:creationId xmlns:a16="http://schemas.microsoft.com/office/drawing/2014/main" id="{8A97CA26-4970-49DB-89D1-1F60ED010966}"/>
-              </a:ext>
-            </a:extLst>
-          </p:cNvPr>
-          <p:cNvPicPr>
-            <a:picLocks noChangeAspect="1" noChangeArrowheads="1"/>
-          </p:cNvPicPr>
-          <p:nvPr/>
-        </p:nvPicPr>
-        <p:blipFill>
-          <a:blip r:embed="rId2">
-            <a:extLst>
-              <a:ext uri="{28A0092B-C50C-407E-A947-70E740481C1C}">
-                <a14:useLocalDpi xmlns:a14="http://schemas.microsoft.com/office/drawing/2010/main" val="0"/>
-              </a:ext>
-            </a:extLst>
-          </a:blip>
-          <a:srcRect/>
-          <a:stretch>
-            <a:fillRect/>
-          </a:stretch>
-        </p:blipFill>
-        <p:spPr bwMode="auto">
+      <p:sp>
+        <p:nvSpPr>
+          <p:cNvPr id="2" name="Title 1">
+            <a:extLst>
+              <a:ext uri="{FF2B5EF4-FFF2-40B4-BE49-F238E27FC236}">
+                <a16:creationId xmlns:a16="http://schemas.microsoft.com/office/drawing/2014/main" id="{BEF6D0E3-5C6B-40DC-99D7-804DC96A8AC6}"/>
+              </a:ext>
+            </a:extLst>
+          </p:cNvPr>
+          <p:cNvSpPr>
+            <a:spLocks noGrp="1"/>
+          </p:cNvSpPr>
+          <p:nvPr>
+            <p:ph type="title"/>
+          </p:nvPr>
+        </p:nvSpPr>
+        <p:spPr/>
+        <p:txBody>
+          <a:bodyPr/>
+          <a:lstStyle/>
+          <a:p>
+            <a:r>
+              <a:rPr lang="en-US" dirty="0"/>
+              <a:t>Course Project</a:t>
+            </a:r>
+          </a:p>
+        </p:txBody>
+      </p:sp>
+      <p:sp>
+        <p:nvSpPr>
+          <p:cNvPr id="3" name="Content Placeholder 2">
+            <a:extLst>
+              <a:ext uri="{FF2B5EF4-FFF2-40B4-BE49-F238E27FC236}">
+                <a16:creationId xmlns:a16="http://schemas.microsoft.com/office/drawing/2014/main" id="{4B54E645-3585-4A85-9B11-355C9ED8BB82}"/>
+              </a:ext>
+            </a:extLst>
+          </p:cNvPr>
+          <p:cNvSpPr>
+            <a:spLocks noGrp="1"/>
+          </p:cNvSpPr>
+          <p:nvPr>
+            <p:ph idx="1"/>
+          </p:nvPr>
+        </p:nvSpPr>
+        <p:spPr>
           <a:xfrm>
-            <a:off x="2667000" y="0"/>
-            <a:ext cx="6858000" cy="6858000"/>
+            <a:off x="838200" y="1825624"/>
+            <a:ext cx="10515600" cy="5032375"/>
           </a:xfrm>
-          <a:prstGeom prst="rect">
-            <a:avLst/>
-          </a:prstGeom>
-          <a:noFill/>
-          <a:extLst>
-            <a:ext uri="{909E8E84-426E-40DD-AFC4-6F175D3DCCD1}">
-              <a14:hiddenFill xmlns:a14="http://schemas.microsoft.com/office/drawing/2010/main">
-                <a:solidFill>
-                  <a:srgbClr val="FFFFFF"/>
-                </a:solidFill>
-              </a14:hiddenFill>
-            </a:ext>
-          </a:extLst>
         </p:spPr>
-      </p:pic>
+        <p:txBody>
+          <a:bodyPr>
+            <a:normAutofit/>
+          </a:bodyPr>
+          <a:lstStyle/>
+          <a:p>
+            <a:r>
+              <a:rPr lang="en-US" dirty="0"/>
+              <a:t>compiler (middle &amp; back end) implementation for a small c-like language</a:t>
+            </a:r>
+          </a:p>
+          <a:p>
+            <a:pPr lvl="3"/>
+            <a:endParaRPr lang="en-US" dirty="0"/>
+          </a:p>
+          <a:p>
+            <a:r>
+              <a:rPr lang="en-US" dirty="0"/>
+              <a:t>target a tiny86 VM, which is a simplified model of a PC architecture based on x86 </a:t>
+            </a:r>
+          </a:p>
+          <a:p>
+            <a:pPr lvl="3"/>
+            <a:endParaRPr lang="en-US" dirty="0"/>
+          </a:p>
+          <a:p>
+            <a:r>
+              <a:rPr lang="en-US" dirty="0"/>
+              <a:t>code generation for higher level language constructs (condition, functions, etc.)</a:t>
+            </a:r>
+          </a:p>
+          <a:p>
+            <a:pPr lvl="3"/>
+            <a:endParaRPr lang="en-US" dirty="0"/>
+          </a:p>
+          <a:p>
+            <a:r>
+              <a:rPr lang="en-US" dirty="0"/>
+              <a:t>optimizations (</a:t>
+            </a:r>
+            <a:r>
+              <a:rPr lang="en-US" dirty="0" err="1"/>
+              <a:t>inlining</a:t>
+            </a:r>
+            <a:r>
+              <a:rPr lang="en-US" dirty="0"/>
+              <a:t>, constant propagation, </a:t>
+            </a:r>
+            <a:r>
+              <a:rPr lang="en-US" dirty="0" err="1"/>
+              <a:t>peepholer</a:t>
+            </a:r>
+            <a:r>
+              <a:rPr lang="en-US" dirty="0"/>
+              <a:t>, etc.)</a:t>
+            </a:r>
+          </a:p>
+          <a:p>
+            <a:pPr lvl="3"/>
+            <a:endParaRPr lang="en-US" dirty="0"/>
+          </a:p>
+          <a:p>
+            <a:r>
+              <a:rPr lang="en-US" dirty="0"/>
+              <a:t>register allocation</a:t>
+            </a:r>
+          </a:p>
+          <a:p>
+            <a:endParaRPr lang="en-US" dirty="0"/>
+          </a:p>
+        </p:txBody>
+      </p:sp>
     </p:spTree>
     <p:extLst>
       <p:ext uri="{BB962C8B-B14F-4D97-AF65-F5344CB8AC3E}">
-        <p14:creationId xmlns:p14="http://schemas.microsoft.com/office/powerpoint/2010/main" val="3321417088"/>
+        <p14:creationId xmlns:p14="http://schemas.microsoft.com/office/powerpoint/2010/main" val="575359752"/>
       </p:ext>
     </p:extLst>
   </p:cSld>
@@ -6246,61 +10072,840 @@
       </p:grpSpPr>
       <p:sp>
         <p:nvSpPr>
-          <p:cNvPr id="4" name="Title 3">
-            <a:extLst>
-              <a:ext uri="{FF2B5EF4-FFF2-40B4-BE49-F238E27FC236}">
-                <a16:creationId xmlns:a16="http://schemas.microsoft.com/office/drawing/2014/main" id="{EF7BC910-C681-457C-921F-1776B57F06AF}"/>
-              </a:ext>
-            </a:extLst>
-          </p:cNvPr>
-          <p:cNvSpPr>
-            <a:spLocks noGrp="1"/>
-          </p:cNvSpPr>
-          <p:nvPr>
-            <p:ph type="ctrTitle"/>
-          </p:nvPr>
-        </p:nvSpPr>
-        <p:spPr/>
-        <p:txBody>
-          <a:bodyPr/>
-          <a:lstStyle/>
-          <a:p>
-            <a:r>
-              <a:rPr lang="en-US" dirty="0"/>
-              <a:t>IBM, We Have a Problem</a:t>
-            </a:r>
-          </a:p>
-        </p:txBody>
-      </p:sp>
-      <p:sp>
-        <p:nvSpPr>
-          <p:cNvPr id="5" name="Subtitle 4">
-            <a:extLst>
-              <a:ext uri="{FF2B5EF4-FFF2-40B4-BE49-F238E27FC236}">
-                <a16:creationId xmlns:a16="http://schemas.microsoft.com/office/drawing/2014/main" id="{D3F119BD-91FD-460D-99B6-5FE884D223D0}"/>
-              </a:ext>
-            </a:extLst>
-          </p:cNvPr>
-          <p:cNvSpPr>
-            <a:spLocks noGrp="1"/>
-          </p:cNvSpPr>
-          <p:nvPr>
-            <p:ph type="subTitle" idx="1"/>
-          </p:nvPr>
-        </p:nvSpPr>
-        <p:spPr/>
-        <p:txBody>
-          <a:bodyPr/>
-          <a:lstStyle/>
-          <a:p>
-            <a:endParaRPr lang="en-US" dirty="0"/>
+          <p:cNvPr id="3" name="Content Placeholder 2">
+            <a:extLst>
+              <a:ext uri="{FF2B5EF4-FFF2-40B4-BE49-F238E27FC236}">
+                <a16:creationId xmlns:a16="http://schemas.microsoft.com/office/drawing/2014/main" id="{903DEBDE-BD22-4B2A-B2CE-E5D9314E3D8B}"/>
+              </a:ext>
+            </a:extLst>
+          </p:cNvPr>
+          <p:cNvSpPr>
+            <a:spLocks noGrp="1"/>
+          </p:cNvSpPr>
+          <p:nvPr>
+            <p:ph idx="1"/>
+          </p:nvPr>
+        </p:nvSpPr>
+        <p:spPr>
+          <a:xfrm>
+            <a:off x="838200" y="0"/>
+            <a:ext cx="10515600" cy="6858000"/>
+          </a:xfrm>
+        </p:spPr>
+        <p:txBody>
+          <a:bodyPr>
+            <a:normAutofit fontScale="70000" lnSpcReduction="20000"/>
+          </a:bodyPr>
+          <a:lstStyle/>
+          <a:p>
+            <a:pPr marL="0" indent="0">
+              <a:lnSpc>
+                <a:spcPct val="120000"/>
+              </a:lnSpc>
+              <a:spcBef>
+                <a:spcPts val="0"/>
+              </a:spcBef>
+              <a:buNone/>
+            </a:pPr>
+            <a:r>
+              <a:rPr lang="en-GB" b="1" dirty="0">
+                <a:latin typeface="Iosevka NF" panose="02000509000000000000" pitchFamily="49" charset="0"/>
+                <a:ea typeface="Iosevka NF" panose="02000509000000000000" pitchFamily="49" charset="0"/>
+              </a:rPr>
+              <a:t>int</a:t>
+            </a:r>
+            <a:r>
+              <a:rPr lang="en-GB" dirty="0">
+                <a:latin typeface="Iosevka NF" panose="02000509000000000000" pitchFamily="49" charset="0"/>
+                <a:ea typeface="Iosevka NF" panose="02000509000000000000" pitchFamily="49" charset="0"/>
+              </a:rPr>
+              <a:t> main() {</a:t>
+            </a:r>
+          </a:p>
+          <a:p>
+            <a:pPr marL="0" indent="0">
+              <a:lnSpc>
+                <a:spcPct val="120000"/>
+              </a:lnSpc>
+              <a:spcBef>
+                <a:spcPts val="0"/>
+              </a:spcBef>
+              <a:buNone/>
+            </a:pPr>
+            <a:r>
+              <a:rPr lang="en-GB" dirty="0">
+                <a:latin typeface="Iosevka NF" panose="02000509000000000000" pitchFamily="49" charset="0"/>
+                <a:ea typeface="Iosevka NF" panose="02000509000000000000" pitchFamily="49" charset="0"/>
+              </a:rPr>
+              <a:t>    </a:t>
+            </a:r>
+            <a:r>
+              <a:rPr lang="en-GB" i="1" dirty="0">
+                <a:solidFill>
+                  <a:schemeClr val="bg1">
+                    <a:lumMod val="50000"/>
+                  </a:schemeClr>
+                </a:solidFill>
+                <a:latin typeface="Iosevka NF" panose="02000509000000000000" pitchFamily="49" charset="0"/>
+                <a:ea typeface="Iosevka NF" panose="02000509000000000000" pitchFamily="49" charset="0"/>
+              </a:rPr>
+              <a:t>// allocate    </a:t>
+            </a:r>
+          </a:p>
+          <a:p>
+            <a:pPr marL="0" indent="0">
+              <a:lnSpc>
+                <a:spcPct val="120000"/>
+              </a:lnSpc>
+              <a:spcBef>
+                <a:spcPts val="0"/>
+              </a:spcBef>
+              <a:buNone/>
+            </a:pPr>
+            <a:r>
+              <a:rPr lang="en-GB" dirty="0">
+                <a:latin typeface="Iosevka NF" panose="02000509000000000000" pitchFamily="49" charset="0"/>
+                <a:ea typeface="Iosevka NF" panose="02000509000000000000" pitchFamily="49" charset="0"/>
+              </a:rPr>
+              <a:t>    </a:t>
+            </a:r>
+            <a:r>
+              <a:rPr lang="en-GB" b="1" dirty="0">
+                <a:latin typeface="Iosevka NF" panose="02000509000000000000" pitchFamily="49" charset="0"/>
+                <a:ea typeface="Iosevka NF" panose="02000509000000000000" pitchFamily="49" charset="0"/>
+              </a:rPr>
+              <a:t>int</a:t>
+            </a:r>
+            <a:r>
+              <a:rPr lang="en-GB" dirty="0">
+                <a:latin typeface="Iosevka NF" panose="02000509000000000000" pitchFamily="49" charset="0"/>
+                <a:ea typeface="Iosevka NF" panose="02000509000000000000" pitchFamily="49" charset="0"/>
+              </a:rPr>
+              <a:t> numbers[100];</a:t>
+            </a:r>
+          </a:p>
+          <a:p>
+            <a:pPr marL="0" indent="0">
+              <a:lnSpc>
+                <a:spcPct val="120000"/>
+              </a:lnSpc>
+              <a:spcBef>
+                <a:spcPts val="0"/>
+              </a:spcBef>
+              <a:buNone/>
+            </a:pPr>
+            <a:r>
+              <a:rPr lang="en-GB" dirty="0">
+                <a:latin typeface="Iosevka NF" panose="02000509000000000000" pitchFamily="49" charset="0"/>
+                <a:ea typeface="Iosevka NF" panose="02000509000000000000" pitchFamily="49" charset="0"/>
+              </a:rPr>
+              <a:t>    </a:t>
+            </a:r>
+            <a:r>
+              <a:rPr lang="en-GB" i="1" dirty="0">
+                <a:solidFill>
+                  <a:schemeClr val="bg1">
+                    <a:lumMod val="50000"/>
+                  </a:schemeClr>
+                </a:solidFill>
+                <a:latin typeface="Iosevka NF" panose="02000509000000000000" pitchFamily="49" charset="0"/>
+                <a:ea typeface="Iosevka NF" panose="02000509000000000000" pitchFamily="49" charset="0"/>
+              </a:rPr>
+              <a:t>// initialize</a:t>
+            </a:r>
+          </a:p>
+          <a:p>
+            <a:pPr marL="0" indent="0">
+              <a:lnSpc>
+                <a:spcPct val="120000"/>
+              </a:lnSpc>
+              <a:spcBef>
+                <a:spcPts val="0"/>
+              </a:spcBef>
+              <a:buNone/>
+            </a:pPr>
+            <a:r>
+              <a:rPr lang="en-GB" dirty="0">
+                <a:latin typeface="Iosevka NF" panose="02000509000000000000" pitchFamily="49" charset="0"/>
+                <a:ea typeface="Iosevka NF" panose="02000509000000000000" pitchFamily="49" charset="0"/>
+              </a:rPr>
+              <a:t>    </a:t>
+            </a:r>
+            <a:r>
+              <a:rPr lang="en-GB" b="1" dirty="0">
+                <a:latin typeface="Iosevka NF" panose="02000509000000000000" pitchFamily="49" charset="0"/>
+                <a:ea typeface="Iosevka NF" panose="02000509000000000000" pitchFamily="49" charset="0"/>
+              </a:rPr>
+              <a:t>for</a:t>
+            </a:r>
+            <a:r>
+              <a:rPr lang="en-GB" dirty="0">
+                <a:latin typeface="Iosevka NF" panose="02000509000000000000" pitchFamily="49" charset="0"/>
+                <a:ea typeface="Iosevka NF" panose="02000509000000000000" pitchFamily="49" charset="0"/>
+              </a:rPr>
+              <a:t> (</a:t>
+            </a:r>
+            <a:r>
+              <a:rPr lang="en-GB" b="1" dirty="0">
+                <a:latin typeface="Iosevka NF" panose="02000509000000000000" pitchFamily="49" charset="0"/>
+                <a:ea typeface="Iosevka NF" panose="02000509000000000000" pitchFamily="49" charset="0"/>
+              </a:rPr>
+              <a:t>int</a:t>
+            </a:r>
+            <a:r>
+              <a:rPr lang="en-GB" dirty="0">
+                <a:latin typeface="Iosevka NF" panose="02000509000000000000" pitchFamily="49" charset="0"/>
+                <a:ea typeface="Iosevka NF" panose="02000509000000000000" pitchFamily="49" charset="0"/>
+              </a:rPr>
+              <a:t> </a:t>
+            </a:r>
+            <a:r>
+              <a:rPr lang="en-GB" dirty="0" err="1">
+                <a:latin typeface="Iosevka NF" panose="02000509000000000000" pitchFamily="49" charset="0"/>
+                <a:ea typeface="Iosevka NF" panose="02000509000000000000" pitchFamily="49" charset="0"/>
+              </a:rPr>
+              <a:t>i</a:t>
+            </a:r>
+            <a:r>
+              <a:rPr lang="en-GB" dirty="0">
+                <a:latin typeface="Iosevka NF" panose="02000509000000000000" pitchFamily="49" charset="0"/>
+                <a:ea typeface="Iosevka NF" panose="02000509000000000000" pitchFamily="49" charset="0"/>
+              </a:rPr>
+              <a:t> =0; </a:t>
+            </a:r>
+            <a:r>
+              <a:rPr lang="en-GB" dirty="0" err="1">
+                <a:latin typeface="Iosevka NF" panose="02000509000000000000" pitchFamily="49" charset="0"/>
+                <a:ea typeface="Iosevka NF" panose="02000509000000000000" pitchFamily="49" charset="0"/>
+              </a:rPr>
+              <a:t>i</a:t>
+            </a:r>
+            <a:r>
+              <a:rPr lang="en-GB" dirty="0">
+                <a:latin typeface="Iosevka NF" panose="02000509000000000000" pitchFamily="49" charset="0"/>
+                <a:ea typeface="Iosevka NF" panose="02000509000000000000" pitchFamily="49" charset="0"/>
+              </a:rPr>
+              <a:t> &lt; 100; ++</a:t>
+            </a:r>
+            <a:r>
+              <a:rPr lang="en-GB" dirty="0" err="1">
+                <a:latin typeface="Iosevka NF" panose="02000509000000000000" pitchFamily="49" charset="0"/>
+                <a:ea typeface="Iosevka NF" panose="02000509000000000000" pitchFamily="49" charset="0"/>
+              </a:rPr>
+              <a:t>i</a:t>
+            </a:r>
+            <a:r>
+              <a:rPr lang="en-GB" dirty="0">
+                <a:latin typeface="Iosevka NF" panose="02000509000000000000" pitchFamily="49" charset="0"/>
+                <a:ea typeface="Iosevka NF" panose="02000509000000000000" pitchFamily="49" charset="0"/>
+              </a:rPr>
+              <a:t>) {</a:t>
+            </a:r>
+          </a:p>
+          <a:p>
+            <a:pPr marL="0" indent="0">
+              <a:lnSpc>
+                <a:spcPct val="120000"/>
+              </a:lnSpc>
+              <a:spcBef>
+                <a:spcPts val="0"/>
+              </a:spcBef>
+              <a:buNone/>
+            </a:pPr>
+            <a:r>
+              <a:rPr lang="en-GB" dirty="0">
+                <a:latin typeface="Iosevka NF" panose="02000509000000000000" pitchFamily="49" charset="0"/>
+                <a:ea typeface="Iosevka NF" panose="02000509000000000000" pitchFamily="49" charset="0"/>
+              </a:rPr>
+              <a:t>        numbers[</a:t>
+            </a:r>
+            <a:r>
+              <a:rPr lang="en-GB" dirty="0" err="1">
+                <a:latin typeface="Iosevka NF" panose="02000509000000000000" pitchFamily="49" charset="0"/>
+                <a:ea typeface="Iosevka NF" panose="02000509000000000000" pitchFamily="49" charset="0"/>
+              </a:rPr>
+              <a:t>i</a:t>
+            </a:r>
+            <a:r>
+              <a:rPr lang="en-GB" dirty="0">
+                <a:latin typeface="Iosevka NF" panose="02000509000000000000" pitchFamily="49" charset="0"/>
+                <a:ea typeface="Iosevka NF" panose="02000509000000000000" pitchFamily="49" charset="0"/>
+              </a:rPr>
+              <a:t>] = </a:t>
+            </a:r>
+            <a:r>
+              <a:rPr lang="en-GB" dirty="0" err="1">
+                <a:latin typeface="Iosevka NF" panose="02000509000000000000" pitchFamily="49" charset="0"/>
+                <a:ea typeface="Iosevka NF" panose="02000509000000000000" pitchFamily="49" charset="0"/>
+              </a:rPr>
+              <a:t>i</a:t>
+            </a:r>
+            <a:r>
+              <a:rPr lang="en-GB" dirty="0">
+                <a:latin typeface="Iosevka NF" panose="02000509000000000000" pitchFamily="49" charset="0"/>
+                <a:ea typeface="Iosevka NF" panose="02000509000000000000" pitchFamily="49" charset="0"/>
+              </a:rPr>
+              <a:t> + 2;</a:t>
+            </a:r>
+          </a:p>
+          <a:p>
+            <a:pPr marL="0" indent="0">
+              <a:lnSpc>
+                <a:spcPct val="120000"/>
+              </a:lnSpc>
+              <a:spcBef>
+                <a:spcPts val="0"/>
+              </a:spcBef>
+              <a:buNone/>
+            </a:pPr>
+            <a:r>
+              <a:rPr lang="en-GB" dirty="0">
+                <a:latin typeface="Iosevka NF" panose="02000509000000000000" pitchFamily="49" charset="0"/>
+                <a:ea typeface="Iosevka NF" panose="02000509000000000000" pitchFamily="49" charset="0"/>
+              </a:rPr>
+              <a:t>    }</a:t>
+            </a:r>
+          </a:p>
+          <a:p>
+            <a:pPr marL="0" indent="0">
+              <a:lnSpc>
+                <a:spcPct val="120000"/>
+              </a:lnSpc>
+              <a:spcBef>
+                <a:spcPts val="0"/>
+              </a:spcBef>
+              <a:buNone/>
+            </a:pPr>
+            <a:r>
+              <a:rPr lang="en-GB" dirty="0">
+                <a:latin typeface="Iosevka NF" panose="02000509000000000000" pitchFamily="49" charset="0"/>
+                <a:ea typeface="Iosevka NF" panose="02000509000000000000" pitchFamily="49" charset="0"/>
+              </a:rPr>
+              <a:t>    </a:t>
+            </a:r>
+            <a:r>
+              <a:rPr lang="en-GB" i="1" dirty="0">
+                <a:solidFill>
+                  <a:schemeClr val="bg1">
+                    <a:lumMod val="50000"/>
+                  </a:schemeClr>
+                </a:solidFill>
+                <a:latin typeface="Iosevka NF" panose="02000509000000000000" pitchFamily="49" charset="0"/>
+                <a:ea typeface="Iosevka NF" panose="02000509000000000000" pitchFamily="49" charset="0"/>
+              </a:rPr>
+              <a:t>// iterate</a:t>
+            </a:r>
+          </a:p>
+          <a:p>
+            <a:pPr marL="0" indent="0">
+              <a:lnSpc>
+                <a:spcPct val="120000"/>
+              </a:lnSpc>
+              <a:spcBef>
+                <a:spcPts val="0"/>
+              </a:spcBef>
+              <a:buNone/>
+            </a:pPr>
+            <a:r>
+              <a:rPr lang="en-GB" dirty="0">
+                <a:latin typeface="Iosevka NF" panose="02000509000000000000" pitchFamily="49" charset="0"/>
+                <a:ea typeface="Iosevka NF" panose="02000509000000000000" pitchFamily="49" charset="0"/>
+              </a:rPr>
+              <a:t>    </a:t>
+            </a:r>
+            <a:r>
+              <a:rPr lang="en-GB" b="1" dirty="0">
+                <a:latin typeface="Iosevka NF" panose="02000509000000000000" pitchFamily="49" charset="0"/>
+                <a:ea typeface="Iosevka NF" panose="02000509000000000000" pitchFamily="49" charset="0"/>
+              </a:rPr>
+              <a:t>for</a:t>
+            </a:r>
+            <a:r>
+              <a:rPr lang="en-GB" dirty="0">
+                <a:latin typeface="Iosevka NF" panose="02000509000000000000" pitchFamily="49" charset="0"/>
+                <a:ea typeface="Iosevka NF" panose="02000509000000000000" pitchFamily="49" charset="0"/>
+              </a:rPr>
+              <a:t> (</a:t>
+            </a:r>
+            <a:r>
+              <a:rPr lang="en-GB" b="1" dirty="0">
+                <a:latin typeface="Iosevka NF" panose="02000509000000000000" pitchFamily="49" charset="0"/>
+                <a:ea typeface="Iosevka NF" panose="02000509000000000000" pitchFamily="49" charset="0"/>
+              </a:rPr>
+              <a:t>int</a:t>
+            </a:r>
+            <a:r>
+              <a:rPr lang="en-GB" dirty="0">
+                <a:latin typeface="Iosevka NF" panose="02000509000000000000" pitchFamily="49" charset="0"/>
+                <a:ea typeface="Iosevka NF" panose="02000509000000000000" pitchFamily="49" charset="0"/>
+              </a:rPr>
+              <a:t> </a:t>
+            </a:r>
+            <a:r>
+              <a:rPr lang="en-GB" dirty="0" err="1">
+                <a:latin typeface="Iosevka NF" panose="02000509000000000000" pitchFamily="49" charset="0"/>
+                <a:ea typeface="Iosevka NF" panose="02000509000000000000" pitchFamily="49" charset="0"/>
+              </a:rPr>
+              <a:t>i</a:t>
+            </a:r>
+            <a:r>
+              <a:rPr lang="en-GB" dirty="0">
+                <a:latin typeface="Iosevka NF" panose="02000509000000000000" pitchFamily="49" charset="0"/>
+                <a:ea typeface="Iosevka NF" panose="02000509000000000000" pitchFamily="49" charset="0"/>
+              </a:rPr>
+              <a:t> = 0; </a:t>
+            </a:r>
+            <a:r>
+              <a:rPr lang="en-GB" dirty="0" err="1">
+                <a:latin typeface="Iosevka NF" panose="02000509000000000000" pitchFamily="49" charset="0"/>
+                <a:ea typeface="Iosevka NF" panose="02000509000000000000" pitchFamily="49" charset="0"/>
+              </a:rPr>
+              <a:t>i</a:t>
+            </a:r>
+            <a:r>
+              <a:rPr lang="en-GB" dirty="0">
+                <a:latin typeface="Iosevka NF" panose="02000509000000000000" pitchFamily="49" charset="0"/>
+                <a:ea typeface="Iosevka NF" panose="02000509000000000000" pitchFamily="49" charset="0"/>
+              </a:rPr>
+              <a:t> &lt; 100; ++</a:t>
+            </a:r>
+            <a:r>
+              <a:rPr lang="en-GB" dirty="0" err="1">
+                <a:latin typeface="Iosevka NF" panose="02000509000000000000" pitchFamily="49" charset="0"/>
+                <a:ea typeface="Iosevka NF" panose="02000509000000000000" pitchFamily="49" charset="0"/>
+              </a:rPr>
+              <a:t>i</a:t>
+            </a:r>
+            <a:r>
+              <a:rPr lang="en-GB" dirty="0">
+                <a:latin typeface="Iosevka NF" panose="02000509000000000000" pitchFamily="49" charset="0"/>
+                <a:ea typeface="Iosevka NF" panose="02000509000000000000" pitchFamily="49" charset="0"/>
+              </a:rPr>
+              <a:t>) {</a:t>
+            </a:r>
+          </a:p>
+          <a:p>
+            <a:pPr marL="0" indent="0">
+              <a:lnSpc>
+                <a:spcPct val="120000"/>
+              </a:lnSpc>
+              <a:spcBef>
+                <a:spcPts val="0"/>
+              </a:spcBef>
+              <a:buNone/>
+            </a:pPr>
+            <a:r>
+              <a:rPr lang="en-GB" dirty="0">
+                <a:latin typeface="Iosevka NF" panose="02000509000000000000" pitchFamily="49" charset="0"/>
+                <a:ea typeface="Iosevka NF" panose="02000509000000000000" pitchFamily="49" charset="0"/>
+              </a:rPr>
+              <a:t>        </a:t>
+            </a:r>
+            <a:r>
+              <a:rPr lang="en-GB" b="1" dirty="0">
+                <a:latin typeface="Iosevka NF" panose="02000509000000000000" pitchFamily="49" charset="0"/>
+                <a:ea typeface="Iosevka NF" panose="02000509000000000000" pitchFamily="49" charset="0"/>
+              </a:rPr>
+              <a:t>if</a:t>
+            </a:r>
+            <a:r>
+              <a:rPr lang="en-GB" dirty="0">
+                <a:latin typeface="Iosevka NF" panose="02000509000000000000" pitchFamily="49" charset="0"/>
+                <a:ea typeface="Iosevka NF" panose="02000509000000000000" pitchFamily="49" charset="0"/>
+              </a:rPr>
+              <a:t> (numbers[</a:t>
+            </a:r>
+            <a:r>
+              <a:rPr lang="en-GB" dirty="0" err="1">
+                <a:latin typeface="Iosevka NF" panose="02000509000000000000" pitchFamily="49" charset="0"/>
+                <a:ea typeface="Iosevka NF" panose="02000509000000000000" pitchFamily="49" charset="0"/>
+              </a:rPr>
+              <a:t>i</a:t>
+            </a:r>
+            <a:r>
+              <a:rPr lang="en-GB" dirty="0">
+                <a:latin typeface="Iosevka NF" panose="02000509000000000000" pitchFamily="49" charset="0"/>
+                <a:ea typeface="Iosevka NF" panose="02000509000000000000" pitchFamily="49" charset="0"/>
+              </a:rPr>
+              <a:t>] == 0)</a:t>
+            </a:r>
+          </a:p>
+          <a:p>
+            <a:pPr marL="0" indent="0">
+              <a:lnSpc>
+                <a:spcPct val="120000"/>
+              </a:lnSpc>
+              <a:spcBef>
+                <a:spcPts val="0"/>
+              </a:spcBef>
+              <a:buNone/>
+            </a:pPr>
+            <a:r>
+              <a:rPr lang="en-GB" dirty="0">
+                <a:latin typeface="Iosevka NF" panose="02000509000000000000" pitchFamily="49" charset="0"/>
+                <a:ea typeface="Iosevka NF" panose="02000509000000000000" pitchFamily="49" charset="0"/>
+              </a:rPr>
+              <a:t>            </a:t>
+            </a:r>
+            <a:r>
+              <a:rPr lang="en-GB" b="1" dirty="0">
+                <a:latin typeface="Iosevka NF" panose="02000509000000000000" pitchFamily="49" charset="0"/>
+                <a:ea typeface="Iosevka NF" panose="02000509000000000000" pitchFamily="49" charset="0"/>
+              </a:rPr>
+              <a:t>continue</a:t>
+            </a:r>
+            <a:r>
+              <a:rPr lang="en-GB" dirty="0">
+                <a:latin typeface="Iosevka NF" panose="02000509000000000000" pitchFamily="49" charset="0"/>
+                <a:ea typeface="Iosevka NF" panose="02000509000000000000" pitchFamily="49" charset="0"/>
+              </a:rPr>
+              <a:t>;</a:t>
+            </a:r>
+          </a:p>
+          <a:p>
+            <a:pPr marL="0" indent="0">
+              <a:lnSpc>
+                <a:spcPct val="120000"/>
+              </a:lnSpc>
+              <a:spcBef>
+                <a:spcPts val="0"/>
+              </a:spcBef>
+              <a:buNone/>
+            </a:pPr>
+            <a:r>
+              <a:rPr lang="en-GB" dirty="0">
+                <a:latin typeface="Iosevka NF" panose="02000509000000000000" pitchFamily="49" charset="0"/>
+                <a:ea typeface="Iosevka NF" panose="02000509000000000000" pitchFamily="49" charset="0"/>
+              </a:rPr>
+              <a:t>        </a:t>
+            </a:r>
+            <a:r>
+              <a:rPr lang="en-GB" i="1" dirty="0">
+                <a:solidFill>
+                  <a:schemeClr val="bg1">
+                    <a:lumMod val="50000"/>
+                  </a:schemeClr>
+                </a:solidFill>
+                <a:latin typeface="Iosevka NF" panose="02000509000000000000" pitchFamily="49" charset="0"/>
+                <a:ea typeface="Iosevka NF" panose="02000509000000000000" pitchFamily="49" charset="0"/>
+              </a:rPr>
+              <a:t>// we have a prime</a:t>
+            </a:r>
+          </a:p>
+          <a:p>
+            <a:pPr marL="0" indent="0">
+              <a:lnSpc>
+                <a:spcPct val="120000"/>
+              </a:lnSpc>
+              <a:spcBef>
+                <a:spcPts val="0"/>
+              </a:spcBef>
+              <a:buNone/>
+            </a:pPr>
+            <a:r>
+              <a:rPr lang="en-GB" dirty="0">
+                <a:latin typeface="Iosevka NF" panose="02000509000000000000" pitchFamily="49" charset="0"/>
+                <a:ea typeface="Iosevka NF" panose="02000509000000000000" pitchFamily="49" charset="0"/>
+              </a:rPr>
+              <a:t>        print(numbers[</a:t>
+            </a:r>
+            <a:r>
+              <a:rPr lang="en-GB" dirty="0" err="1">
+                <a:latin typeface="Iosevka NF" panose="02000509000000000000" pitchFamily="49" charset="0"/>
+                <a:ea typeface="Iosevka NF" panose="02000509000000000000" pitchFamily="49" charset="0"/>
+              </a:rPr>
+              <a:t>i</a:t>
+            </a:r>
+            <a:r>
+              <a:rPr lang="en-GB" dirty="0">
+                <a:latin typeface="Iosevka NF" panose="02000509000000000000" pitchFamily="49" charset="0"/>
+                <a:ea typeface="Iosevka NF" panose="02000509000000000000" pitchFamily="49" charset="0"/>
+              </a:rPr>
+              <a:t>]);</a:t>
+            </a:r>
+          </a:p>
+          <a:p>
+            <a:pPr marL="0" indent="0">
+              <a:lnSpc>
+                <a:spcPct val="120000"/>
+              </a:lnSpc>
+              <a:spcBef>
+                <a:spcPts val="0"/>
+              </a:spcBef>
+              <a:buNone/>
+            </a:pPr>
+            <a:r>
+              <a:rPr lang="en-GB" dirty="0">
+                <a:latin typeface="Iosevka NF" panose="02000509000000000000" pitchFamily="49" charset="0"/>
+                <a:ea typeface="Iosevka NF" panose="02000509000000000000" pitchFamily="49" charset="0"/>
+              </a:rPr>
+              <a:t>        </a:t>
+            </a:r>
+            <a:r>
+              <a:rPr lang="en-GB" i="1" dirty="0">
+                <a:solidFill>
+                  <a:schemeClr val="bg1">
+                    <a:lumMod val="50000"/>
+                  </a:schemeClr>
+                </a:solidFill>
+                <a:latin typeface="Iosevka NF" panose="02000509000000000000" pitchFamily="49" charset="0"/>
+                <a:ea typeface="Iosevka NF" panose="02000509000000000000" pitchFamily="49" charset="0"/>
+              </a:rPr>
+              <a:t>// remove all that are divisible</a:t>
+            </a:r>
+          </a:p>
+          <a:p>
+            <a:pPr marL="0" indent="0">
+              <a:lnSpc>
+                <a:spcPct val="120000"/>
+              </a:lnSpc>
+              <a:spcBef>
+                <a:spcPts val="0"/>
+              </a:spcBef>
+              <a:buNone/>
+            </a:pPr>
+            <a:r>
+              <a:rPr lang="en-GB" dirty="0">
+                <a:latin typeface="Iosevka NF" panose="02000509000000000000" pitchFamily="49" charset="0"/>
+                <a:ea typeface="Iosevka NF" panose="02000509000000000000" pitchFamily="49" charset="0"/>
+              </a:rPr>
+              <a:t>        </a:t>
+            </a:r>
+            <a:r>
+              <a:rPr lang="en-GB" b="1" dirty="0">
+                <a:latin typeface="Iosevka NF" panose="02000509000000000000" pitchFamily="49" charset="0"/>
+                <a:ea typeface="Iosevka NF" panose="02000509000000000000" pitchFamily="49" charset="0"/>
+              </a:rPr>
+              <a:t>for</a:t>
+            </a:r>
+            <a:r>
+              <a:rPr lang="en-GB" dirty="0">
+                <a:latin typeface="Iosevka NF" panose="02000509000000000000" pitchFamily="49" charset="0"/>
+                <a:ea typeface="Iosevka NF" panose="02000509000000000000" pitchFamily="49" charset="0"/>
+              </a:rPr>
+              <a:t> (</a:t>
+            </a:r>
+            <a:r>
+              <a:rPr lang="en-GB" b="1" dirty="0">
+                <a:latin typeface="Iosevka NF" panose="02000509000000000000" pitchFamily="49" charset="0"/>
+                <a:ea typeface="Iosevka NF" panose="02000509000000000000" pitchFamily="49" charset="0"/>
+              </a:rPr>
+              <a:t>int</a:t>
+            </a:r>
+            <a:r>
+              <a:rPr lang="en-GB" dirty="0">
+                <a:latin typeface="Iosevka NF" panose="02000509000000000000" pitchFamily="49" charset="0"/>
+                <a:ea typeface="Iosevka NF" panose="02000509000000000000" pitchFamily="49" charset="0"/>
+              </a:rPr>
+              <a:t> j = </a:t>
+            </a:r>
+            <a:r>
+              <a:rPr lang="en-GB" dirty="0" err="1">
+                <a:latin typeface="Iosevka NF" panose="02000509000000000000" pitchFamily="49" charset="0"/>
+                <a:ea typeface="Iosevka NF" panose="02000509000000000000" pitchFamily="49" charset="0"/>
+              </a:rPr>
+              <a:t>i</a:t>
+            </a:r>
+            <a:r>
+              <a:rPr lang="en-GB" dirty="0">
+                <a:latin typeface="Iosevka NF" panose="02000509000000000000" pitchFamily="49" charset="0"/>
+                <a:ea typeface="Iosevka NF" panose="02000509000000000000" pitchFamily="49" charset="0"/>
+              </a:rPr>
+              <a:t> + 1; j &lt; 100; ++j) {</a:t>
+            </a:r>
+          </a:p>
+          <a:p>
+            <a:pPr marL="0" indent="0">
+              <a:lnSpc>
+                <a:spcPct val="120000"/>
+              </a:lnSpc>
+              <a:spcBef>
+                <a:spcPts val="0"/>
+              </a:spcBef>
+              <a:buNone/>
+            </a:pPr>
+            <a:r>
+              <a:rPr lang="en-GB" dirty="0">
+                <a:latin typeface="Iosevka NF" panose="02000509000000000000" pitchFamily="49" charset="0"/>
+                <a:ea typeface="Iosevka NF" panose="02000509000000000000" pitchFamily="49" charset="0"/>
+              </a:rPr>
+              <a:t>            </a:t>
+            </a:r>
+            <a:r>
+              <a:rPr lang="en-GB" b="1" dirty="0">
+                <a:latin typeface="Iosevka NF" panose="02000509000000000000" pitchFamily="49" charset="0"/>
+                <a:ea typeface="Iosevka NF" panose="02000509000000000000" pitchFamily="49" charset="0"/>
+              </a:rPr>
+              <a:t>if</a:t>
+            </a:r>
+            <a:r>
+              <a:rPr lang="en-GB" dirty="0">
+                <a:latin typeface="Iosevka NF" panose="02000509000000000000" pitchFamily="49" charset="0"/>
+                <a:ea typeface="Iosevka NF" panose="02000509000000000000" pitchFamily="49" charset="0"/>
+              </a:rPr>
+              <a:t> (numbers[j] == 0)</a:t>
+            </a:r>
+          </a:p>
+          <a:p>
+            <a:pPr marL="0" indent="0">
+              <a:lnSpc>
+                <a:spcPct val="120000"/>
+              </a:lnSpc>
+              <a:spcBef>
+                <a:spcPts val="0"/>
+              </a:spcBef>
+              <a:buNone/>
+            </a:pPr>
+            <a:r>
+              <a:rPr lang="en-GB" dirty="0">
+                <a:latin typeface="Iosevka NF" panose="02000509000000000000" pitchFamily="49" charset="0"/>
+                <a:ea typeface="Iosevka NF" panose="02000509000000000000" pitchFamily="49" charset="0"/>
+              </a:rPr>
+              <a:t>                </a:t>
+            </a:r>
+            <a:r>
+              <a:rPr lang="en-GB" b="1" dirty="0">
+                <a:latin typeface="Iosevka NF" panose="02000509000000000000" pitchFamily="49" charset="0"/>
+                <a:ea typeface="Iosevka NF" panose="02000509000000000000" pitchFamily="49" charset="0"/>
+              </a:rPr>
+              <a:t>continue</a:t>
+            </a:r>
+            <a:r>
+              <a:rPr lang="en-GB" dirty="0">
+                <a:latin typeface="Iosevka NF" panose="02000509000000000000" pitchFamily="49" charset="0"/>
+                <a:ea typeface="Iosevka NF" panose="02000509000000000000" pitchFamily="49" charset="0"/>
+              </a:rPr>
+              <a:t>;</a:t>
+            </a:r>
+          </a:p>
+          <a:p>
+            <a:pPr marL="0" indent="0">
+              <a:lnSpc>
+                <a:spcPct val="120000"/>
+              </a:lnSpc>
+              <a:spcBef>
+                <a:spcPts val="0"/>
+              </a:spcBef>
+              <a:buNone/>
+            </a:pPr>
+            <a:r>
+              <a:rPr lang="en-GB" dirty="0">
+                <a:latin typeface="Iosevka NF" panose="02000509000000000000" pitchFamily="49" charset="0"/>
+                <a:ea typeface="Iosevka NF" panose="02000509000000000000" pitchFamily="49" charset="0"/>
+              </a:rPr>
+              <a:t>            </a:t>
+            </a:r>
+            <a:r>
+              <a:rPr lang="en-GB" b="1" dirty="0">
+                <a:latin typeface="Iosevka NF" panose="02000509000000000000" pitchFamily="49" charset="0"/>
+                <a:ea typeface="Iosevka NF" panose="02000509000000000000" pitchFamily="49" charset="0"/>
+              </a:rPr>
+              <a:t>if</a:t>
+            </a:r>
+            <a:r>
+              <a:rPr lang="en-GB" dirty="0">
+                <a:latin typeface="Iosevka NF" panose="02000509000000000000" pitchFamily="49" charset="0"/>
+                <a:ea typeface="Iosevka NF" panose="02000509000000000000" pitchFamily="49" charset="0"/>
+              </a:rPr>
+              <a:t> (numbers[j] % numbers[</a:t>
+            </a:r>
+            <a:r>
+              <a:rPr lang="en-GB" dirty="0" err="1">
+                <a:latin typeface="Iosevka NF" panose="02000509000000000000" pitchFamily="49" charset="0"/>
+                <a:ea typeface="Iosevka NF" panose="02000509000000000000" pitchFamily="49" charset="0"/>
+              </a:rPr>
+              <a:t>i</a:t>
+            </a:r>
+            <a:r>
+              <a:rPr lang="en-GB" dirty="0">
+                <a:latin typeface="Iosevka NF" panose="02000509000000000000" pitchFamily="49" charset="0"/>
+                <a:ea typeface="Iosevka NF" panose="02000509000000000000" pitchFamily="49" charset="0"/>
+              </a:rPr>
+              <a:t>] == 0)</a:t>
+            </a:r>
+          </a:p>
+          <a:p>
+            <a:pPr marL="0" indent="0">
+              <a:lnSpc>
+                <a:spcPct val="120000"/>
+              </a:lnSpc>
+              <a:spcBef>
+                <a:spcPts val="0"/>
+              </a:spcBef>
+              <a:buNone/>
+            </a:pPr>
+            <a:r>
+              <a:rPr lang="en-GB" dirty="0">
+                <a:latin typeface="Iosevka NF" panose="02000509000000000000" pitchFamily="49" charset="0"/>
+                <a:ea typeface="Iosevka NF" panose="02000509000000000000" pitchFamily="49" charset="0"/>
+              </a:rPr>
+              <a:t>                numbers[j] = 0;</a:t>
+            </a:r>
+          </a:p>
+          <a:p>
+            <a:pPr marL="0" indent="0">
+              <a:lnSpc>
+                <a:spcPct val="120000"/>
+              </a:lnSpc>
+              <a:spcBef>
+                <a:spcPts val="0"/>
+              </a:spcBef>
+              <a:buNone/>
+            </a:pPr>
+            <a:r>
+              <a:rPr lang="en-GB" dirty="0">
+                <a:latin typeface="Iosevka NF" panose="02000509000000000000" pitchFamily="49" charset="0"/>
+                <a:ea typeface="Iosevka NF" panose="02000509000000000000" pitchFamily="49" charset="0"/>
+              </a:rPr>
+              <a:t>        }</a:t>
+            </a:r>
+          </a:p>
+          <a:p>
+            <a:pPr marL="0" indent="0">
+              <a:lnSpc>
+                <a:spcPct val="120000"/>
+              </a:lnSpc>
+              <a:spcBef>
+                <a:spcPts val="0"/>
+              </a:spcBef>
+              <a:buNone/>
+            </a:pPr>
+            <a:r>
+              <a:rPr lang="en-GB" dirty="0">
+                <a:latin typeface="Iosevka NF" panose="02000509000000000000" pitchFamily="49" charset="0"/>
+                <a:ea typeface="Iosevka NF" panose="02000509000000000000" pitchFamily="49" charset="0"/>
+              </a:rPr>
+              <a:t>    }</a:t>
+            </a:r>
+          </a:p>
+          <a:p>
+            <a:pPr marL="0" indent="0">
+              <a:lnSpc>
+                <a:spcPct val="120000"/>
+              </a:lnSpc>
+              <a:spcBef>
+                <a:spcPts val="0"/>
+              </a:spcBef>
+              <a:buNone/>
+            </a:pPr>
+            <a:r>
+              <a:rPr lang="en-GB" dirty="0">
+                <a:latin typeface="Iosevka NF" panose="02000509000000000000" pitchFamily="49" charset="0"/>
+                <a:ea typeface="Iosevka NF" panose="02000509000000000000" pitchFamily="49" charset="0"/>
+              </a:rPr>
+              <a:t>}</a:t>
+            </a:r>
+            <a:endParaRPr lang="en-US" dirty="0">
+              <a:latin typeface="Iosevka NF" panose="02000509000000000000" pitchFamily="49" charset="0"/>
+              <a:ea typeface="Iosevka NF" panose="02000509000000000000" pitchFamily="49" charset="0"/>
+            </a:endParaRPr>
           </a:p>
         </p:txBody>
       </p:sp>
     </p:spTree>
     <p:extLst>
       <p:ext uri="{BB962C8B-B14F-4D97-AF65-F5344CB8AC3E}">
-        <p14:creationId xmlns:p14="http://schemas.microsoft.com/office/powerpoint/2010/main" val="2696999387"/>
+        <p14:creationId xmlns:p14="http://schemas.microsoft.com/office/powerpoint/2010/main" val="3777737850"/>
       </p:ext>
     </p:extLst>
   </p:cSld>
